--- a/SVD与LFM推荐系统.pptx
+++ b/SVD与LFM推荐系统.pptx
@@ -4874,8 +4874,8 @@
           </a:p>
         </p:txBody>
       </p:sp>
-      <mc:AlternateContent xmlns:mc="http://schemas.openxmlformats.org/markup-compatibility/2006">
-        <mc:Choice xmlns:a14="http://schemas.microsoft.com/office/drawing/2010/main" Requires="a14">
+      <mc:AlternateContent xmlns:mc="http://schemas.openxmlformats.org/markup-compatibility/2006" xmlns:a14="http://schemas.microsoft.com/office/drawing/2010/main">
+        <mc:Choice Requires="a14">
           <p:sp>
             <p:nvSpPr>
               <p:cNvPr id="3" name="内容占位符 2">
@@ -5453,7 +5453,7 @@
             </p:txBody>
           </p:sp>
         </mc:Choice>
-        <mc:Fallback>
+        <mc:Fallback xmlns="">
           <p:sp>
             <p:nvSpPr>
               <p:cNvPr id="3" name="内容占位符 2">
@@ -5633,7 +5633,7 @@
         </p:spPr>
         <p:txBody>
           <a:bodyPr>
-            <a:normAutofit/>
+            <a:normAutofit lnSpcReduction="10000"/>
           </a:bodyPr>
           <a:lstStyle/>
           <a:p>
@@ -5764,11 +5764,11 @@
             </a:r>
             <a:r>
               <a:rPr kumimoji="1" lang="zh-CN" altLang="en-US" dirty="0"/>
-              <a:t>耦合度低。</a:t>
+              <a:t>耦合度低</a:t>
             </a:r>
             <a:r>
               <a:rPr kumimoji="1" lang="en-US" altLang="zh-CN" dirty="0"/>
-              <a:t>mlib</a:t>
+              <a:t>; mlib</a:t>
             </a:r>
             <a:r>
               <a:rPr kumimoji="1" lang="zh-CN" altLang="en-US" dirty="0"/>
@@ -5782,12 +5782,6 @@
               <a:rPr kumimoji="1" lang="zh-CN" altLang="en-US" dirty="0"/>
               <a:t>操作麻烦。</a:t>
             </a:r>
-            <a:endParaRPr kumimoji="1" lang="en-US" altLang="zh-CN" dirty="0"/>
-          </a:p>
-          <a:p>
-            <a:pPr marL="0" indent="0">
-              <a:buNone/>
-            </a:pPr>
             <a:endParaRPr kumimoji="1" lang="en-US" altLang="zh-CN" dirty="0"/>
           </a:p>
           <a:p>
@@ -5810,12 +5804,47 @@
               <a:rPr kumimoji="1" lang="en-US" altLang="zh-CN" dirty="0"/>
               <a:t>: </a:t>
             </a:r>
+          </a:p>
+          <a:p>
+            <a:pPr marL="457200" indent="-457200">
+              <a:buFont typeface="+mj-lt"/>
+              <a:buAutoNum type="alphaLcParenR"/>
+            </a:pPr>
+            <a:r>
+              <a:rPr kumimoji="1" lang="zh-CN" altLang="en-US" dirty="0"/>
+              <a:t>欢迎界面</a:t>
+            </a:r>
+            <a:r>
+              <a:rPr kumimoji="1" lang="en-US" altLang="zh-CN" dirty="0"/>
+              <a:t>: </a:t>
+            </a:r>
+            <a:r>
+              <a:rPr lang="en" altLang="zh-CN" dirty="0">
+                <a:hlinkClick r:id="rId3"/>
+              </a:rPr>
+              <a:t>http://surpriselib.com/</a:t>
+            </a:r>
+            <a:endParaRPr lang="en" altLang="zh-CN" dirty="0"/>
+          </a:p>
+          <a:p>
+            <a:pPr marL="457200" indent="-457200">
+              <a:buFont typeface="+mj-lt"/>
+              <a:buAutoNum type="alphaLcParenR"/>
+            </a:pPr>
+            <a:r>
+              <a:rPr kumimoji="1" lang="zh-CN" altLang="en-US" dirty="0"/>
+              <a:t>文档界面</a:t>
+            </a:r>
+            <a:r>
+              <a:rPr kumimoji="1" lang="en-US" altLang="zh-CN" dirty="0"/>
+              <a:t>: </a:t>
+            </a:r>
             <a:r>
               <a:rPr lang="en-US" altLang="zh-CN" u="sng" dirty="0">
                 <a:solidFill>
                   <a:schemeClr val="accent1"/>
                 </a:solidFill>
-                <a:hlinkClick r:id="rId3"/>
+                <a:hlinkClick r:id="rId4"/>
               </a:rPr>
               <a:t>https://surprise.readthedocs.io</a:t>
             </a:r>
@@ -29404,8 +29433,8 @@
           </a:p>
         </p:txBody>
       </p:sp>
-      <mc:AlternateContent xmlns:mc="http://schemas.openxmlformats.org/markup-compatibility/2006">
-        <mc:Choice xmlns:a14="http://schemas.microsoft.com/office/drawing/2010/main" Requires="a14">
+      <mc:AlternateContent xmlns:mc="http://schemas.openxmlformats.org/markup-compatibility/2006" xmlns:a14="http://schemas.microsoft.com/office/drawing/2010/main">
+        <mc:Choice Requires="a14">
           <p:sp>
             <p:nvSpPr>
               <p:cNvPr id="3" name="内容占位符 2">
@@ -30281,13 +30310,7 @@
                       <a:rPr kumimoji="1" lang="en-US" altLang="zh-CN" b="0" i="1" smtClean="0">
                         <a:latin typeface="Cambria Math" panose="02040503050406030204" pitchFamily="18" charset="0"/>
                       </a:rPr>
-                      <m:t>−</m:t>
-                    </m:r>
-                    <m:r>
-                      <a:rPr kumimoji="1" lang="en-US" altLang="zh-CN" b="0" i="1" smtClean="0">
-                        <a:latin typeface="Cambria Math" panose="02040503050406030204" pitchFamily="18" charset="0"/>
-                      </a:rPr>
-                      <m:t> 2∗(</m:t>
+                      <m:t>− 2∗(</m:t>
                     </m:r>
                     <m:sSub>
                       <m:sSubPr>
@@ -30724,7 +30747,7 @@
             </p:txBody>
           </p:sp>
         </mc:Choice>
-        <mc:Fallback>
+        <mc:Fallback xmlns="">
           <p:sp>
             <p:nvSpPr>
               <p:cNvPr id="3" name="内容占位符 2">
@@ -31124,8 +31147,8 @@
           </a:p>
         </p:txBody>
       </p:sp>
-      <mc:AlternateContent xmlns:mc="http://schemas.openxmlformats.org/markup-compatibility/2006">
-        <mc:Choice xmlns:a14="http://schemas.microsoft.com/office/drawing/2010/main" Requires="a14">
+      <mc:AlternateContent xmlns:mc="http://schemas.openxmlformats.org/markup-compatibility/2006" xmlns:a14="http://schemas.microsoft.com/office/drawing/2010/main">
+        <mc:Choice Requires="a14">
           <p:sp>
             <p:nvSpPr>
               <p:cNvPr id="3" name="内容占位符 2">
@@ -31298,7 +31321,7 @@
                     <m:sSub>
                       <m:sSubPr>
                         <m:ctrlPr>
-                          <a:rPr kumimoji="1" lang="en-US" altLang="zh-CN" sz="1800" b="0" i="0" smtClean="0">
+                          <a:rPr kumimoji="1" lang="en-US" altLang="zh-CN" sz="1800" b="0" i="1" smtClean="0">
                             <a:latin typeface="Cambria Math" panose="02040503050406030204" pitchFamily="18" charset="0"/>
                           </a:rPr>
                         </m:ctrlPr>
@@ -31335,7 +31358,7 @@
                     <m:sSub>
                       <m:sSubPr>
                         <m:ctrlPr>
-                          <a:rPr kumimoji="1" lang="en-US" altLang="zh-CN" sz="1800" b="0" i="0" smtClean="0">
+                          <a:rPr kumimoji="1" lang="en-US" altLang="zh-CN" sz="1800" b="0" i="1" smtClean="0">
                             <a:latin typeface="Cambria Math" panose="02040503050406030204" pitchFamily="18" charset="0"/>
                           </a:rPr>
                         </m:ctrlPr>
@@ -31961,13 +31984,7 @@
                       <a:rPr kumimoji="1" lang="en-US" altLang="zh-CN" b="0" i="1" smtClean="0">
                         <a:latin typeface="Cambria Math" panose="02040503050406030204" pitchFamily="18" charset="0"/>
                       </a:rPr>
-                      <m:t>  </m:t>
-                    </m:r>
-                    <m:r>
-                      <a:rPr kumimoji="1" lang="en-US" altLang="zh-CN" b="0" i="1" smtClean="0">
-                        <a:latin typeface="Cambria Math" panose="02040503050406030204" pitchFamily="18" charset="0"/>
-                      </a:rPr>
-                      <m:t>−</m:t>
+                      <m:t>  −</m:t>
                     </m:r>
                     <m:r>
                       <a:rPr kumimoji="1" lang="zh-CN" altLang="en-US" b="0" i="1" smtClean="0">
@@ -32930,13 +32947,7 @@
                       <a:rPr kumimoji="1" lang="en-US" altLang="zh-CN" i="1">
                         <a:latin typeface="Cambria Math" panose="02040503050406030204" pitchFamily="18" charset="0"/>
                       </a:rPr>
-                      <m:t>−</m:t>
-                    </m:r>
-                    <m:r>
-                      <a:rPr kumimoji="1" lang="en-US" altLang="zh-CN" i="1">
-                        <a:latin typeface="Cambria Math" panose="02040503050406030204" pitchFamily="18" charset="0"/>
-                      </a:rPr>
-                      <m:t> 2∗(</m:t>
+                      <m:t>− 2∗(</m:t>
                     </m:r>
                     <m:sSub>
                       <m:sSubPr>
@@ -33174,7 +33185,7 @@
             </p:txBody>
           </p:sp>
         </mc:Choice>
-        <mc:Fallback>
+        <mc:Fallback xmlns="">
           <p:sp>
             <p:nvSpPr>
               <p:cNvPr id="3" name="内容占位符 2">

--- a/SVD与LFM推荐系统.pptx
+++ b/SVD与LFM推荐系统.pptx
@@ -227,7 +227,7 @@
           <a:p>
             <a:fld id="{593F4049-CF41-9340-921C-9E953AEBC91D}" type="datetimeFigureOut">
               <a:rPr kumimoji="1" lang="zh-CN" altLang="en-US" smtClean="0"/>
-              <a:t>2020/9/22</a:t>
+              <a:t>2020/9/23</a:t>
             </a:fld>
             <a:endParaRPr kumimoji="1" lang="zh-CN" altLang="en-US"/>
           </a:p>
@@ -408,7 +408,7 @@
           <a:p>
             <a:fld id="{773ADF60-34E7-844F-99D8-BAD0570EEDCD}" type="datetimeFigureOut">
               <a:rPr kumimoji="1" lang="zh-CN" altLang="en-US" smtClean="0"/>
-              <a:t>2020/9/22</a:t>
+              <a:t>2020/9/23</a:t>
             </a:fld>
             <a:endParaRPr kumimoji="1" lang="zh-CN" altLang="en-US"/>
           </a:p>
@@ -790,7 +790,7 @@
           <a:p>
             <a:fld id="{2EA75ED9-19BB-5F4D-9901-AD36885E3C35}" type="datetime1">
               <a:rPr kumimoji="1" lang="zh-CN" altLang="en-US" smtClean="0"/>
-              <a:t>2020/9/22</a:t>
+              <a:t>2020/9/23</a:t>
             </a:fld>
             <a:endParaRPr kumimoji="1" lang="zh-CN" altLang="en-US"/>
           </a:p>
@@ -997,7 +997,7 @@
           <a:p>
             <a:fld id="{C4BB4DD4-6E9E-D943-B89D-24AB2A9A37AF}" type="datetime1">
               <a:rPr kumimoji="1" lang="zh-CN" altLang="en-US" smtClean="0"/>
-              <a:t>2020/9/22</a:t>
+              <a:t>2020/9/23</a:t>
             </a:fld>
             <a:endParaRPr kumimoji="1" lang="zh-CN" altLang="en-US"/>
           </a:p>
@@ -1208,7 +1208,7 @@
           <a:p>
             <a:fld id="{0D5B46DE-5891-CD47-9D1B-D1B2EC42C04F}" type="datetime1">
               <a:rPr kumimoji="1" lang="zh-CN" altLang="en-US" smtClean="0"/>
-              <a:t>2020/9/22</a:t>
+              <a:t>2020/9/23</a:t>
             </a:fld>
             <a:endParaRPr kumimoji="1" lang="zh-CN" altLang="en-US"/>
           </a:p>
@@ -1405,7 +1405,7 @@
           <a:p>
             <a:fld id="{082B5EBB-9513-B549-A64B-B896B99CBF61}" type="datetime1">
               <a:rPr kumimoji="1" lang="zh-CN" altLang="en-US" smtClean="0"/>
-              <a:t>2020/9/22</a:t>
+              <a:t>2020/9/23</a:t>
             </a:fld>
             <a:endParaRPr kumimoji="1" lang="zh-CN" altLang="en-US"/>
           </a:p>
@@ -1709,7 +1709,7 @@
           <a:p>
             <a:fld id="{BE3EFAB8-AE3D-D641-A0A8-3EB5F36659B7}" type="datetime1">
               <a:rPr kumimoji="1" lang="zh-CN" altLang="en-US" smtClean="0"/>
-              <a:t>2020/9/22</a:t>
+              <a:t>2020/9/23</a:t>
             </a:fld>
             <a:endParaRPr kumimoji="1" lang="zh-CN" altLang="en-US"/>
           </a:p>
@@ -1949,7 +1949,7 @@
           <a:p>
             <a:fld id="{1688B979-6DBC-2948-8153-66809E3D9335}" type="datetime1">
               <a:rPr kumimoji="1" lang="zh-CN" altLang="en-US" smtClean="0"/>
-              <a:t>2020/9/22</a:t>
+              <a:t>2020/9/23</a:t>
             </a:fld>
             <a:endParaRPr kumimoji="1" lang="zh-CN" altLang="en-US"/>
           </a:p>
@@ -2347,7 +2347,7 @@
           <a:p>
             <a:fld id="{837F8614-31CF-3B41-B927-2A656F1F4AF8}" type="datetime1">
               <a:rPr kumimoji="1" lang="zh-CN" altLang="en-US" smtClean="0"/>
-              <a:t>2020/9/22</a:t>
+              <a:t>2020/9/23</a:t>
             </a:fld>
             <a:endParaRPr kumimoji="1" lang="zh-CN" altLang="en-US"/>
           </a:p>
@@ -2516,7 +2516,7 @@
           <a:p>
             <a:fld id="{7C439501-8ADE-B644-ABD7-B1E94536C12E}" type="datetime1">
               <a:rPr kumimoji="1" lang="zh-CN" altLang="en-US" smtClean="0"/>
-              <a:t>2020/9/22</a:t>
+              <a:t>2020/9/23</a:t>
             </a:fld>
             <a:endParaRPr kumimoji="1" lang="zh-CN" altLang="en-US"/>
           </a:p>
@@ -2662,7 +2662,7 @@
           <a:p>
             <a:fld id="{17E09F12-85EB-2040-A1E1-F149339CDB47}" type="datetime1">
               <a:rPr kumimoji="1" lang="zh-CN" altLang="en-US" smtClean="0"/>
-              <a:t>2020/9/22</a:t>
+              <a:t>2020/9/23</a:t>
             </a:fld>
             <a:endParaRPr kumimoji="1" lang="zh-CN" altLang="en-US"/>
           </a:p>
@@ -2914,7 +2914,7 @@
           <a:p>
             <a:fld id="{9CEAFC40-9230-BA41-A728-8560177B4312}" type="datetime1">
               <a:rPr kumimoji="1" lang="zh-CN" altLang="en-US" smtClean="0"/>
-              <a:t>2020/9/22</a:t>
+              <a:t>2020/9/23</a:t>
             </a:fld>
             <a:endParaRPr kumimoji="1" lang="zh-CN" altLang="en-US"/>
           </a:p>
@@ -3384,7 +3384,7 @@
           <a:p>
             <a:fld id="{667471DE-A621-EC4E-BDD0-23F29AFE4EF6}" type="datetime1">
               <a:rPr kumimoji="1" lang="zh-CN" altLang="en-US" smtClean="0"/>
-              <a:t>2020/9/22</a:t>
+              <a:t>2020/9/23</a:t>
             </a:fld>
             <a:endParaRPr kumimoji="1" lang="zh-CN" altLang="en-US"/>
           </a:p>
@@ -3730,7 +3730,7 @@
           <a:p>
             <a:fld id="{E85FDE48-3BA0-5146-8C41-3480179F902F}" type="datetime1">
               <a:rPr kumimoji="1" lang="zh-CN" altLang="en-US" smtClean="0"/>
-              <a:t>2020/9/22</a:t>
+              <a:t>2020/9/23</a:t>
             </a:fld>
             <a:endParaRPr kumimoji="1" lang="zh-CN" altLang="en-US"/>
           </a:p>
@@ -4455,23 +4455,23 @@
           <a:lstStyle/>
           <a:p>
             <a:r>
-              <a:rPr kumimoji="1" lang="zh-CN" altLang="en-US"/>
+              <a:rPr kumimoji="1" lang="zh-CN" altLang="en-US" dirty="0"/>
               <a:t>骰子人工智能 </a:t>
             </a:r>
             <a:r>
-              <a:rPr kumimoji="1" lang="en" altLang="zh-CN"/>
+              <a:rPr kumimoji="1" lang="en" altLang="zh-CN" dirty="0"/>
               <a:t>B</a:t>
             </a:r>
             <a:r>
-              <a:rPr kumimoji="1" lang="zh-CN" altLang="en-US"/>
+              <a:rPr kumimoji="1" lang="zh-CN" altLang="en-US" dirty="0"/>
               <a:t>站主页</a:t>
             </a:r>
             <a:r>
-              <a:rPr kumimoji="1" lang="en-US" altLang="zh-CN"/>
+              <a:rPr kumimoji="1" lang="en-US" altLang="zh-CN" dirty="0"/>
               <a:t>:</a:t>
             </a:r>
             <a:r>
-              <a:rPr kumimoji="1" lang="en" altLang="zh-CN"/>
+              <a:rPr kumimoji="1" lang="en" altLang="zh-CN" dirty="0"/>
               <a:t>https://space.bilibili.com/497998686</a:t>
             </a:r>
             <a:endParaRPr kumimoji="1" lang="zh-CN" altLang="en-US" dirty="0"/>
@@ -8751,13 +8751,13 @@
           <p:nvPr>
             <p:extLst>
               <p:ext uri="{D42A27DB-BD31-4B8C-83A1-F6EECF244321}">
-                <p14:modId xmlns:p14="http://schemas.microsoft.com/office/powerpoint/2010/main" val="3810868699"/>
+                <p14:modId xmlns:p14="http://schemas.microsoft.com/office/powerpoint/2010/main" val="2600892744"/>
               </p:ext>
             </p:extLst>
           </p:nvPr>
         </p:nvGraphicFramePr>
         <p:xfrm>
-          <a:off x="3242664" y="2458282"/>
+          <a:off x="8420933" y="2467002"/>
           <a:ext cx="2520000" cy="2570400"/>
         </p:xfrm>
         <a:graphic>
@@ -9255,7 +9255,7 @@
                     <a:bodyPr/>
                     <a:lstStyle/>
                     <a:p>
-                      <a:endParaRPr lang="zh-CN" altLang="en-US"/>
+                      <a:endParaRPr lang="zh-CN" altLang="en-US" dirty="0"/>
                     </a:p>
                   </a:txBody>
                   <a:tcPr>
@@ -11483,13 +11483,13 @@
           <p:nvPr>
             <p:extLst>
               <p:ext uri="{D42A27DB-BD31-4B8C-83A1-F6EECF244321}">
-                <p14:modId xmlns:p14="http://schemas.microsoft.com/office/powerpoint/2010/main" val="694937292"/>
+                <p14:modId xmlns:p14="http://schemas.microsoft.com/office/powerpoint/2010/main" val="2088888663"/>
               </p:ext>
             </p:extLst>
           </p:nvPr>
         </p:nvGraphicFramePr>
         <p:xfrm>
-          <a:off x="6230077" y="2869675"/>
+          <a:off x="5403965" y="2824174"/>
           <a:ext cx="2520000" cy="1836000"/>
         </p:xfrm>
         <a:graphic>
@@ -14159,13 +14159,13 @@
           <p:nvPr>
             <p:extLst>
               <p:ext uri="{D42A27DB-BD31-4B8C-83A1-F6EECF244321}">
-                <p14:modId xmlns:p14="http://schemas.microsoft.com/office/powerpoint/2010/main" val="1554484326"/>
+                <p14:modId xmlns:p14="http://schemas.microsoft.com/office/powerpoint/2010/main" val="1301203467"/>
               </p:ext>
             </p:extLst>
           </p:nvPr>
         </p:nvGraphicFramePr>
         <p:xfrm>
-          <a:off x="9271126" y="2851475"/>
+          <a:off x="3303007" y="2834202"/>
           <a:ext cx="1620000" cy="1854200"/>
         </p:xfrm>
         <a:graphic>
@@ -15589,7 +15589,7 @@
         </p:nvSpPr>
         <p:spPr>
           <a:xfrm>
-            <a:off x="2877921" y="3535698"/>
+            <a:off x="2822695" y="3516948"/>
             <a:ext cx="319318" cy="369332"/>
           </a:xfrm>
           <a:prstGeom prst="rect">
@@ -15625,7 +15625,7 @@
         </p:nvSpPr>
         <p:spPr>
           <a:xfrm>
-            <a:off x="5854887" y="3603009"/>
+            <a:off x="5028775" y="3557508"/>
             <a:ext cx="348172" cy="369332"/>
           </a:xfrm>
           <a:prstGeom prst="rect">
@@ -15661,7 +15661,7 @@
         </p:nvSpPr>
         <p:spPr>
           <a:xfrm>
-            <a:off x="8858834" y="3558816"/>
+            <a:off x="8032722" y="3513315"/>
             <a:ext cx="412292" cy="369332"/>
           </a:xfrm>
           <a:prstGeom prst="rect">
@@ -15805,8 +15805,8 @@
           </p:sp>
         </mc:Fallback>
       </mc:AlternateContent>
-      <mc:AlternateContent xmlns:mc="http://schemas.openxmlformats.org/markup-compatibility/2006" xmlns:a14="http://schemas.microsoft.com/office/drawing/2010/main">
-        <mc:Choice Requires="a14">
+      <mc:AlternateContent xmlns:mc="http://schemas.openxmlformats.org/markup-compatibility/2006">
+        <mc:Choice xmlns:a14="http://schemas.microsoft.com/office/drawing/2010/main" Requires="a14">
           <p:sp>
             <p:nvSpPr>
               <p:cNvPr id="19" name="文本框 18">
@@ -15821,8 +15821,8 @@
             </p:nvSpPr>
             <p:spPr>
               <a:xfrm>
-                <a:off x="4018238" y="2050037"/>
-                <a:ext cx="1295163" cy="369332"/>
+                <a:off x="3457941" y="2449993"/>
+                <a:ext cx="1295162" cy="369332"/>
               </a:xfrm>
               <a:prstGeom prst="rect">
                 <a:avLst/>
@@ -15884,7 +15884,7 @@
             </p:txBody>
           </p:sp>
         </mc:Choice>
-        <mc:Fallback xmlns="">
+        <mc:Fallback>
           <p:sp>
             <p:nvSpPr>
               <p:cNvPr id="19" name="文本框 18">
@@ -15901,8 +15901,8 @@
             </p:nvSpPr>
             <p:spPr>
               <a:xfrm>
-                <a:off x="4018238" y="2050037"/>
-                <a:ext cx="1295163" cy="369332"/>
+                <a:off x="3457941" y="2449993"/>
+                <a:ext cx="1295162" cy="369332"/>
               </a:xfrm>
               <a:prstGeom prst="rect">
                 <a:avLst/>
@@ -15929,8 +15929,8 @@
           </p:sp>
         </mc:Fallback>
       </mc:AlternateContent>
-      <mc:AlternateContent xmlns:mc="http://schemas.openxmlformats.org/markup-compatibility/2006" xmlns:a14="http://schemas.microsoft.com/office/drawing/2010/main">
-        <mc:Choice Requires="a14">
+      <mc:AlternateContent xmlns:mc="http://schemas.openxmlformats.org/markup-compatibility/2006">
+        <mc:Choice xmlns:a14="http://schemas.microsoft.com/office/drawing/2010/main" Requires="a14">
           <p:sp>
             <p:nvSpPr>
               <p:cNvPr id="20" name="文本框 19">
@@ -15945,7 +15945,7 @@
             </p:nvSpPr>
             <p:spPr>
               <a:xfrm>
-                <a:off x="7005021" y="2419369"/>
+                <a:off x="5984449" y="2417272"/>
                 <a:ext cx="1190711" cy="369332"/>
               </a:xfrm>
               <a:prstGeom prst="rect">
@@ -16009,7 +16009,7 @@
             </p:txBody>
           </p:sp>
         </mc:Choice>
-        <mc:Fallback xmlns="">
+        <mc:Fallback>
           <p:sp>
             <p:nvSpPr>
               <p:cNvPr id="20" name="文本框 19">
@@ -16026,7 +16026,7 @@
             </p:nvSpPr>
             <p:spPr>
               <a:xfrm>
-                <a:off x="7005021" y="2419369"/>
+                <a:off x="5984449" y="2417272"/>
                 <a:ext cx="1190711" cy="369332"/>
               </a:xfrm>
               <a:prstGeom prst="rect">
@@ -16035,7 +16035,7 @@
               <a:blipFill>
                 <a:blip r:embed="rId4"/>
                 <a:stretch>
-                  <a:fillRect b="-10000"/>
+                  <a:fillRect b="-13333"/>
                 </a:stretch>
               </a:blipFill>
             </p:spPr>
@@ -16054,8 +16054,8 @@
           </p:sp>
         </mc:Fallback>
       </mc:AlternateContent>
-      <mc:AlternateContent xmlns:mc="http://schemas.openxmlformats.org/markup-compatibility/2006" xmlns:a14="http://schemas.microsoft.com/office/drawing/2010/main">
-        <mc:Choice Requires="a14">
+      <mc:AlternateContent xmlns:mc="http://schemas.openxmlformats.org/markup-compatibility/2006">
+        <mc:Choice xmlns:a14="http://schemas.microsoft.com/office/drawing/2010/main" Requires="a14">
           <p:sp>
             <p:nvSpPr>
               <p:cNvPr id="21" name="文本框 20">
@@ -16070,7 +16070,7 @@
             </p:nvSpPr>
             <p:spPr>
               <a:xfrm>
-                <a:off x="9419872" y="2464870"/>
+                <a:off x="8943384" y="2078028"/>
                 <a:ext cx="1114344" cy="369332"/>
               </a:xfrm>
               <a:prstGeom prst="rect">
@@ -16133,7 +16133,7 @@
             </p:txBody>
           </p:sp>
         </mc:Choice>
-        <mc:Fallback xmlns="">
+        <mc:Fallback>
           <p:sp>
             <p:nvSpPr>
               <p:cNvPr id="21" name="文本框 20">
@@ -16150,7 +16150,7 @@
             </p:nvSpPr>
             <p:spPr>
               <a:xfrm>
-                <a:off x="9419872" y="2464870"/>
+                <a:off x="8943384" y="2078028"/>
                 <a:ext cx="1114344" cy="369332"/>
               </a:xfrm>
               <a:prstGeom prst="rect">
@@ -16159,7 +16159,7 @@
               <a:blipFill>
                 <a:blip r:embed="rId5"/>
                 <a:stretch>
-                  <a:fillRect l="-4545" t="-3333" b="-20000"/>
+                  <a:fillRect l="-3371" t="-6667" b="-20000"/>
                 </a:stretch>
               </a:blipFill>
             </p:spPr>
@@ -18730,1226 +18730,6 @@
       </p:sp>
       <p:graphicFrame>
         <p:nvGraphicFramePr>
-          <p:cNvPr id="12" name="表格 11">
-            <a:extLst>
-              <a:ext uri="{FF2B5EF4-FFF2-40B4-BE49-F238E27FC236}">
-                <a16:creationId xmlns:a16="http://schemas.microsoft.com/office/drawing/2014/main" id="{AB04CF41-6969-9A49-A5F7-958CC5982291}"/>
-              </a:ext>
-            </a:extLst>
-          </p:cNvPr>
-          <p:cNvGraphicFramePr>
-            <a:graphicFrameLocks noGrp="1"/>
-          </p:cNvGraphicFramePr>
-          <p:nvPr>
-            <p:extLst>
-              <p:ext uri="{D42A27DB-BD31-4B8C-83A1-F6EECF244321}">
-                <p14:modId xmlns:p14="http://schemas.microsoft.com/office/powerpoint/2010/main" val="2570256956"/>
-              </p:ext>
-            </p:extLst>
-          </p:nvPr>
-        </p:nvGraphicFramePr>
-        <p:xfrm>
-          <a:off x="4593792" y="2210180"/>
-          <a:ext cx="1080000" cy="2570400"/>
-        </p:xfrm>
-        <a:graphic>
-          <a:graphicData uri="http://schemas.openxmlformats.org/drawingml/2006/table">
-            <a:tbl>
-              <a:tblPr firstRow="1" bandRow="1">
-                <a:tableStyleId>{2D5ABB26-0587-4C30-8999-92F81FD0307C}</a:tableStyleId>
-              </a:tblPr>
-              <a:tblGrid>
-                <a:gridCol w="360000">
-                  <a:extLst>
-                    <a:ext uri="{9D8B030D-6E8A-4147-A177-3AD203B41FA5}">
-                      <a16:colId xmlns:a16="http://schemas.microsoft.com/office/drawing/2014/main" val="3768261824"/>
-                    </a:ext>
-                  </a:extLst>
-                </a:gridCol>
-                <a:gridCol w="360000">
-                  <a:extLst>
-                    <a:ext uri="{9D8B030D-6E8A-4147-A177-3AD203B41FA5}">
-                      <a16:colId xmlns:a16="http://schemas.microsoft.com/office/drawing/2014/main" val="2771964976"/>
-                    </a:ext>
-                  </a:extLst>
-                </a:gridCol>
-                <a:gridCol w="360000">
-                  <a:extLst>
-                    <a:ext uri="{9D8B030D-6E8A-4147-A177-3AD203B41FA5}">
-                      <a16:colId xmlns:a16="http://schemas.microsoft.com/office/drawing/2014/main" val="3974283967"/>
-                    </a:ext>
-                  </a:extLst>
-                </a:gridCol>
-              </a:tblGrid>
-              <a:tr h="367200">
-                <a:tc>
-                  <a:txBody>
-                    <a:bodyPr/>
-                    <a:lstStyle/>
-                    <a:p>
-                      <a:pPr algn="l"/>
-                      <a:endParaRPr lang="zh-CN" altLang="en-US" dirty="0"/>
-                    </a:p>
-                  </a:txBody>
-                  <a:tcPr>
-                    <a:lnL w="12700" cap="flat" cmpd="sng" algn="ctr">
-                      <a:solidFill>
-                        <a:schemeClr val="tx1"/>
-                      </a:solidFill>
-                      <a:prstDash val="solid"/>
-                      <a:round/>
-                      <a:headEnd type="none" w="med" len="med"/>
-                      <a:tailEnd type="none" w="med" len="med"/>
-                    </a:lnL>
-                    <a:lnR w="12700" cap="flat" cmpd="sng" algn="ctr">
-                      <a:solidFill>
-                        <a:schemeClr val="tx1"/>
-                      </a:solidFill>
-                      <a:prstDash val="solid"/>
-                      <a:round/>
-                      <a:headEnd type="none" w="med" len="med"/>
-                      <a:tailEnd type="none" w="med" len="med"/>
-                    </a:lnR>
-                    <a:lnT w="12700" cap="flat" cmpd="sng" algn="ctr">
-                      <a:solidFill>
-                        <a:schemeClr val="tx1"/>
-                      </a:solidFill>
-                      <a:prstDash val="solid"/>
-                      <a:round/>
-                      <a:headEnd type="none" w="med" len="med"/>
-                      <a:tailEnd type="none" w="med" len="med"/>
-                    </a:lnT>
-                    <a:lnB w="12700" cap="flat" cmpd="sng" algn="ctr">
-                      <a:solidFill>
-                        <a:schemeClr val="tx1"/>
-                      </a:solidFill>
-                      <a:prstDash val="solid"/>
-                      <a:round/>
-                      <a:headEnd type="none" w="med" len="med"/>
-                      <a:tailEnd type="none" w="med" len="med"/>
-                    </a:lnB>
-                    <a:solidFill>
-                      <a:schemeClr val="accent6">
-                        <a:lumMod val="40000"/>
-                        <a:lumOff val="60000"/>
-                      </a:schemeClr>
-                    </a:solidFill>
-                  </a:tcPr>
-                </a:tc>
-                <a:tc>
-                  <a:txBody>
-                    <a:bodyPr/>
-                    <a:lstStyle/>
-                    <a:p>
-                      <a:endParaRPr lang="zh-CN" altLang="en-US"/>
-                    </a:p>
-                  </a:txBody>
-                  <a:tcPr>
-                    <a:lnL w="12700" cap="flat" cmpd="sng" algn="ctr">
-                      <a:solidFill>
-                        <a:schemeClr val="tx1"/>
-                      </a:solidFill>
-                      <a:prstDash val="solid"/>
-                      <a:round/>
-                      <a:headEnd type="none" w="med" len="med"/>
-                      <a:tailEnd type="none" w="med" len="med"/>
-                    </a:lnL>
-                    <a:lnR w="12700" cap="flat" cmpd="sng" algn="ctr">
-                      <a:solidFill>
-                        <a:schemeClr val="tx1"/>
-                      </a:solidFill>
-                      <a:prstDash val="solid"/>
-                      <a:round/>
-                      <a:headEnd type="none" w="med" len="med"/>
-                      <a:tailEnd type="none" w="med" len="med"/>
-                    </a:lnR>
-                    <a:lnT w="12700" cap="flat" cmpd="sng" algn="ctr">
-                      <a:solidFill>
-                        <a:schemeClr val="tx1"/>
-                      </a:solidFill>
-                      <a:prstDash val="solid"/>
-                      <a:round/>
-                      <a:headEnd type="none" w="med" len="med"/>
-                      <a:tailEnd type="none" w="med" len="med"/>
-                    </a:lnT>
-                    <a:lnB w="12700" cap="flat" cmpd="sng" algn="ctr">
-                      <a:solidFill>
-                        <a:schemeClr val="tx1"/>
-                      </a:solidFill>
-                      <a:prstDash val="solid"/>
-                      <a:round/>
-                      <a:headEnd type="none" w="med" len="med"/>
-                      <a:tailEnd type="none" w="med" len="med"/>
-                    </a:lnB>
-                    <a:solidFill>
-                      <a:schemeClr val="accent6">
-                        <a:lumMod val="40000"/>
-                        <a:lumOff val="60000"/>
-                      </a:schemeClr>
-                    </a:solidFill>
-                  </a:tcPr>
-                </a:tc>
-                <a:tc>
-                  <a:txBody>
-                    <a:bodyPr/>
-                    <a:lstStyle/>
-                    <a:p>
-                      <a:endParaRPr lang="zh-CN" altLang="en-US"/>
-                    </a:p>
-                  </a:txBody>
-                  <a:tcPr>
-                    <a:lnL w="12700" cap="flat" cmpd="sng" algn="ctr">
-                      <a:solidFill>
-                        <a:schemeClr val="tx1"/>
-                      </a:solidFill>
-                      <a:prstDash val="solid"/>
-                      <a:round/>
-                      <a:headEnd type="none" w="med" len="med"/>
-                      <a:tailEnd type="none" w="med" len="med"/>
-                    </a:lnL>
-                    <a:lnR w="12700" cap="flat" cmpd="sng" algn="ctr">
-                      <a:solidFill>
-                        <a:schemeClr val="tx1"/>
-                      </a:solidFill>
-                      <a:prstDash val="solid"/>
-                      <a:round/>
-                      <a:headEnd type="none" w="med" len="med"/>
-                      <a:tailEnd type="none" w="med" len="med"/>
-                    </a:lnR>
-                    <a:lnT w="12700" cap="flat" cmpd="sng" algn="ctr">
-                      <a:solidFill>
-                        <a:schemeClr val="tx1"/>
-                      </a:solidFill>
-                      <a:prstDash val="solid"/>
-                      <a:round/>
-                      <a:headEnd type="none" w="med" len="med"/>
-                      <a:tailEnd type="none" w="med" len="med"/>
-                    </a:lnT>
-                    <a:lnB w="12700" cap="flat" cmpd="sng" algn="ctr">
-                      <a:solidFill>
-                        <a:schemeClr val="tx1"/>
-                      </a:solidFill>
-                      <a:prstDash val="solid"/>
-                      <a:round/>
-                      <a:headEnd type="none" w="med" len="med"/>
-                      <a:tailEnd type="none" w="med" len="med"/>
-                    </a:lnB>
-                    <a:solidFill>
-                      <a:schemeClr val="accent6">
-                        <a:lumMod val="40000"/>
-                        <a:lumOff val="60000"/>
-                      </a:schemeClr>
-                    </a:solidFill>
-                  </a:tcPr>
-                </a:tc>
-                <a:extLst>
-                  <a:ext uri="{0D108BD9-81ED-4DB2-BD59-A6C34878D82A}">
-                    <a16:rowId xmlns:a16="http://schemas.microsoft.com/office/drawing/2014/main" val="3409656668"/>
-                  </a:ext>
-                </a:extLst>
-              </a:tr>
-              <a:tr h="367200">
-                <a:tc>
-                  <a:txBody>
-                    <a:bodyPr/>
-                    <a:lstStyle/>
-                    <a:p>
-                      <a:endParaRPr lang="zh-CN" altLang="en-US"/>
-                    </a:p>
-                  </a:txBody>
-                  <a:tcPr>
-                    <a:lnL w="12700" cap="flat" cmpd="sng" algn="ctr">
-                      <a:solidFill>
-                        <a:schemeClr val="tx1"/>
-                      </a:solidFill>
-                      <a:prstDash val="solid"/>
-                      <a:round/>
-                      <a:headEnd type="none" w="med" len="med"/>
-                      <a:tailEnd type="none" w="med" len="med"/>
-                    </a:lnL>
-                    <a:lnR w="12700" cap="flat" cmpd="sng" algn="ctr">
-                      <a:solidFill>
-                        <a:schemeClr val="tx1"/>
-                      </a:solidFill>
-                      <a:prstDash val="solid"/>
-                      <a:round/>
-                      <a:headEnd type="none" w="med" len="med"/>
-                      <a:tailEnd type="none" w="med" len="med"/>
-                    </a:lnR>
-                    <a:lnT w="12700" cap="flat" cmpd="sng" algn="ctr">
-                      <a:solidFill>
-                        <a:schemeClr val="tx1"/>
-                      </a:solidFill>
-                      <a:prstDash val="solid"/>
-                      <a:round/>
-                      <a:headEnd type="none" w="med" len="med"/>
-                      <a:tailEnd type="none" w="med" len="med"/>
-                    </a:lnT>
-                    <a:lnB w="12700" cap="flat" cmpd="sng" algn="ctr">
-                      <a:solidFill>
-                        <a:schemeClr val="tx1"/>
-                      </a:solidFill>
-                      <a:prstDash val="solid"/>
-                      <a:round/>
-                      <a:headEnd type="none" w="med" len="med"/>
-                      <a:tailEnd type="none" w="med" len="med"/>
-                    </a:lnB>
-                    <a:solidFill>
-                      <a:schemeClr val="accent6">
-                        <a:lumMod val="40000"/>
-                        <a:lumOff val="60000"/>
-                      </a:schemeClr>
-                    </a:solidFill>
-                  </a:tcPr>
-                </a:tc>
-                <a:tc>
-                  <a:txBody>
-                    <a:bodyPr/>
-                    <a:lstStyle/>
-                    <a:p>
-                      <a:endParaRPr lang="zh-CN" altLang="en-US"/>
-                    </a:p>
-                  </a:txBody>
-                  <a:tcPr>
-                    <a:lnL w="12700" cap="flat" cmpd="sng" algn="ctr">
-                      <a:solidFill>
-                        <a:schemeClr val="tx1"/>
-                      </a:solidFill>
-                      <a:prstDash val="solid"/>
-                      <a:round/>
-                      <a:headEnd type="none" w="med" len="med"/>
-                      <a:tailEnd type="none" w="med" len="med"/>
-                    </a:lnL>
-                    <a:lnR w="12700" cap="flat" cmpd="sng" algn="ctr">
-                      <a:solidFill>
-                        <a:schemeClr val="tx1"/>
-                      </a:solidFill>
-                      <a:prstDash val="solid"/>
-                      <a:round/>
-                      <a:headEnd type="none" w="med" len="med"/>
-                      <a:tailEnd type="none" w="med" len="med"/>
-                    </a:lnR>
-                    <a:lnT w="12700" cap="flat" cmpd="sng" algn="ctr">
-                      <a:solidFill>
-                        <a:schemeClr val="tx1"/>
-                      </a:solidFill>
-                      <a:prstDash val="solid"/>
-                      <a:round/>
-                      <a:headEnd type="none" w="med" len="med"/>
-                      <a:tailEnd type="none" w="med" len="med"/>
-                    </a:lnT>
-                    <a:lnB w="12700" cap="flat" cmpd="sng" algn="ctr">
-                      <a:solidFill>
-                        <a:schemeClr val="tx1"/>
-                      </a:solidFill>
-                      <a:prstDash val="solid"/>
-                      <a:round/>
-                      <a:headEnd type="none" w="med" len="med"/>
-                      <a:tailEnd type="none" w="med" len="med"/>
-                    </a:lnB>
-                    <a:solidFill>
-                      <a:schemeClr val="accent6">
-                        <a:lumMod val="40000"/>
-                        <a:lumOff val="60000"/>
-                      </a:schemeClr>
-                    </a:solidFill>
-                  </a:tcPr>
-                </a:tc>
-                <a:tc>
-                  <a:txBody>
-                    <a:bodyPr/>
-                    <a:lstStyle/>
-                    <a:p>
-                      <a:endParaRPr lang="zh-CN" altLang="en-US"/>
-                    </a:p>
-                  </a:txBody>
-                  <a:tcPr>
-                    <a:lnL w="12700" cap="flat" cmpd="sng" algn="ctr">
-                      <a:solidFill>
-                        <a:schemeClr val="tx1"/>
-                      </a:solidFill>
-                      <a:prstDash val="solid"/>
-                      <a:round/>
-                      <a:headEnd type="none" w="med" len="med"/>
-                      <a:tailEnd type="none" w="med" len="med"/>
-                    </a:lnL>
-                    <a:lnR w="12700" cap="flat" cmpd="sng" algn="ctr">
-                      <a:solidFill>
-                        <a:schemeClr val="tx1"/>
-                      </a:solidFill>
-                      <a:prstDash val="solid"/>
-                      <a:round/>
-                      <a:headEnd type="none" w="med" len="med"/>
-                      <a:tailEnd type="none" w="med" len="med"/>
-                    </a:lnR>
-                    <a:lnT w="12700" cap="flat" cmpd="sng" algn="ctr">
-                      <a:solidFill>
-                        <a:schemeClr val="tx1"/>
-                      </a:solidFill>
-                      <a:prstDash val="solid"/>
-                      <a:round/>
-                      <a:headEnd type="none" w="med" len="med"/>
-                      <a:tailEnd type="none" w="med" len="med"/>
-                    </a:lnT>
-                    <a:lnB w="12700" cap="flat" cmpd="sng" algn="ctr">
-                      <a:solidFill>
-                        <a:schemeClr val="tx1"/>
-                      </a:solidFill>
-                      <a:prstDash val="solid"/>
-                      <a:round/>
-                      <a:headEnd type="none" w="med" len="med"/>
-                      <a:tailEnd type="none" w="med" len="med"/>
-                    </a:lnB>
-                    <a:solidFill>
-                      <a:schemeClr val="accent6">
-                        <a:lumMod val="40000"/>
-                        <a:lumOff val="60000"/>
-                      </a:schemeClr>
-                    </a:solidFill>
-                  </a:tcPr>
-                </a:tc>
-                <a:extLst>
-                  <a:ext uri="{0D108BD9-81ED-4DB2-BD59-A6C34878D82A}">
-                    <a16:rowId xmlns:a16="http://schemas.microsoft.com/office/drawing/2014/main" val="1663342261"/>
-                  </a:ext>
-                </a:extLst>
-              </a:tr>
-              <a:tr h="367200">
-                <a:tc>
-                  <a:txBody>
-                    <a:bodyPr/>
-                    <a:lstStyle/>
-                    <a:p>
-                      <a:endParaRPr lang="zh-CN" altLang="en-US"/>
-                    </a:p>
-                  </a:txBody>
-                  <a:tcPr>
-                    <a:lnL w="12700" cap="flat" cmpd="sng" algn="ctr">
-                      <a:solidFill>
-                        <a:schemeClr val="tx1"/>
-                      </a:solidFill>
-                      <a:prstDash val="solid"/>
-                      <a:round/>
-                      <a:headEnd type="none" w="med" len="med"/>
-                      <a:tailEnd type="none" w="med" len="med"/>
-                    </a:lnL>
-                    <a:lnR w="12700" cap="flat" cmpd="sng" algn="ctr">
-                      <a:solidFill>
-                        <a:schemeClr val="tx1"/>
-                      </a:solidFill>
-                      <a:prstDash val="solid"/>
-                      <a:round/>
-                      <a:headEnd type="none" w="med" len="med"/>
-                      <a:tailEnd type="none" w="med" len="med"/>
-                    </a:lnR>
-                    <a:lnT w="12700" cap="flat" cmpd="sng" algn="ctr">
-                      <a:solidFill>
-                        <a:schemeClr val="tx1"/>
-                      </a:solidFill>
-                      <a:prstDash val="solid"/>
-                      <a:round/>
-                      <a:headEnd type="none" w="med" len="med"/>
-                      <a:tailEnd type="none" w="med" len="med"/>
-                    </a:lnT>
-                    <a:lnB w="12700" cap="flat" cmpd="sng" algn="ctr">
-                      <a:solidFill>
-                        <a:schemeClr val="tx1"/>
-                      </a:solidFill>
-                      <a:prstDash val="solid"/>
-                      <a:round/>
-                      <a:headEnd type="none" w="med" len="med"/>
-                      <a:tailEnd type="none" w="med" len="med"/>
-                    </a:lnB>
-                    <a:solidFill>
-                      <a:schemeClr val="accent6">
-                        <a:lumMod val="40000"/>
-                        <a:lumOff val="60000"/>
-                      </a:schemeClr>
-                    </a:solidFill>
-                  </a:tcPr>
-                </a:tc>
-                <a:tc>
-                  <a:txBody>
-                    <a:bodyPr/>
-                    <a:lstStyle/>
-                    <a:p>
-                      <a:endParaRPr lang="zh-CN" altLang="en-US" dirty="0"/>
-                    </a:p>
-                  </a:txBody>
-                  <a:tcPr>
-                    <a:lnL w="12700" cap="flat" cmpd="sng" algn="ctr">
-                      <a:solidFill>
-                        <a:schemeClr val="tx1"/>
-                      </a:solidFill>
-                      <a:prstDash val="solid"/>
-                      <a:round/>
-                      <a:headEnd type="none" w="med" len="med"/>
-                      <a:tailEnd type="none" w="med" len="med"/>
-                    </a:lnL>
-                    <a:lnR w="12700" cap="flat" cmpd="sng" algn="ctr">
-                      <a:solidFill>
-                        <a:schemeClr val="tx1"/>
-                      </a:solidFill>
-                      <a:prstDash val="solid"/>
-                      <a:round/>
-                      <a:headEnd type="none" w="med" len="med"/>
-                      <a:tailEnd type="none" w="med" len="med"/>
-                    </a:lnR>
-                    <a:lnT w="12700" cap="flat" cmpd="sng" algn="ctr">
-                      <a:solidFill>
-                        <a:schemeClr val="tx1"/>
-                      </a:solidFill>
-                      <a:prstDash val="solid"/>
-                      <a:round/>
-                      <a:headEnd type="none" w="med" len="med"/>
-                      <a:tailEnd type="none" w="med" len="med"/>
-                    </a:lnT>
-                    <a:lnB w="12700" cap="flat" cmpd="sng" algn="ctr">
-                      <a:solidFill>
-                        <a:schemeClr val="tx1"/>
-                      </a:solidFill>
-                      <a:prstDash val="solid"/>
-                      <a:round/>
-                      <a:headEnd type="none" w="med" len="med"/>
-                      <a:tailEnd type="none" w="med" len="med"/>
-                    </a:lnB>
-                    <a:solidFill>
-                      <a:schemeClr val="accent6">
-                        <a:lumMod val="40000"/>
-                        <a:lumOff val="60000"/>
-                      </a:schemeClr>
-                    </a:solidFill>
-                  </a:tcPr>
-                </a:tc>
-                <a:tc>
-                  <a:txBody>
-                    <a:bodyPr/>
-                    <a:lstStyle/>
-                    <a:p>
-                      <a:endParaRPr lang="zh-CN" altLang="en-US" dirty="0"/>
-                    </a:p>
-                  </a:txBody>
-                  <a:tcPr>
-                    <a:lnL w="12700" cap="flat" cmpd="sng" algn="ctr">
-                      <a:solidFill>
-                        <a:schemeClr val="tx1"/>
-                      </a:solidFill>
-                      <a:prstDash val="solid"/>
-                      <a:round/>
-                      <a:headEnd type="none" w="med" len="med"/>
-                      <a:tailEnd type="none" w="med" len="med"/>
-                    </a:lnL>
-                    <a:lnR w="12700" cap="flat" cmpd="sng" algn="ctr">
-                      <a:solidFill>
-                        <a:schemeClr val="tx1"/>
-                      </a:solidFill>
-                      <a:prstDash val="solid"/>
-                      <a:round/>
-                      <a:headEnd type="none" w="med" len="med"/>
-                      <a:tailEnd type="none" w="med" len="med"/>
-                    </a:lnR>
-                    <a:lnT w="12700" cap="flat" cmpd="sng" algn="ctr">
-                      <a:solidFill>
-                        <a:schemeClr val="tx1"/>
-                      </a:solidFill>
-                      <a:prstDash val="solid"/>
-                      <a:round/>
-                      <a:headEnd type="none" w="med" len="med"/>
-                      <a:tailEnd type="none" w="med" len="med"/>
-                    </a:lnT>
-                    <a:lnB w="12700" cap="flat" cmpd="sng" algn="ctr">
-                      <a:solidFill>
-                        <a:schemeClr val="tx1"/>
-                      </a:solidFill>
-                      <a:prstDash val="solid"/>
-                      <a:round/>
-                      <a:headEnd type="none" w="med" len="med"/>
-                      <a:tailEnd type="none" w="med" len="med"/>
-                    </a:lnB>
-                    <a:solidFill>
-                      <a:schemeClr val="accent6">
-                        <a:lumMod val="40000"/>
-                        <a:lumOff val="60000"/>
-                      </a:schemeClr>
-                    </a:solidFill>
-                  </a:tcPr>
-                </a:tc>
-                <a:extLst>
-                  <a:ext uri="{0D108BD9-81ED-4DB2-BD59-A6C34878D82A}">
-                    <a16:rowId xmlns:a16="http://schemas.microsoft.com/office/drawing/2014/main" val="333920616"/>
-                  </a:ext>
-                </a:extLst>
-              </a:tr>
-              <a:tr h="367200">
-                <a:tc>
-                  <a:txBody>
-                    <a:bodyPr/>
-                    <a:lstStyle/>
-                    <a:p>
-                      <a:endParaRPr lang="zh-CN" altLang="en-US"/>
-                    </a:p>
-                  </a:txBody>
-                  <a:tcPr>
-                    <a:lnL w="12700" cap="flat" cmpd="sng" algn="ctr">
-                      <a:solidFill>
-                        <a:schemeClr val="tx1"/>
-                      </a:solidFill>
-                      <a:prstDash val="solid"/>
-                      <a:round/>
-                      <a:headEnd type="none" w="med" len="med"/>
-                      <a:tailEnd type="none" w="med" len="med"/>
-                    </a:lnL>
-                    <a:lnR w="12700" cap="flat" cmpd="sng" algn="ctr">
-                      <a:solidFill>
-                        <a:schemeClr val="tx1"/>
-                      </a:solidFill>
-                      <a:prstDash val="solid"/>
-                      <a:round/>
-                      <a:headEnd type="none" w="med" len="med"/>
-                      <a:tailEnd type="none" w="med" len="med"/>
-                    </a:lnR>
-                    <a:lnT w="12700" cap="flat" cmpd="sng" algn="ctr">
-                      <a:solidFill>
-                        <a:schemeClr val="tx1"/>
-                      </a:solidFill>
-                      <a:prstDash val="solid"/>
-                      <a:round/>
-                      <a:headEnd type="none" w="med" len="med"/>
-                      <a:tailEnd type="none" w="med" len="med"/>
-                    </a:lnT>
-                    <a:lnB w="12700" cap="flat" cmpd="sng" algn="ctr">
-                      <a:solidFill>
-                        <a:schemeClr val="tx1"/>
-                      </a:solidFill>
-                      <a:prstDash val="solid"/>
-                      <a:round/>
-                      <a:headEnd type="none" w="med" len="med"/>
-                      <a:tailEnd type="none" w="med" len="med"/>
-                    </a:lnB>
-                    <a:solidFill>
-                      <a:schemeClr val="accent6">
-                        <a:lumMod val="40000"/>
-                        <a:lumOff val="60000"/>
-                      </a:schemeClr>
-                    </a:solidFill>
-                  </a:tcPr>
-                </a:tc>
-                <a:tc>
-                  <a:txBody>
-                    <a:bodyPr/>
-                    <a:lstStyle/>
-                    <a:p>
-                      <a:endParaRPr lang="zh-CN" altLang="en-US"/>
-                    </a:p>
-                  </a:txBody>
-                  <a:tcPr>
-                    <a:lnL w="12700" cap="flat" cmpd="sng" algn="ctr">
-                      <a:solidFill>
-                        <a:schemeClr val="tx1"/>
-                      </a:solidFill>
-                      <a:prstDash val="solid"/>
-                      <a:round/>
-                      <a:headEnd type="none" w="med" len="med"/>
-                      <a:tailEnd type="none" w="med" len="med"/>
-                    </a:lnL>
-                    <a:lnR w="12700" cap="flat" cmpd="sng" algn="ctr">
-                      <a:solidFill>
-                        <a:schemeClr val="tx1"/>
-                      </a:solidFill>
-                      <a:prstDash val="solid"/>
-                      <a:round/>
-                      <a:headEnd type="none" w="med" len="med"/>
-                      <a:tailEnd type="none" w="med" len="med"/>
-                    </a:lnR>
-                    <a:lnT w="12700" cap="flat" cmpd="sng" algn="ctr">
-                      <a:solidFill>
-                        <a:schemeClr val="tx1"/>
-                      </a:solidFill>
-                      <a:prstDash val="solid"/>
-                      <a:round/>
-                      <a:headEnd type="none" w="med" len="med"/>
-                      <a:tailEnd type="none" w="med" len="med"/>
-                    </a:lnT>
-                    <a:lnB w="12700" cap="flat" cmpd="sng" algn="ctr">
-                      <a:solidFill>
-                        <a:schemeClr val="tx1"/>
-                      </a:solidFill>
-                      <a:prstDash val="solid"/>
-                      <a:round/>
-                      <a:headEnd type="none" w="med" len="med"/>
-                      <a:tailEnd type="none" w="med" len="med"/>
-                    </a:lnB>
-                    <a:solidFill>
-                      <a:schemeClr val="accent6">
-                        <a:lumMod val="40000"/>
-                        <a:lumOff val="60000"/>
-                      </a:schemeClr>
-                    </a:solidFill>
-                  </a:tcPr>
-                </a:tc>
-                <a:tc>
-                  <a:txBody>
-                    <a:bodyPr/>
-                    <a:lstStyle/>
-                    <a:p>
-                      <a:endParaRPr lang="zh-CN" altLang="en-US"/>
-                    </a:p>
-                  </a:txBody>
-                  <a:tcPr>
-                    <a:lnL w="12700" cap="flat" cmpd="sng" algn="ctr">
-                      <a:solidFill>
-                        <a:schemeClr val="tx1"/>
-                      </a:solidFill>
-                      <a:prstDash val="solid"/>
-                      <a:round/>
-                      <a:headEnd type="none" w="med" len="med"/>
-                      <a:tailEnd type="none" w="med" len="med"/>
-                    </a:lnL>
-                    <a:lnR w="12700" cap="flat" cmpd="sng" algn="ctr">
-                      <a:solidFill>
-                        <a:schemeClr val="tx1"/>
-                      </a:solidFill>
-                      <a:prstDash val="solid"/>
-                      <a:round/>
-                      <a:headEnd type="none" w="med" len="med"/>
-                      <a:tailEnd type="none" w="med" len="med"/>
-                    </a:lnR>
-                    <a:lnT w="12700" cap="flat" cmpd="sng" algn="ctr">
-                      <a:solidFill>
-                        <a:schemeClr val="tx1"/>
-                      </a:solidFill>
-                      <a:prstDash val="solid"/>
-                      <a:round/>
-                      <a:headEnd type="none" w="med" len="med"/>
-                      <a:tailEnd type="none" w="med" len="med"/>
-                    </a:lnT>
-                    <a:lnB w="12700" cap="flat" cmpd="sng" algn="ctr">
-                      <a:solidFill>
-                        <a:schemeClr val="tx1"/>
-                      </a:solidFill>
-                      <a:prstDash val="solid"/>
-                      <a:round/>
-                      <a:headEnd type="none" w="med" len="med"/>
-                      <a:tailEnd type="none" w="med" len="med"/>
-                    </a:lnB>
-                    <a:solidFill>
-                      <a:schemeClr val="accent6">
-                        <a:lumMod val="40000"/>
-                        <a:lumOff val="60000"/>
-                      </a:schemeClr>
-                    </a:solidFill>
-                  </a:tcPr>
-                </a:tc>
-                <a:extLst>
-                  <a:ext uri="{0D108BD9-81ED-4DB2-BD59-A6C34878D82A}">
-                    <a16:rowId xmlns:a16="http://schemas.microsoft.com/office/drawing/2014/main" val="2279670915"/>
-                  </a:ext>
-                </a:extLst>
-              </a:tr>
-              <a:tr h="367200">
-                <a:tc>
-                  <a:txBody>
-                    <a:bodyPr/>
-                    <a:lstStyle/>
-                    <a:p>
-                      <a:endParaRPr lang="zh-CN" altLang="en-US"/>
-                    </a:p>
-                  </a:txBody>
-                  <a:tcPr>
-                    <a:lnL w="12700" cap="flat" cmpd="sng" algn="ctr">
-                      <a:solidFill>
-                        <a:schemeClr val="tx1"/>
-                      </a:solidFill>
-                      <a:prstDash val="solid"/>
-                      <a:round/>
-                      <a:headEnd type="none" w="med" len="med"/>
-                      <a:tailEnd type="none" w="med" len="med"/>
-                    </a:lnL>
-                    <a:lnR w="12700" cap="flat" cmpd="sng" algn="ctr">
-                      <a:solidFill>
-                        <a:schemeClr val="tx1"/>
-                      </a:solidFill>
-                      <a:prstDash val="solid"/>
-                      <a:round/>
-                      <a:headEnd type="none" w="med" len="med"/>
-                      <a:tailEnd type="none" w="med" len="med"/>
-                    </a:lnR>
-                    <a:lnT w="12700" cap="flat" cmpd="sng" algn="ctr">
-                      <a:solidFill>
-                        <a:schemeClr val="tx1"/>
-                      </a:solidFill>
-                      <a:prstDash val="solid"/>
-                      <a:round/>
-                      <a:headEnd type="none" w="med" len="med"/>
-                      <a:tailEnd type="none" w="med" len="med"/>
-                    </a:lnT>
-                    <a:lnB w="12700" cap="flat" cmpd="sng" algn="ctr">
-                      <a:solidFill>
-                        <a:schemeClr val="tx1"/>
-                      </a:solidFill>
-                      <a:prstDash val="solid"/>
-                      <a:round/>
-                      <a:headEnd type="none" w="med" len="med"/>
-                      <a:tailEnd type="none" w="med" len="med"/>
-                    </a:lnB>
-                    <a:solidFill>
-                      <a:schemeClr val="accent6">
-                        <a:lumMod val="40000"/>
-                        <a:lumOff val="60000"/>
-                      </a:schemeClr>
-                    </a:solidFill>
-                  </a:tcPr>
-                </a:tc>
-                <a:tc>
-                  <a:txBody>
-                    <a:bodyPr/>
-                    <a:lstStyle/>
-                    <a:p>
-                      <a:endParaRPr lang="zh-CN" altLang="en-US" dirty="0"/>
-                    </a:p>
-                  </a:txBody>
-                  <a:tcPr>
-                    <a:lnL w="12700" cap="flat" cmpd="sng" algn="ctr">
-                      <a:solidFill>
-                        <a:schemeClr val="tx1"/>
-                      </a:solidFill>
-                      <a:prstDash val="solid"/>
-                      <a:round/>
-                      <a:headEnd type="none" w="med" len="med"/>
-                      <a:tailEnd type="none" w="med" len="med"/>
-                    </a:lnL>
-                    <a:lnR w="12700" cap="flat" cmpd="sng" algn="ctr">
-                      <a:solidFill>
-                        <a:schemeClr val="tx1"/>
-                      </a:solidFill>
-                      <a:prstDash val="solid"/>
-                      <a:round/>
-                      <a:headEnd type="none" w="med" len="med"/>
-                      <a:tailEnd type="none" w="med" len="med"/>
-                    </a:lnR>
-                    <a:lnT w="12700" cap="flat" cmpd="sng" algn="ctr">
-                      <a:solidFill>
-                        <a:schemeClr val="tx1"/>
-                      </a:solidFill>
-                      <a:prstDash val="solid"/>
-                      <a:round/>
-                      <a:headEnd type="none" w="med" len="med"/>
-                      <a:tailEnd type="none" w="med" len="med"/>
-                    </a:lnT>
-                    <a:lnB w="12700" cap="flat" cmpd="sng" algn="ctr">
-                      <a:solidFill>
-                        <a:schemeClr val="tx1"/>
-                      </a:solidFill>
-                      <a:prstDash val="solid"/>
-                      <a:round/>
-                      <a:headEnd type="none" w="med" len="med"/>
-                      <a:tailEnd type="none" w="med" len="med"/>
-                    </a:lnB>
-                    <a:solidFill>
-                      <a:schemeClr val="accent6">
-                        <a:lumMod val="40000"/>
-                        <a:lumOff val="60000"/>
-                      </a:schemeClr>
-                    </a:solidFill>
-                  </a:tcPr>
-                </a:tc>
-                <a:tc>
-                  <a:txBody>
-                    <a:bodyPr/>
-                    <a:lstStyle/>
-                    <a:p>
-                      <a:endParaRPr lang="zh-CN" altLang="en-US"/>
-                    </a:p>
-                  </a:txBody>
-                  <a:tcPr>
-                    <a:lnL w="12700" cap="flat" cmpd="sng" algn="ctr">
-                      <a:solidFill>
-                        <a:schemeClr val="tx1"/>
-                      </a:solidFill>
-                      <a:prstDash val="solid"/>
-                      <a:round/>
-                      <a:headEnd type="none" w="med" len="med"/>
-                      <a:tailEnd type="none" w="med" len="med"/>
-                    </a:lnL>
-                    <a:lnR w="12700" cap="flat" cmpd="sng" algn="ctr">
-                      <a:solidFill>
-                        <a:schemeClr val="tx1"/>
-                      </a:solidFill>
-                      <a:prstDash val="solid"/>
-                      <a:round/>
-                      <a:headEnd type="none" w="med" len="med"/>
-                      <a:tailEnd type="none" w="med" len="med"/>
-                    </a:lnR>
-                    <a:lnT w="12700" cap="flat" cmpd="sng" algn="ctr">
-                      <a:solidFill>
-                        <a:schemeClr val="tx1"/>
-                      </a:solidFill>
-                      <a:prstDash val="solid"/>
-                      <a:round/>
-                      <a:headEnd type="none" w="med" len="med"/>
-                      <a:tailEnd type="none" w="med" len="med"/>
-                    </a:lnT>
-                    <a:lnB w="12700" cap="flat" cmpd="sng" algn="ctr">
-                      <a:solidFill>
-                        <a:schemeClr val="tx1"/>
-                      </a:solidFill>
-                      <a:prstDash val="solid"/>
-                      <a:round/>
-                      <a:headEnd type="none" w="med" len="med"/>
-                      <a:tailEnd type="none" w="med" len="med"/>
-                    </a:lnB>
-                    <a:solidFill>
-                      <a:schemeClr val="accent6">
-                        <a:lumMod val="40000"/>
-                        <a:lumOff val="60000"/>
-                      </a:schemeClr>
-                    </a:solidFill>
-                  </a:tcPr>
-                </a:tc>
-                <a:extLst>
-                  <a:ext uri="{0D108BD9-81ED-4DB2-BD59-A6C34878D82A}">
-                    <a16:rowId xmlns:a16="http://schemas.microsoft.com/office/drawing/2014/main" val="1483876443"/>
-                  </a:ext>
-                </a:extLst>
-              </a:tr>
-              <a:tr h="367200">
-                <a:tc>
-                  <a:txBody>
-                    <a:bodyPr/>
-                    <a:lstStyle/>
-                    <a:p>
-                      <a:endParaRPr lang="zh-CN" altLang="en-US"/>
-                    </a:p>
-                  </a:txBody>
-                  <a:tcPr>
-                    <a:lnL w="12700" cap="flat" cmpd="sng" algn="ctr">
-                      <a:solidFill>
-                        <a:schemeClr val="tx1"/>
-                      </a:solidFill>
-                      <a:prstDash val="solid"/>
-                      <a:round/>
-                      <a:headEnd type="none" w="med" len="med"/>
-                      <a:tailEnd type="none" w="med" len="med"/>
-                    </a:lnL>
-                    <a:lnR w="12700" cap="flat" cmpd="sng" algn="ctr">
-                      <a:solidFill>
-                        <a:schemeClr val="tx1"/>
-                      </a:solidFill>
-                      <a:prstDash val="solid"/>
-                      <a:round/>
-                      <a:headEnd type="none" w="med" len="med"/>
-                      <a:tailEnd type="none" w="med" len="med"/>
-                    </a:lnR>
-                    <a:lnT w="12700" cap="flat" cmpd="sng" algn="ctr">
-                      <a:solidFill>
-                        <a:schemeClr val="tx1"/>
-                      </a:solidFill>
-                      <a:prstDash val="solid"/>
-                      <a:round/>
-                      <a:headEnd type="none" w="med" len="med"/>
-                      <a:tailEnd type="none" w="med" len="med"/>
-                    </a:lnT>
-                    <a:lnB w="12700" cap="flat" cmpd="sng" algn="ctr">
-                      <a:solidFill>
-                        <a:schemeClr val="tx1"/>
-                      </a:solidFill>
-                      <a:prstDash val="solid"/>
-                      <a:round/>
-                      <a:headEnd type="none" w="med" len="med"/>
-                      <a:tailEnd type="none" w="med" len="med"/>
-                    </a:lnB>
-                    <a:solidFill>
-                      <a:schemeClr val="accent6">
-                        <a:lumMod val="40000"/>
-                        <a:lumOff val="60000"/>
-                      </a:schemeClr>
-                    </a:solidFill>
-                  </a:tcPr>
-                </a:tc>
-                <a:tc>
-                  <a:txBody>
-                    <a:bodyPr/>
-                    <a:lstStyle/>
-                    <a:p>
-                      <a:endParaRPr lang="zh-CN" altLang="en-US" dirty="0"/>
-                    </a:p>
-                  </a:txBody>
-                  <a:tcPr>
-                    <a:lnL w="12700" cap="flat" cmpd="sng" algn="ctr">
-                      <a:solidFill>
-                        <a:schemeClr val="tx1"/>
-                      </a:solidFill>
-                      <a:prstDash val="solid"/>
-                      <a:round/>
-                      <a:headEnd type="none" w="med" len="med"/>
-                      <a:tailEnd type="none" w="med" len="med"/>
-                    </a:lnL>
-                    <a:lnR w="12700" cap="flat" cmpd="sng" algn="ctr">
-                      <a:solidFill>
-                        <a:schemeClr val="tx1"/>
-                      </a:solidFill>
-                      <a:prstDash val="solid"/>
-                      <a:round/>
-                      <a:headEnd type="none" w="med" len="med"/>
-                      <a:tailEnd type="none" w="med" len="med"/>
-                    </a:lnR>
-                    <a:lnT w="12700" cap="flat" cmpd="sng" algn="ctr">
-                      <a:solidFill>
-                        <a:schemeClr val="tx1"/>
-                      </a:solidFill>
-                      <a:prstDash val="solid"/>
-                      <a:round/>
-                      <a:headEnd type="none" w="med" len="med"/>
-                      <a:tailEnd type="none" w="med" len="med"/>
-                    </a:lnT>
-                    <a:lnB w="12700" cap="flat" cmpd="sng" algn="ctr">
-                      <a:solidFill>
-                        <a:schemeClr val="tx1"/>
-                      </a:solidFill>
-                      <a:prstDash val="solid"/>
-                      <a:round/>
-                      <a:headEnd type="none" w="med" len="med"/>
-                      <a:tailEnd type="none" w="med" len="med"/>
-                    </a:lnB>
-                    <a:solidFill>
-                      <a:schemeClr val="accent6">
-                        <a:lumMod val="40000"/>
-                        <a:lumOff val="60000"/>
-                      </a:schemeClr>
-                    </a:solidFill>
-                  </a:tcPr>
-                </a:tc>
-                <a:tc>
-                  <a:txBody>
-                    <a:bodyPr/>
-                    <a:lstStyle/>
-                    <a:p>
-                      <a:endParaRPr lang="zh-CN" altLang="en-US"/>
-                    </a:p>
-                  </a:txBody>
-                  <a:tcPr>
-                    <a:lnL w="12700" cap="flat" cmpd="sng" algn="ctr">
-                      <a:solidFill>
-                        <a:schemeClr val="tx1"/>
-                      </a:solidFill>
-                      <a:prstDash val="solid"/>
-                      <a:round/>
-                      <a:headEnd type="none" w="med" len="med"/>
-                      <a:tailEnd type="none" w="med" len="med"/>
-                    </a:lnL>
-                    <a:lnR w="12700" cap="flat" cmpd="sng" algn="ctr">
-                      <a:solidFill>
-                        <a:schemeClr val="tx1"/>
-                      </a:solidFill>
-                      <a:prstDash val="solid"/>
-                      <a:round/>
-                      <a:headEnd type="none" w="med" len="med"/>
-                      <a:tailEnd type="none" w="med" len="med"/>
-                    </a:lnR>
-                    <a:lnT w="12700" cap="flat" cmpd="sng" algn="ctr">
-                      <a:solidFill>
-                        <a:schemeClr val="tx1"/>
-                      </a:solidFill>
-                      <a:prstDash val="solid"/>
-                      <a:round/>
-                      <a:headEnd type="none" w="med" len="med"/>
-                      <a:tailEnd type="none" w="med" len="med"/>
-                    </a:lnT>
-                    <a:lnB w="12700" cap="flat" cmpd="sng" algn="ctr">
-                      <a:solidFill>
-                        <a:schemeClr val="tx1"/>
-                      </a:solidFill>
-                      <a:prstDash val="solid"/>
-                      <a:round/>
-                      <a:headEnd type="none" w="med" len="med"/>
-                      <a:tailEnd type="none" w="med" len="med"/>
-                    </a:lnB>
-                    <a:solidFill>
-                      <a:schemeClr val="accent6">
-                        <a:lumMod val="40000"/>
-                        <a:lumOff val="60000"/>
-                      </a:schemeClr>
-                    </a:solidFill>
-                  </a:tcPr>
-                </a:tc>
-                <a:extLst>
-                  <a:ext uri="{0D108BD9-81ED-4DB2-BD59-A6C34878D82A}">
-                    <a16:rowId xmlns:a16="http://schemas.microsoft.com/office/drawing/2014/main" val="1102028120"/>
-                  </a:ext>
-                </a:extLst>
-              </a:tr>
-              <a:tr h="367200">
-                <a:tc>
-                  <a:txBody>
-                    <a:bodyPr/>
-                    <a:lstStyle/>
-                    <a:p>
-                      <a:endParaRPr lang="zh-CN" altLang="en-US"/>
-                    </a:p>
-                  </a:txBody>
-                  <a:tcPr>
-                    <a:lnL w="12700" cap="flat" cmpd="sng" algn="ctr">
-                      <a:solidFill>
-                        <a:schemeClr val="tx1"/>
-                      </a:solidFill>
-                      <a:prstDash val="solid"/>
-                      <a:round/>
-                      <a:headEnd type="none" w="med" len="med"/>
-                      <a:tailEnd type="none" w="med" len="med"/>
-                    </a:lnL>
-                    <a:lnR w="12700" cap="flat" cmpd="sng" algn="ctr">
-                      <a:solidFill>
-                        <a:schemeClr val="tx1"/>
-                      </a:solidFill>
-                      <a:prstDash val="solid"/>
-                      <a:round/>
-                      <a:headEnd type="none" w="med" len="med"/>
-                      <a:tailEnd type="none" w="med" len="med"/>
-                    </a:lnR>
-                    <a:lnT w="12700" cap="flat" cmpd="sng" algn="ctr">
-                      <a:solidFill>
-                        <a:schemeClr val="tx1"/>
-                      </a:solidFill>
-                      <a:prstDash val="solid"/>
-                      <a:round/>
-                      <a:headEnd type="none" w="med" len="med"/>
-                      <a:tailEnd type="none" w="med" len="med"/>
-                    </a:lnT>
-                    <a:lnB w="12700" cap="flat" cmpd="sng" algn="ctr">
-                      <a:solidFill>
-                        <a:schemeClr val="tx1"/>
-                      </a:solidFill>
-                      <a:prstDash val="solid"/>
-                      <a:round/>
-                      <a:headEnd type="none" w="med" len="med"/>
-                      <a:tailEnd type="none" w="med" len="med"/>
-                    </a:lnB>
-                    <a:solidFill>
-                      <a:schemeClr val="accent6">
-                        <a:lumMod val="40000"/>
-                        <a:lumOff val="60000"/>
-                      </a:schemeClr>
-                    </a:solidFill>
-                  </a:tcPr>
-                </a:tc>
-                <a:tc>
-                  <a:txBody>
-                    <a:bodyPr/>
-                    <a:lstStyle/>
-                    <a:p>
-                      <a:endParaRPr lang="zh-CN" altLang="en-US"/>
-                    </a:p>
-                  </a:txBody>
-                  <a:tcPr>
-                    <a:lnL w="12700" cap="flat" cmpd="sng" algn="ctr">
-                      <a:solidFill>
-                        <a:schemeClr val="tx1"/>
-                      </a:solidFill>
-                      <a:prstDash val="solid"/>
-                      <a:round/>
-                      <a:headEnd type="none" w="med" len="med"/>
-                      <a:tailEnd type="none" w="med" len="med"/>
-                    </a:lnL>
-                    <a:lnR w="12700" cap="flat" cmpd="sng" algn="ctr">
-                      <a:solidFill>
-                        <a:schemeClr val="tx1"/>
-                      </a:solidFill>
-                      <a:prstDash val="solid"/>
-                      <a:round/>
-                      <a:headEnd type="none" w="med" len="med"/>
-                      <a:tailEnd type="none" w="med" len="med"/>
-                    </a:lnR>
-                    <a:lnT w="12700" cap="flat" cmpd="sng" algn="ctr">
-                      <a:solidFill>
-                        <a:schemeClr val="tx1"/>
-                      </a:solidFill>
-                      <a:prstDash val="solid"/>
-                      <a:round/>
-                      <a:headEnd type="none" w="med" len="med"/>
-                      <a:tailEnd type="none" w="med" len="med"/>
-                    </a:lnT>
-                    <a:lnB w="12700" cap="flat" cmpd="sng" algn="ctr">
-                      <a:solidFill>
-                        <a:schemeClr val="tx1"/>
-                      </a:solidFill>
-                      <a:prstDash val="solid"/>
-                      <a:round/>
-                      <a:headEnd type="none" w="med" len="med"/>
-                      <a:tailEnd type="none" w="med" len="med"/>
-                    </a:lnB>
-                    <a:solidFill>
-                      <a:schemeClr val="accent6">
-                        <a:lumMod val="40000"/>
-                        <a:lumOff val="60000"/>
-                      </a:schemeClr>
-                    </a:solidFill>
-                  </a:tcPr>
-                </a:tc>
-                <a:tc>
-                  <a:txBody>
-                    <a:bodyPr/>
-                    <a:lstStyle/>
-                    <a:p>
-                      <a:endParaRPr lang="zh-CN" altLang="en-US" dirty="0"/>
-                    </a:p>
-                  </a:txBody>
-                  <a:tcPr>
-                    <a:lnL w="12700" cap="flat" cmpd="sng" algn="ctr">
-                      <a:solidFill>
-                        <a:schemeClr val="tx1"/>
-                      </a:solidFill>
-                      <a:prstDash val="solid"/>
-                      <a:round/>
-                      <a:headEnd type="none" w="med" len="med"/>
-                      <a:tailEnd type="none" w="med" len="med"/>
-                    </a:lnL>
-                    <a:lnR w="12700" cap="flat" cmpd="sng" algn="ctr">
-                      <a:solidFill>
-                        <a:schemeClr val="tx1"/>
-                      </a:solidFill>
-                      <a:prstDash val="solid"/>
-                      <a:round/>
-                      <a:headEnd type="none" w="med" len="med"/>
-                      <a:tailEnd type="none" w="med" len="med"/>
-                    </a:lnR>
-                    <a:lnT w="12700" cap="flat" cmpd="sng" algn="ctr">
-                      <a:solidFill>
-                        <a:schemeClr val="tx1"/>
-                      </a:solidFill>
-                      <a:prstDash val="solid"/>
-                      <a:round/>
-                      <a:headEnd type="none" w="med" len="med"/>
-                      <a:tailEnd type="none" w="med" len="med"/>
-                    </a:lnT>
-                    <a:lnB w="12700" cap="flat" cmpd="sng" algn="ctr">
-                      <a:solidFill>
-                        <a:schemeClr val="tx1"/>
-                      </a:solidFill>
-                      <a:prstDash val="solid"/>
-                      <a:round/>
-                      <a:headEnd type="none" w="med" len="med"/>
-                      <a:tailEnd type="none" w="med" len="med"/>
-                    </a:lnB>
-                    <a:solidFill>
-                      <a:schemeClr val="accent6">
-                        <a:lumMod val="40000"/>
-                        <a:lumOff val="60000"/>
-                      </a:schemeClr>
-                    </a:solidFill>
-                  </a:tcPr>
-                </a:tc>
-                <a:extLst>
-                  <a:ext uri="{0D108BD9-81ED-4DB2-BD59-A6C34878D82A}">
-                    <a16:rowId xmlns:a16="http://schemas.microsoft.com/office/drawing/2014/main" val="3578205169"/>
-                  </a:ext>
-                </a:extLst>
-              </a:tr>
-            </a:tbl>
-          </a:graphicData>
-        </a:graphic>
-      </p:graphicFrame>
-      <p:graphicFrame>
-        <p:nvGraphicFramePr>
           <p:cNvPr id="13" name="内容占位符 6">
             <a:extLst>
               <a:ext uri="{FF2B5EF4-FFF2-40B4-BE49-F238E27FC236}">
@@ -20677,893 +19457,6 @@
                 <a:extLst>
                   <a:ext uri="{0D108BD9-81ED-4DB2-BD59-A6C34878D82A}">
                     <a16:rowId xmlns:a16="http://schemas.microsoft.com/office/drawing/2014/main" val="240257867"/>
-                  </a:ext>
-                </a:extLst>
-              </a:tr>
-            </a:tbl>
-          </a:graphicData>
-        </a:graphic>
-      </p:graphicFrame>
-      <p:graphicFrame>
-        <p:nvGraphicFramePr>
-          <p:cNvPr id="14" name="表格 13">
-            <a:extLst>
-              <a:ext uri="{FF2B5EF4-FFF2-40B4-BE49-F238E27FC236}">
-                <a16:creationId xmlns:a16="http://schemas.microsoft.com/office/drawing/2014/main" id="{E8402C91-6CB4-BD4C-8ABD-C8A9EF95E3AD}"/>
-              </a:ext>
-            </a:extLst>
-          </p:cNvPr>
-          <p:cNvGraphicFramePr>
-            <a:graphicFrameLocks noGrp="1"/>
-          </p:cNvGraphicFramePr>
-          <p:nvPr>
-            <p:extLst>
-              <p:ext uri="{D42A27DB-BD31-4B8C-83A1-F6EECF244321}">
-                <p14:modId xmlns:p14="http://schemas.microsoft.com/office/powerpoint/2010/main" val="683700277"/>
-              </p:ext>
-            </p:extLst>
-          </p:nvPr>
-        </p:nvGraphicFramePr>
-        <p:xfrm>
-          <a:off x="8221520" y="3193521"/>
-          <a:ext cx="1620000" cy="1112520"/>
-        </p:xfrm>
-        <a:graphic>
-          <a:graphicData uri="http://schemas.openxmlformats.org/drawingml/2006/table">
-            <a:tbl>
-              <a:tblPr firstRow="1" bandRow="1">
-                <a:tableStyleId>{5C22544A-7EE6-4342-B048-85BDC9FD1C3A}</a:tableStyleId>
-              </a:tblPr>
-              <a:tblGrid>
-                <a:gridCol w="324000">
-                  <a:extLst>
-                    <a:ext uri="{9D8B030D-6E8A-4147-A177-3AD203B41FA5}">
-                      <a16:colId xmlns:a16="http://schemas.microsoft.com/office/drawing/2014/main" val="1983758294"/>
-                    </a:ext>
-                  </a:extLst>
-                </a:gridCol>
-                <a:gridCol w="324000">
-                  <a:extLst>
-                    <a:ext uri="{9D8B030D-6E8A-4147-A177-3AD203B41FA5}">
-                      <a16:colId xmlns:a16="http://schemas.microsoft.com/office/drawing/2014/main" val="2971772459"/>
-                    </a:ext>
-                  </a:extLst>
-                </a:gridCol>
-                <a:gridCol w="324000">
-                  <a:extLst>
-                    <a:ext uri="{9D8B030D-6E8A-4147-A177-3AD203B41FA5}">
-                      <a16:colId xmlns:a16="http://schemas.microsoft.com/office/drawing/2014/main" val="3082975932"/>
-                    </a:ext>
-                  </a:extLst>
-                </a:gridCol>
-                <a:gridCol w="324000">
-                  <a:extLst>
-                    <a:ext uri="{9D8B030D-6E8A-4147-A177-3AD203B41FA5}">
-                      <a16:colId xmlns:a16="http://schemas.microsoft.com/office/drawing/2014/main" val="1204180574"/>
-                    </a:ext>
-                  </a:extLst>
-                </a:gridCol>
-                <a:gridCol w="324000">
-                  <a:extLst>
-                    <a:ext uri="{9D8B030D-6E8A-4147-A177-3AD203B41FA5}">
-                      <a16:colId xmlns:a16="http://schemas.microsoft.com/office/drawing/2014/main" val="946854810"/>
-                    </a:ext>
-                  </a:extLst>
-                </a:gridCol>
-              </a:tblGrid>
-              <a:tr h="370840">
-                <a:tc>
-                  <a:txBody>
-                    <a:bodyPr/>
-                    <a:lstStyle/>
-                    <a:p>
-                      <a:endParaRPr lang="zh-CN" altLang="en-US" dirty="0"/>
-                    </a:p>
-                  </a:txBody>
-                  <a:tcPr>
-                    <a:lnL w="12700" cap="flat" cmpd="sng" algn="ctr">
-                      <a:solidFill>
-                        <a:schemeClr val="tx1"/>
-                      </a:solidFill>
-                      <a:prstDash val="solid"/>
-                      <a:round/>
-                      <a:headEnd type="none" w="med" len="med"/>
-                      <a:tailEnd type="none" w="med" len="med"/>
-                    </a:lnL>
-                    <a:lnR w="12700" cap="flat" cmpd="sng" algn="ctr">
-                      <a:solidFill>
-                        <a:schemeClr val="tx1"/>
-                      </a:solidFill>
-                      <a:prstDash val="solid"/>
-                      <a:round/>
-                      <a:headEnd type="none" w="med" len="med"/>
-                      <a:tailEnd type="none" w="med" len="med"/>
-                    </a:lnR>
-                    <a:lnT w="12700" cap="flat" cmpd="sng" algn="ctr">
-                      <a:solidFill>
-                        <a:schemeClr val="tx1"/>
-                      </a:solidFill>
-                      <a:prstDash val="solid"/>
-                      <a:round/>
-                      <a:headEnd type="none" w="med" len="med"/>
-                      <a:tailEnd type="none" w="med" len="med"/>
-                    </a:lnT>
-                    <a:lnB w="12700" cap="flat" cmpd="sng" algn="ctr">
-                      <a:solidFill>
-                        <a:schemeClr val="tx1"/>
-                      </a:solidFill>
-                      <a:prstDash val="solid"/>
-                      <a:round/>
-                      <a:headEnd type="none" w="med" len="med"/>
-                      <a:tailEnd type="none" w="med" len="med"/>
-                    </a:lnB>
-                    <a:solidFill>
-                      <a:schemeClr val="accent2">
-                        <a:lumMod val="20000"/>
-                        <a:lumOff val="80000"/>
-                      </a:schemeClr>
-                    </a:solidFill>
-                  </a:tcPr>
-                </a:tc>
-                <a:tc>
-                  <a:txBody>
-                    <a:bodyPr/>
-                    <a:lstStyle/>
-                    <a:p>
-                      <a:endParaRPr lang="zh-CN" altLang="en-US" dirty="0"/>
-                    </a:p>
-                  </a:txBody>
-                  <a:tcPr>
-                    <a:lnL w="12700" cap="flat" cmpd="sng" algn="ctr">
-                      <a:solidFill>
-                        <a:schemeClr val="tx1"/>
-                      </a:solidFill>
-                      <a:prstDash val="solid"/>
-                      <a:round/>
-                      <a:headEnd type="none" w="med" len="med"/>
-                      <a:tailEnd type="none" w="med" len="med"/>
-                    </a:lnL>
-                    <a:lnR w="12700" cap="flat" cmpd="sng" algn="ctr">
-                      <a:solidFill>
-                        <a:schemeClr val="tx1"/>
-                      </a:solidFill>
-                      <a:prstDash val="solid"/>
-                      <a:round/>
-                      <a:headEnd type="none" w="med" len="med"/>
-                      <a:tailEnd type="none" w="med" len="med"/>
-                    </a:lnR>
-                    <a:lnT w="12700" cap="flat" cmpd="sng" algn="ctr">
-                      <a:solidFill>
-                        <a:schemeClr val="tx1"/>
-                      </a:solidFill>
-                      <a:prstDash val="solid"/>
-                      <a:round/>
-                      <a:headEnd type="none" w="med" len="med"/>
-                      <a:tailEnd type="none" w="med" len="med"/>
-                    </a:lnT>
-                    <a:lnB w="12700" cap="flat" cmpd="sng" algn="ctr">
-                      <a:solidFill>
-                        <a:schemeClr val="tx1"/>
-                      </a:solidFill>
-                      <a:prstDash val="solid"/>
-                      <a:round/>
-                      <a:headEnd type="none" w="med" len="med"/>
-                      <a:tailEnd type="none" w="med" len="med"/>
-                    </a:lnB>
-                    <a:solidFill>
-                      <a:schemeClr val="accent2">
-                        <a:lumMod val="20000"/>
-                        <a:lumOff val="80000"/>
-                      </a:schemeClr>
-                    </a:solidFill>
-                  </a:tcPr>
-                </a:tc>
-                <a:tc>
-                  <a:txBody>
-                    <a:bodyPr/>
-                    <a:lstStyle/>
-                    <a:p>
-                      <a:endParaRPr lang="zh-CN" altLang="en-US"/>
-                    </a:p>
-                  </a:txBody>
-                  <a:tcPr>
-                    <a:lnL w="12700" cap="flat" cmpd="sng" algn="ctr">
-                      <a:solidFill>
-                        <a:schemeClr val="tx1"/>
-                      </a:solidFill>
-                      <a:prstDash val="solid"/>
-                      <a:round/>
-                      <a:headEnd type="none" w="med" len="med"/>
-                      <a:tailEnd type="none" w="med" len="med"/>
-                    </a:lnL>
-                    <a:lnR w="12700" cap="flat" cmpd="sng" algn="ctr">
-                      <a:solidFill>
-                        <a:schemeClr val="tx1"/>
-                      </a:solidFill>
-                      <a:prstDash val="solid"/>
-                      <a:round/>
-                      <a:headEnd type="none" w="med" len="med"/>
-                      <a:tailEnd type="none" w="med" len="med"/>
-                    </a:lnR>
-                    <a:lnT w="12700" cap="flat" cmpd="sng" algn="ctr">
-                      <a:solidFill>
-                        <a:schemeClr val="tx1"/>
-                      </a:solidFill>
-                      <a:prstDash val="solid"/>
-                      <a:round/>
-                      <a:headEnd type="none" w="med" len="med"/>
-                      <a:tailEnd type="none" w="med" len="med"/>
-                    </a:lnT>
-                    <a:lnB w="12700" cap="flat" cmpd="sng" algn="ctr">
-                      <a:solidFill>
-                        <a:schemeClr val="tx1"/>
-                      </a:solidFill>
-                      <a:prstDash val="solid"/>
-                      <a:round/>
-                      <a:headEnd type="none" w="med" len="med"/>
-                      <a:tailEnd type="none" w="med" len="med"/>
-                    </a:lnB>
-                    <a:solidFill>
-                      <a:schemeClr val="accent2">
-                        <a:lumMod val="20000"/>
-                        <a:lumOff val="80000"/>
-                      </a:schemeClr>
-                    </a:solidFill>
-                  </a:tcPr>
-                </a:tc>
-                <a:tc>
-                  <a:txBody>
-                    <a:bodyPr/>
-                    <a:lstStyle/>
-                    <a:p>
-                      <a:endParaRPr lang="zh-CN" altLang="en-US"/>
-                    </a:p>
-                  </a:txBody>
-                  <a:tcPr>
-                    <a:lnL w="12700" cap="flat" cmpd="sng" algn="ctr">
-                      <a:solidFill>
-                        <a:schemeClr val="tx1"/>
-                      </a:solidFill>
-                      <a:prstDash val="solid"/>
-                      <a:round/>
-                      <a:headEnd type="none" w="med" len="med"/>
-                      <a:tailEnd type="none" w="med" len="med"/>
-                    </a:lnL>
-                    <a:lnR w="12700" cap="flat" cmpd="sng" algn="ctr">
-                      <a:solidFill>
-                        <a:schemeClr val="tx1"/>
-                      </a:solidFill>
-                      <a:prstDash val="solid"/>
-                      <a:round/>
-                      <a:headEnd type="none" w="med" len="med"/>
-                      <a:tailEnd type="none" w="med" len="med"/>
-                    </a:lnR>
-                    <a:lnT w="12700" cap="flat" cmpd="sng" algn="ctr">
-                      <a:solidFill>
-                        <a:schemeClr val="tx1"/>
-                      </a:solidFill>
-                      <a:prstDash val="solid"/>
-                      <a:round/>
-                      <a:headEnd type="none" w="med" len="med"/>
-                      <a:tailEnd type="none" w="med" len="med"/>
-                    </a:lnT>
-                    <a:lnB w="12700" cap="flat" cmpd="sng" algn="ctr">
-                      <a:solidFill>
-                        <a:schemeClr val="tx1"/>
-                      </a:solidFill>
-                      <a:prstDash val="solid"/>
-                      <a:round/>
-                      <a:headEnd type="none" w="med" len="med"/>
-                      <a:tailEnd type="none" w="med" len="med"/>
-                    </a:lnB>
-                    <a:solidFill>
-                      <a:schemeClr val="accent2">
-                        <a:lumMod val="20000"/>
-                        <a:lumOff val="80000"/>
-                      </a:schemeClr>
-                    </a:solidFill>
-                  </a:tcPr>
-                </a:tc>
-                <a:tc>
-                  <a:txBody>
-                    <a:bodyPr/>
-                    <a:lstStyle/>
-                    <a:p>
-                      <a:endParaRPr lang="zh-CN" altLang="en-US"/>
-                    </a:p>
-                  </a:txBody>
-                  <a:tcPr>
-                    <a:lnL w="12700" cap="flat" cmpd="sng" algn="ctr">
-                      <a:solidFill>
-                        <a:schemeClr val="tx1"/>
-                      </a:solidFill>
-                      <a:prstDash val="solid"/>
-                      <a:round/>
-                      <a:headEnd type="none" w="med" len="med"/>
-                      <a:tailEnd type="none" w="med" len="med"/>
-                    </a:lnL>
-                    <a:lnR w="12700" cap="flat" cmpd="sng" algn="ctr">
-                      <a:solidFill>
-                        <a:schemeClr val="tx1"/>
-                      </a:solidFill>
-                      <a:prstDash val="solid"/>
-                      <a:round/>
-                      <a:headEnd type="none" w="med" len="med"/>
-                      <a:tailEnd type="none" w="med" len="med"/>
-                    </a:lnR>
-                    <a:lnT w="12700" cap="flat" cmpd="sng" algn="ctr">
-                      <a:solidFill>
-                        <a:schemeClr val="tx1"/>
-                      </a:solidFill>
-                      <a:prstDash val="solid"/>
-                      <a:round/>
-                      <a:headEnd type="none" w="med" len="med"/>
-                      <a:tailEnd type="none" w="med" len="med"/>
-                    </a:lnT>
-                    <a:lnB w="12700" cap="flat" cmpd="sng" algn="ctr">
-                      <a:solidFill>
-                        <a:schemeClr val="tx1"/>
-                      </a:solidFill>
-                      <a:prstDash val="solid"/>
-                      <a:round/>
-                      <a:headEnd type="none" w="med" len="med"/>
-                      <a:tailEnd type="none" w="med" len="med"/>
-                    </a:lnB>
-                    <a:solidFill>
-                      <a:schemeClr val="accent2">
-                        <a:lumMod val="20000"/>
-                        <a:lumOff val="80000"/>
-                      </a:schemeClr>
-                    </a:solidFill>
-                  </a:tcPr>
-                </a:tc>
-                <a:extLst>
-                  <a:ext uri="{0D108BD9-81ED-4DB2-BD59-A6C34878D82A}">
-                    <a16:rowId xmlns:a16="http://schemas.microsoft.com/office/drawing/2014/main" val="817370433"/>
-                  </a:ext>
-                </a:extLst>
-              </a:tr>
-              <a:tr h="370840">
-                <a:tc>
-                  <a:txBody>
-                    <a:bodyPr/>
-                    <a:lstStyle/>
-                    <a:p>
-                      <a:endParaRPr lang="zh-CN" altLang="en-US"/>
-                    </a:p>
-                  </a:txBody>
-                  <a:tcPr>
-                    <a:lnL w="12700" cap="flat" cmpd="sng" algn="ctr">
-                      <a:solidFill>
-                        <a:schemeClr val="tx1"/>
-                      </a:solidFill>
-                      <a:prstDash val="solid"/>
-                      <a:round/>
-                      <a:headEnd type="none" w="med" len="med"/>
-                      <a:tailEnd type="none" w="med" len="med"/>
-                    </a:lnL>
-                    <a:lnR w="12700" cap="flat" cmpd="sng" algn="ctr">
-                      <a:solidFill>
-                        <a:schemeClr val="tx1"/>
-                      </a:solidFill>
-                      <a:prstDash val="solid"/>
-                      <a:round/>
-                      <a:headEnd type="none" w="med" len="med"/>
-                      <a:tailEnd type="none" w="med" len="med"/>
-                    </a:lnR>
-                    <a:lnT w="12700" cap="flat" cmpd="sng" algn="ctr">
-                      <a:solidFill>
-                        <a:schemeClr val="tx1"/>
-                      </a:solidFill>
-                      <a:prstDash val="solid"/>
-                      <a:round/>
-                      <a:headEnd type="none" w="med" len="med"/>
-                      <a:tailEnd type="none" w="med" len="med"/>
-                    </a:lnT>
-                    <a:lnB w="12700" cap="flat" cmpd="sng" algn="ctr">
-                      <a:solidFill>
-                        <a:schemeClr val="tx1"/>
-                      </a:solidFill>
-                      <a:prstDash val="solid"/>
-                      <a:round/>
-                      <a:headEnd type="none" w="med" len="med"/>
-                      <a:tailEnd type="none" w="med" len="med"/>
-                    </a:lnB>
-                    <a:solidFill>
-                      <a:schemeClr val="accent2">
-                        <a:lumMod val="20000"/>
-                        <a:lumOff val="80000"/>
-                      </a:schemeClr>
-                    </a:solidFill>
-                  </a:tcPr>
-                </a:tc>
-                <a:tc>
-                  <a:txBody>
-                    <a:bodyPr/>
-                    <a:lstStyle/>
-                    <a:p>
-                      <a:endParaRPr lang="zh-CN" altLang="en-US" dirty="0"/>
-                    </a:p>
-                  </a:txBody>
-                  <a:tcPr>
-                    <a:lnL w="12700" cap="flat" cmpd="sng" algn="ctr">
-                      <a:solidFill>
-                        <a:schemeClr val="tx1"/>
-                      </a:solidFill>
-                      <a:prstDash val="solid"/>
-                      <a:round/>
-                      <a:headEnd type="none" w="med" len="med"/>
-                      <a:tailEnd type="none" w="med" len="med"/>
-                    </a:lnL>
-                    <a:lnR w="12700" cap="flat" cmpd="sng" algn="ctr">
-                      <a:solidFill>
-                        <a:schemeClr val="tx1"/>
-                      </a:solidFill>
-                      <a:prstDash val="solid"/>
-                      <a:round/>
-                      <a:headEnd type="none" w="med" len="med"/>
-                      <a:tailEnd type="none" w="med" len="med"/>
-                    </a:lnR>
-                    <a:lnT w="12700" cap="flat" cmpd="sng" algn="ctr">
-                      <a:solidFill>
-                        <a:schemeClr val="tx1"/>
-                      </a:solidFill>
-                      <a:prstDash val="solid"/>
-                      <a:round/>
-                      <a:headEnd type="none" w="med" len="med"/>
-                      <a:tailEnd type="none" w="med" len="med"/>
-                    </a:lnT>
-                    <a:lnB w="12700" cap="flat" cmpd="sng" algn="ctr">
-                      <a:solidFill>
-                        <a:schemeClr val="tx1"/>
-                      </a:solidFill>
-                      <a:prstDash val="solid"/>
-                      <a:round/>
-                      <a:headEnd type="none" w="med" len="med"/>
-                      <a:tailEnd type="none" w="med" len="med"/>
-                    </a:lnB>
-                    <a:solidFill>
-                      <a:schemeClr val="accent2">
-                        <a:lumMod val="20000"/>
-                        <a:lumOff val="80000"/>
-                      </a:schemeClr>
-                    </a:solidFill>
-                  </a:tcPr>
-                </a:tc>
-                <a:tc>
-                  <a:txBody>
-                    <a:bodyPr/>
-                    <a:lstStyle/>
-                    <a:p>
-                      <a:endParaRPr lang="zh-CN" altLang="en-US"/>
-                    </a:p>
-                  </a:txBody>
-                  <a:tcPr>
-                    <a:lnL w="12700" cap="flat" cmpd="sng" algn="ctr">
-                      <a:solidFill>
-                        <a:schemeClr val="tx1"/>
-                      </a:solidFill>
-                      <a:prstDash val="solid"/>
-                      <a:round/>
-                      <a:headEnd type="none" w="med" len="med"/>
-                      <a:tailEnd type="none" w="med" len="med"/>
-                    </a:lnL>
-                    <a:lnR w="12700" cap="flat" cmpd="sng" algn="ctr">
-                      <a:solidFill>
-                        <a:schemeClr val="tx1"/>
-                      </a:solidFill>
-                      <a:prstDash val="solid"/>
-                      <a:round/>
-                      <a:headEnd type="none" w="med" len="med"/>
-                      <a:tailEnd type="none" w="med" len="med"/>
-                    </a:lnR>
-                    <a:lnT w="12700" cap="flat" cmpd="sng" algn="ctr">
-                      <a:solidFill>
-                        <a:schemeClr val="tx1"/>
-                      </a:solidFill>
-                      <a:prstDash val="solid"/>
-                      <a:round/>
-                      <a:headEnd type="none" w="med" len="med"/>
-                      <a:tailEnd type="none" w="med" len="med"/>
-                    </a:lnT>
-                    <a:lnB w="12700" cap="flat" cmpd="sng" algn="ctr">
-                      <a:solidFill>
-                        <a:schemeClr val="tx1"/>
-                      </a:solidFill>
-                      <a:prstDash val="solid"/>
-                      <a:round/>
-                      <a:headEnd type="none" w="med" len="med"/>
-                      <a:tailEnd type="none" w="med" len="med"/>
-                    </a:lnB>
-                    <a:solidFill>
-                      <a:schemeClr val="accent2">
-                        <a:lumMod val="20000"/>
-                        <a:lumOff val="80000"/>
-                      </a:schemeClr>
-                    </a:solidFill>
-                  </a:tcPr>
-                </a:tc>
-                <a:tc>
-                  <a:txBody>
-                    <a:bodyPr/>
-                    <a:lstStyle/>
-                    <a:p>
-                      <a:endParaRPr lang="zh-CN" altLang="en-US"/>
-                    </a:p>
-                  </a:txBody>
-                  <a:tcPr>
-                    <a:lnL w="12700" cap="flat" cmpd="sng" algn="ctr">
-                      <a:solidFill>
-                        <a:schemeClr val="tx1"/>
-                      </a:solidFill>
-                      <a:prstDash val="solid"/>
-                      <a:round/>
-                      <a:headEnd type="none" w="med" len="med"/>
-                      <a:tailEnd type="none" w="med" len="med"/>
-                    </a:lnL>
-                    <a:lnR w="12700" cap="flat" cmpd="sng" algn="ctr">
-                      <a:solidFill>
-                        <a:schemeClr val="tx1"/>
-                      </a:solidFill>
-                      <a:prstDash val="solid"/>
-                      <a:round/>
-                      <a:headEnd type="none" w="med" len="med"/>
-                      <a:tailEnd type="none" w="med" len="med"/>
-                    </a:lnR>
-                    <a:lnT w="12700" cap="flat" cmpd="sng" algn="ctr">
-                      <a:solidFill>
-                        <a:schemeClr val="tx1"/>
-                      </a:solidFill>
-                      <a:prstDash val="solid"/>
-                      <a:round/>
-                      <a:headEnd type="none" w="med" len="med"/>
-                      <a:tailEnd type="none" w="med" len="med"/>
-                    </a:lnT>
-                    <a:lnB w="12700" cap="flat" cmpd="sng" algn="ctr">
-                      <a:solidFill>
-                        <a:schemeClr val="tx1"/>
-                      </a:solidFill>
-                      <a:prstDash val="solid"/>
-                      <a:round/>
-                      <a:headEnd type="none" w="med" len="med"/>
-                      <a:tailEnd type="none" w="med" len="med"/>
-                    </a:lnB>
-                    <a:solidFill>
-                      <a:schemeClr val="accent2">
-                        <a:lumMod val="20000"/>
-                        <a:lumOff val="80000"/>
-                      </a:schemeClr>
-                    </a:solidFill>
-                  </a:tcPr>
-                </a:tc>
-                <a:tc>
-                  <a:txBody>
-                    <a:bodyPr/>
-                    <a:lstStyle/>
-                    <a:p>
-                      <a:endParaRPr lang="zh-CN" altLang="en-US" dirty="0"/>
-                    </a:p>
-                  </a:txBody>
-                  <a:tcPr>
-                    <a:lnL w="12700" cap="flat" cmpd="sng" algn="ctr">
-                      <a:solidFill>
-                        <a:schemeClr val="tx1"/>
-                      </a:solidFill>
-                      <a:prstDash val="solid"/>
-                      <a:round/>
-                      <a:headEnd type="none" w="med" len="med"/>
-                      <a:tailEnd type="none" w="med" len="med"/>
-                    </a:lnL>
-                    <a:lnR w="12700" cap="flat" cmpd="sng" algn="ctr">
-                      <a:solidFill>
-                        <a:schemeClr val="tx1"/>
-                      </a:solidFill>
-                      <a:prstDash val="solid"/>
-                      <a:round/>
-                      <a:headEnd type="none" w="med" len="med"/>
-                      <a:tailEnd type="none" w="med" len="med"/>
-                    </a:lnR>
-                    <a:lnT w="12700" cap="flat" cmpd="sng" algn="ctr">
-                      <a:solidFill>
-                        <a:schemeClr val="tx1"/>
-                      </a:solidFill>
-                      <a:prstDash val="solid"/>
-                      <a:round/>
-                      <a:headEnd type="none" w="med" len="med"/>
-                      <a:tailEnd type="none" w="med" len="med"/>
-                    </a:lnT>
-                    <a:lnB w="12700" cap="flat" cmpd="sng" algn="ctr">
-                      <a:solidFill>
-                        <a:schemeClr val="tx1"/>
-                      </a:solidFill>
-                      <a:prstDash val="solid"/>
-                      <a:round/>
-                      <a:headEnd type="none" w="med" len="med"/>
-                      <a:tailEnd type="none" w="med" len="med"/>
-                    </a:lnB>
-                    <a:solidFill>
-                      <a:schemeClr val="accent2">
-                        <a:lumMod val="20000"/>
-                        <a:lumOff val="80000"/>
-                      </a:schemeClr>
-                    </a:solidFill>
-                  </a:tcPr>
-                </a:tc>
-                <a:extLst>
-                  <a:ext uri="{0D108BD9-81ED-4DB2-BD59-A6C34878D82A}">
-                    <a16:rowId xmlns:a16="http://schemas.microsoft.com/office/drawing/2014/main" val="749825693"/>
-                  </a:ext>
-                </a:extLst>
-              </a:tr>
-              <a:tr h="370840">
-                <a:tc>
-                  <a:txBody>
-                    <a:bodyPr/>
-                    <a:lstStyle/>
-                    <a:p>
-                      <a:endParaRPr lang="zh-CN" altLang="en-US"/>
-                    </a:p>
-                  </a:txBody>
-                  <a:tcPr>
-                    <a:lnL w="12700" cap="flat" cmpd="sng" algn="ctr">
-                      <a:solidFill>
-                        <a:schemeClr val="tx1"/>
-                      </a:solidFill>
-                      <a:prstDash val="solid"/>
-                      <a:round/>
-                      <a:headEnd type="none" w="med" len="med"/>
-                      <a:tailEnd type="none" w="med" len="med"/>
-                    </a:lnL>
-                    <a:lnR w="12700" cap="flat" cmpd="sng" algn="ctr">
-                      <a:solidFill>
-                        <a:schemeClr val="tx1"/>
-                      </a:solidFill>
-                      <a:prstDash val="solid"/>
-                      <a:round/>
-                      <a:headEnd type="none" w="med" len="med"/>
-                      <a:tailEnd type="none" w="med" len="med"/>
-                    </a:lnR>
-                    <a:lnT w="12700" cap="flat" cmpd="sng" algn="ctr">
-                      <a:solidFill>
-                        <a:schemeClr val="tx1"/>
-                      </a:solidFill>
-                      <a:prstDash val="solid"/>
-                      <a:round/>
-                      <a:headEnd type="none" w="med" len="med"/>
-                      <a:tailEnd type="none" w="med" len="med"/>
-                    </a:lnT>
-                    <a:lnB w="12700" cap="flat" cmpd="sng" algn="ctr">
-                      <a:solidFill>
-                        <a:schemeClr val="tx1"/>
-                      </a:solidFill>
-                      <a:prstDash val="solid"/>
-                      <a:round/>
-                      <a:headEnd type="none" w="med" len="med"/>
-                      <a:tailEnd type="none" w="med" len="med"/>
-                    </a:lnB>
-                    <a:solidFill>
-                      <a:schemeClr val="accent2">
-                        <a:lumMod val="20000"/>
-                        <a:lumOff val="80000"/>
-                      </a:schemeClr>
-                    </a:solidFill>
-                  </a:tcPr>
-                </a:tc>
-                <a:tc>
-                  <a:txBody>
-                    <a:bodyPr/>
-                    <a:lstStyle/>
-                    <a:p>
-                      <a:endParaRPr lang="zh-CN" altLang="en-US" dirty="0"/>
-                    </a:p>
-                  </a:txBody>
-                  <a:tcPr>
-                    <a:lnL w="12700" cap="flat" cmpd="sng" algn="ctr">
-                      <a:solidFill>
-                        <a:schemeClr val="tx1"/>
-                      </a:solidFill>
-                      <a:prstDash val="solid"/>
-                      <a:round/>
-                      <a:headEnd type="none" w="med" len="med"/>
-                      <a:tailEnd type="none" w="med" len="med"/>
-                    </a:lnL>
-                    <a:lnR w="12700" cap="flat" cmpd="sng" algn="ctr">
-                      <a:solidFill>
-                        <a:schemeClr val="tx1"/>
-                      </a:solidFill>
-                      <a:prstDash val="solid"/>
-                      <a:round/>
-                      <a:headEnd type="none" w="med" len="med"/>
-                      <a:tailEnd type="none" w="med" len="med"/>
-                    </a:lnR>
-                    <a:lnT w="12700" cap="flat" cmpd="sng" algn="ctr">
-                      <a:solidFill>
-                        <a:schemeClr val="tx1"/>
-                      </a:solidFill>
-                      <a:prstDash val="solid"/>
-                      <a:round/>
-                      <a:headEnd type="none" w="med" len="med"/>
-                      <a:tailEnd type="none" w="med" len="med"/>
-                    </a:lnT>
-                    <a:lnB w="12700" cap="flat" cmpd="sng" algn="ctr">
-                      <a:solidFill>
-                        <a:schemeClr val="tx1"/>
-                      </a:solidFill>
-                      <a:prstDash val="solid"/>
-                      <a:round/>
-                      <a:headEnd type="none" w="med" len="med"/>
-                      <a:tailEnd type="none" w="med" len="med"/>
-                    </a:lnB>
-                    <a:solidFill>
-                      <a:schemeClr val="accent2">
-                        <a:lumMod val="20000"/>
-                        <a:lumOff val="80000"/>
-                      </a:schemeClr>
-                    </a:solidFill>
-                  </a:tcPr>
-                </a:tc>
-                <a:tc>
-                  <a:txBody>
-                    <a:bodyPr/>
-                    <a:lstStyle/>
-                    <a:p>
-                      <a:endParaRPr lang="zh-CN" altLang="en-US"/>
-                    </a:p>
-                  </a:txBody>
-                  <a:tcPr>
-                    <a:lnL w="12700" cap="flat" cmpd="sng" algn="ctr">
-                      <a:solidFill>
-                        <a:schemeClr val="tx1"/>
-                      </a:solidFill>
-                      <a:prstDash val="solid"/>
-                      <a:round/>
-                      <a:headEnd type="none" w="med" len="med"/>
-                      <a:tailEnd type="none" w="med" len="med"/>
-                    </a:lnL>
-                    <a:lnR w="12700" cap="flat" cmpd="sng" algn="ctr">
-                      <a:solidFill>
-                        <a:schemeClr val="tx1"/>
-                      </a:solidFill>
-                      <a:prstDash val="solid"/>
-                      <a:round/>
-                      <a:headEnd type="none" w="med" len="med"/>
-                      <a:tailEnd type="none" w="med" len="med"/>
-                    </a:lnR>
-                    <a:lnT w="12700" cap="flat" cmpd="sng" algn="ctr">
-                      <a:solidFill>
-                        <a:schemeClr val="tx1"/>
-                      </a:solidFill>
-                      <a:prstDash val="solid"/>
-                      <a:round/>
-                      <a:headEnd type="none" w="med" len="med"/>
-                      <a:tailEnd type="none" w="med" len="med"/>
-                    </a:lnT>
-                    <a:lnB w="12700" cap="flat" cmpd="sng" algn="ctr">
-                      <a:solidFill>
-                        <a:schemeClr val="tx1"/>
-                      </a:solidFill>
-                      <a:prstDash val="solid"/>
-                      <a:round/>
-                      <a:headEnd type="none" w="med" len="med"/>
-                      <a:tailEnd type="none" w="med" len="med"/>
-                    </a:lnB>
-                    <a:solidFill>
-                      <a:schemeClr val="accent2">
-                        <a:lumMod val="20000"/>
-                        <a:lumOff val="80000"/>
-                      </a:schemeClr>
-                    </a:solidFill>
-                  </a:tcPr>
-                </a:tc>
-                <a:tc>
-                  <a:txBody>
-                    <a:bodyPr/>
-                    <a:lstStyle/>
-                    <a:p>
-                      <a:endParaRPr lang="zh-CN" altLang="en-US"/>
-                    </a:p>
-                  </a:txBody>
-                  <a:tcPr>
-                    <a:lnL w="12700" cap="flat" cmpd="sng" algn="ctr">
-                      <a:solidFill>
-                        <a:schemeClr val="tx1"/>
-                      </a:solidFill>
-                      <a:prstDash val="solid"/>
-                      <a:round/>
-                      <a:headEnd type="none" w="med" len="med"/>
-                      <a:tailEnd type="none" w="med" len="med"/>
-                    </a:lnL>
-                    <a:lnR w="12700" cap="flat" cmpd="sng" algn="ctr">
-                      <a:solidFill>
-                        <a:schemeClr val="tx1"/>
-                      </a:solidFill>
-                      <a:prstDash val="solid"/>
-                      <a:round/>
-                      <a:headEnd type="none" w="med" len="med"/>
-                      <a:tailEnd type="none" w="med" len="med"/>
-                    </a:lnR>
-                    <a:lnT w="12700" cap="flat" cmpd="sng" algn="ctr">
-                      <a:solidFill>
-                        <a:schemeClr val="tx1"/>
-                      </a:solidFill>
-                      <a:prstDash val="solid"/>
-                      <a:round/>
-                      <a:headEnd type="none" w="med" len="med"/>
-                      <a:tailEnd type="none" w="med" len="med"/>
-                    </a:lnT>
-                    <a:lnB w="12700" cap="flat" cmpd="sng" algn="ctr">
-                      <a:solidFill>
-                        <a:schemeClr val="tx1"/>
-                      </a:solidFill>
-                      <a:prstDash val="solid"/>
-                      <a:round/>
-                      <a:headEnd type="none" w="med" len="med"/>
-                      <a:tailEnd type="none" w="med" len="med"/>
-                    </a:lnB>
-                    <a:solidFill>
-                      <a:schemeClr val="accent2">
-                        <a:lumMod val="20000"/>
-                        <a:lumOff val="80000"/>
-                      </a:schemeClr>
-                    </a:solidFill>
-                  </a:tcPr>
-                </a:tc>
-                <a:tc>
-                  <a:txBody>
-                    <a:bodyPr/>
-                    <a:lstStyle/>
-                    <a:p>
-                      <a:endParaRPr lang="zh-CN" altLang="en-US" dirty="0"/>
-                    </a:p>
-                  </a:txBody>
-                  <a:tcPr>
-                    <a:lnL w="12700" cap="flat" cmpd="sng" algn="ctr">
-                      <a:solidFill>
-                        <a:schemeClr val="tx1"/>
-                      </a:solidFill>
-                      <a:prstDash val="solid"/>
-                      <a:round/>
-                      <a:headEnd type="none" w="med" len="med"/>
-                      <a:tailEnd type="none" w="med" len="med"/>
-                    </a:lnL>
-                    <a:lnR w="12700" cap="flat" cmpd="sng" algn="ctr">
-                      <a:solidFill>
-                        <a:schemeClr val="tx1"/>
-                      </a:solidFill>
-                      <a:prstDash val="solid"/>
-                      <a:round/>
-                      <a:headEnd type="none" w="med" len="med"/>
-                      <a:tailEnd type="none" w="med" len="med"/>
-                    </a:lnR>
-                    <a:lnT w="12700" cap="flat" cmpd="sng" algn="ctr">
-                      <a:solidFill>
-                        <a:schemeClr val="tx1"/>
-                      </a:solidFill>
-                      <a:prstDash val="solid"/>
-                      <a:round/>
-                      <a:headEnd type="none" w="med" len="med"/>
-                      <a:tailEnd type="none" w="med" len="med"/>
-                    </a:lnT>
-                    <a:lnB w="12700" cap="flat" cmpd="sng" algn="ctr">
-                      <a:solidFill>
-                        <a:schemeClr val="tx1"/>
-                      </a:solidFill>
-                      <a:prstDash val="solid"/>
-                      <a:round/>
-                      <a:headEnd type="none" w="med" len="med"/>
-                      <a:tailEnd type="none" w="med" len="med"/>
-                    </a:lnB>
-                    <a:solidFill>
-                      <a:schemeClr val="accent2">
-                        <a:lumMod val="20000"/>
-                        <a:lumOff val="80000"/>
-                      </a:schemeClr>
-                    </a:solidFill>
-                  </a:tcPr>
-                </a:tc>
-                <a:extLst>
-                  <a:ext uri="{0D108BD9-81ED-4DB2-BD59-A6C34878D82A}">
-                    <a16:rowId xmlns:a16="http://schemas.microsoft.com/office/drawing/2014/main" val="1995964819"/>
                   </a:ext>
                 </a:extLst>
               </a:tr>
@@ -21801,8 +19694,8 @@
           </p:sp>
         </mc:Fallback>
       </mc:AlternateContent>
-      <mc:AlternateContent xmlns:mc="http://schemas.openxmlformats.org/markup-compatibility/2006" xmlns:a14="http://schemas.microsoft.com/office/drawing/2010/main">
-        <mc:Choice Requires="a14">
+      <mc:AlternateContent xmlns:mc="http://schemas.openxmlformats.org/markup-compatibility/2006">
+        <mc:Choice xmlns:a14="http://schemas.microsoft.com/office/drawing/2010/main" Requires="a14">
           <p:sp>
             <p:nvSpPr>
               <p:cNvPr id="19" name="文本框 18">
@@ -21817,7 +19710,7 @@
             </p:nvSpPr>
             <p:spPr>
               <a:xfrm>
-                <a:off x="4384099" y="1859552"/>
+                <a:off x="4420997" y="2400644"/>
                 <a:ext cx="1499385" cy="369332"/>
               </a:xfrm>
               <a:prstGeom prst="rect">
@@ -21880,7 +19773,7 @@
             </p:txBody>
           </p:sp>
         </mc:Choice>
-        <mc:Fallback xmlns="">
+        <mc:Fallback>
           <p:sp>
             <p:nvSpPr>
               <p:cNvPr id="19" name="文本框 18">
@@ -21897,7 +19790,7 @@
             </p:nvSpPr>
             <p:spPr>
               <a:xfrm>
-                <a:off x="4384099" y="1859552"/>
+                <a:off x="4420997" y="2400644"/>
                 <a:ext cx="1499385" cy="369332"/>
               </a:xfrm>
               <a:prstGeom prst="rect">
@@ -22050,8 +19943,8 @@
           </p:sp>
         </mc:Fallback>
       </mc:AlternateContent>
-      <mc:AlternateContent xmlns:mc="http://schemas.openxmlformats.org/markup-compatibility/2006" xmlns:a14="http://schemas.microsoft.com/office/drawing/2010/main">
-        <mc:Choice Requires="a14">
+      <mc:AlternateContent xmlns:mc="http://schemas.openxmlformats.org/markup-compatibility/2006">
+        <mc:Choice xmlns:a14="http://schemas.microsoft.com/office/drawing/2010/main" Requires="a14">
           <p:sp>
             <p:nvSpPr>
               <p:cNvPr id="21" name="文本框 20">
@@ -22066,7 +19959,7 @@
             </p:nvSpPr>
             <p:spPr>
               <a:xfrm>
-                <a:off x="8306257" y="2769976"/>
+                <a:off x="8537988" y="2748570"/>
                 <a:ext cx="1450525" cy="369332"/>
               </a:xfrm>
               <a:prstGeom prst="rect">
@@ -22129,7 +20022,7 @@
             </p:txBody>
           </p:sp>
         </mc:Choice>
-        <mc:Fallback xmlns="">
+        <mc:Fallback>
           <p:sp>
             <p:nvSpPr>
               <p:cNvPr id="21" name="文本框 20">
@@ -22146,7 +20039,7 @@
             </p:nvSpPr>
             <p:spPr>
               <a:xfrm>
-                <a:off x="8306257" y="2769976"/>
+                <a:off x="8537988" y="2748570"/>
                 <a:ext cx="1450525" cy="369332"/>
               </a:xfrm>
               <a:prstGeom prst="rect">
@@ -22155,7 +20048,7 @@
               <a:blipFill>
                 <a:blip r:embed="rId5"/>
                 <a:stretch>
-                  <a:fillRect l="-3478" t="-3333" b="-20000"/>
+                  <a:fillRect l="-3509" t="-6667" b="-20000"/>
                 </a:stretch>
               </a:blipFill>
             </p:spPr>
@@ -22276,6 +20169,2112 @@
           </a:p>
         </p:txBody>
       </p:sp>
+      <p:graphicFrame>
+        <p:nvGraphicFramePr>
+          <p:cNvPr id="23" name="表格 22">
+            <a:extLst>
+              <a:ext uri="{FF2B5EF4-FFF2-40B4-BE49-F238E27FC236}">
+                <a16:creationId xmlns:a16="http://schemas.microsoft.com/office/drawing/2014/main" id="{E1648CED-4BEE-F348-BF03-011D8D7C24FD}"/>
+              </a:ext>
+            </a:extLst>
+          </p:cNvPr>
+          <p:cNvGraphicFramePr>
+            <a:graphicFrameLocks noGrp="1"/>
+          </p:cNvGraphicFramePr>
+          <p:nvPr>
+            <p:extLst>
+              <p:ext uri="{D42A27DB-BD31-4B8C-83A1-F6EECF244321}">
+                <p14:modId xmlns:p14="http://schemas.microsoft.com/office/powerpoint/2010/main" val="937349039"/>
+              </p:ext>
+            </p:extLst>
+          </p:nvPr>
+        </p:nvGraphicFramePr>
+        <p:xfrm>
+          <a:off x="4724359" y="2814665"/>
+          <a:ext cx="972000" cy="1854200"/>
+        </p:xfrm>
+        <a:graphic>
+          <a:graphicData uri="http://schemas.openxmlformats.org/drawingml/2006/table">
+            <a:tbl>
+              <a:tblPr firstRow="1" bandRow="1">
+                <a:tableStyleId>{5C22544A-7EE6-4342-B048-85BDC9FD1C3A}</a:tableStyleId>
+              </a:tblPr>
+              <a:tblGrid>
+                <a:gridCol w="324000">
+                  <a:extLst>
+                    <a:ext uri="{9D8B030D-6E8A-4147-A177-3AD203B41FA5}">
+                      <a16:colId xmlns:a16="http://schemas.microsoft.com/office/drawing/2014/main" val="1983758294"/>
+                    </a:ext>
+                  </a:extLst>
+                </a:gridCol>
+                <a:gridCol w="324000">
+                  <a:extLst>
+                    <a:ext uri="{9D8B030D-6E8A-4147-A177-3AD203B41FA5}">
+                      <a16:colId xmlns:a16="http://schemas.microsoft.com/office/drawing/2014/main" val="2971772459"/>
+                    </a:ext>
+                  </a:extLst>
+                </a:gridCol>
+                <a:gridCol w="324000">
+                  <a:extLst>
+                    <a:ext uri="{9D8B030D-6E8A-4147-A177-3AD203B41FA5}">
+                      <a16:colId xmlns:a16="http://schemas.microsoft.com/office/drawing/2014/main" val="3082975932"/>
+                    </a:ext>
+                  </a:extLst>
+                </a:gridCol>
+              </a:tblGrid>
+              <a:tr h="370840">
+                <a:tc>
+                  <a:txBody>
+                    <a:bodyPr/>
+                    <a:lstStyle/>
+                    <a:p>
+                      <a:endParaRPr lang="zh-CN" altLang="en-US" dirty="0"/>
+                    </a:p>
+                  </a:txBody>
+                  <a:tcPr>
+                    <a:lnL w="12700" cap="flat" cmpd="sng" algn="ctr">
+                      <a:solidFill>
+                        <a:schemeClr val="tx1"/>
+                      </a:solidFill>
+                      <a:prstDash val="solid"/>
+                      <a:round/>
+                      <a:headEnd type="none" w="med" len="med"/>
+                      <a:tailEnd type="none" w="med" len="med"/>
+                    </a:lnL>
+                    <a:lnR w="12700" cap="flat" cmpd="sng" algn="ctr">
+                      <a:solidFill>
+                        <a:schemeClr val="tx1"/>
+                      </a:solidFill>
+                      <a:prstDash val="solid"/>
+                      <a:round/>
+                      <a:headEnd type="none" w="med" len="med"/>
+                      <a:tailEnd type="none" w="med" len="med"/>
+                    </a:lnR>
+                    <a:lnT w="12700" cap="flat" cmpd="sng" algn="ctr">
+                      <a:solidFill>
+                        <a:schemeClr val="tx1"/>
+                      </a:solidFill>
+                      <a:prstDash val="solid"/>
+                      <a:round/>
+                      <a:headEnd type="none" w="med" len="med"/>
+                      <a:tailEnd type="none" w="med" len="med"/>
+                    </a:lnT>
+                    <a:lnB w="12700" cap="flat" cmpd="sng" algn="ctr">
+                      <a:solidFill>
+                        <a:schemeClr val="tx1"/>
+                      </a:solidFill>
+                      <a:prstDash val="solid"/>
+                      <a:round/>
+                      <a:headEnd type="none" w="med" len="med"/>
+                      <a:tailEnd type="none" w="med" len="med"/>
+                    </a:lnB>
+                    <a:solidFill>
+                      <a:schemeClr val="accent2">
+                        <a:lumMod val="20000"/>
+                        <a:lumOff val="80000"/>
+                      </a:schemeClr>
+                    </a:solidFill>
+                  </a:tcPr>
+                </a:tc>
+                <a:tc>
+                  <a:txBody>
+                    <a:bodyPr/>
+                    <a:lstStyle/>
+                    <a:p>
+                      <a:endParaRPr lang="zh-CN" altLang="en-US" dirty="0"/>
+                    </a:p>
+                  </a:txBody>
+                  <a:tcPr>
+                    <a:lnL w="12700" cap="flat" cmpd="sng" algn="ctr">
+                      <a:solidFill>
+                        <a:schemeClr val="tx1"/>
+                      </a:solidFill>
+                      <a:prstDash val="solid"/>
+                      <a:round/>
+                      <a:headEnd type="none" w="med" len="med"/>
+                      <a:tailEnd type="none" w="med" len="med"/>
+                    </a:lnL>
+                    <a:lnR w="12700" cap="flat" cmpd="sng" algn="ctr">
+                      <a:solidFill>
+                        <a:schemeClr val="tx1"/>
+                      </a:solidFill>
+                      <a:prstDash val="solid"/>
+                      <a:round/>
+                      <a:headEnd type="none" w="med" len="med"/>
+                      <a:tailEnd type="none" w="med" len="med"/>
+                    </a:lnR>
+                    <a:lnT w="12700" cap="flat" cmpd="sng" algn="ctr">
+                      <a:solidFill>
+                        <a:schemeClr val="tx1"/>
+                      </a:solidFill>
+                      <a:prstDash val="solid"/>
+                      <a:round/>
+                      <a:headEnd type="none" w="med" len="med"/>
+                      <a:tailEnd type="none" w="med" len="med"/>
+                    </a:lnT>
+                    <a:lnB w="12700" cap="flat" cmpd="sng" algn="ctr">
+                      <a:solidFill>
+                        <a:schemeClr val="tx1"/>
+                      </a:solidFill>
+                      <a:prstDash val="solid"/>
+                      <a:round/>
+                      <a:headEnd type="none" w="med" len="med"/>
+                      <a:tailEnd type="none" w="med" len="med"/>
+                    </a:lnB>
+                    <a:solidFill>
+                      <a:schemeClr val="accent2">
+                        <a:lumMod val="20000"/>
+                        <a:lumOff val="80000"/>
+                      </a:schemeClr>
+                    </a:solidFill>
+                  </a:tcPr>
+                </a:tc>
+                <a:tc>
+                  <a:txBody>
+                    <a:bodyPr/>
+                    <a:lstStyle/>
+                    <a:p>
+                      <a:endParaRPr lang="zh-CN" altLang="en-US" dirty="0"/>
+                    </a:p>
+                  </a:txBody>
+                  <a:tcPr>
+                    <a:lnL w="12700" cap="flat" cmpd="sng" algn="ctr">
+                      <a:solidFill>
+                        <a:schemeClr val="tx1"/>
+                      </a:solidFill>
+                      <a:prstDash val="solid"/>
+                      <a:round/>
+                      <a:headEnd type="none" w="med" len="med"/>
+                      <a:tailEnd type="none" w="med" len="med"/>
+                    </a:lnL>
+                    <a:lnR w="12700" cap="flat" cmpd="sng" algn="ctr">
+                      <a:solidFill>
+                        <a:schemeClr val="tx1"/>
+                      </a:solidFill>
+                      <a:prstDash val="solid"/>
+                      <a:round/>
+                      <a:headEnd type="none" w="med" len="med"/>
+                      <a:tailEnd type="none" w="med" len="med"/>
+                    </a:lnR>
+                    <a:lnT w="12700" cap="flat" cmpd="sng" algn="ctr">
+                      <a:solidFill>
+                        <a:schemeClr val="tx1"/>
+                      </a:solidFill>
+                      <a:prstDash val="solid"/>
+                      <a:round/>
+                      <a:headEnd type="none" w="med" len="med"/>
+                      <a:tailEnd type="none" w="med" len="med"/>
+                    </a:lnT>
+                    <a:lnB w="12700" cap="flat" cmpd="sng" algn="ctr">
+                      <a:solidFill>
+                        <a:schemeClr val="tx1"/>
+                      </a:solidFill>
+                      <a:prstDash val="solid"/>
+                      <a:round/>
+                      <a:headEnd type="none" w="med" len="med"/>
+                      <a:tailEnd type="none" w="med" len="med"/>
+                    </a:lnB>
+                    <a:solidFill>
+                      <a:schemeClr val="accent2">
+                        <a:lumMod val="20000"/>
+                        <a:lumOff val="80000"/>
+                      </a:schemeClr>
+                    </a:solidFill>
+                  </a:tcPr>
+                </a:tc>
+                <a:extLst>
+                  <a:ext uri="{0D108BD9-81ED-4DB2-BD59-A6C34878D82A}">
+                    <a16:rowId xmlns:a16="http://schemas.microsoft.com/office/drawing/2014/main" val="817370433"/>
+                  </a:ext>
+                </a:extLst>
+              </a:tr>
+              <a:tr h="370840">
+                <a:tc>
+                  <a:txBody>
+                    <a:bodyPr/>
+                    <a:lstStyle/>
+                    <a:p>
+                      <a:endParaRPr lang="zh-CN" altLang="en-US"/>
+                    </a:p>
+                  </a:txBody>
+                  <a:tcPr>
+                    <a:lnL w="12700" cap="flat" cmpd="sng" algn="ctr">
+                      <a:solidFill>
+                        <a:schemeClr val="tx1"/>
+                      </a:solidFill>
+                      <a:prstDash val="solid"/>
+                      <a:round/>
+                      <a:headEnd type="none" w="med" len="med"/>
+                      <a:tailEnd type="none" w="med" len="med"/>
+                    </a:lnL>
+                    <a:lnR w="12700" cap="flat" cmpd="sng" algn="ctr">
+                      <a:solidFill>
+                        <a:schemeClr val="tx1"/>
+                      </a:solidFill>
+                      <a:prstDash val="solid"/>
+                      <a:round/>
+                      <a:headEnd type="none" w="med" len="med"/>
+                      <a:tailEnd type="none" w="med" len="med"/>
+                    </a:lnR>
+                    <a:lnT w="12700" cap="flat" cmpd="sng" algn="ctr">
+                      <a:solidFill>
+                        <a:schemeClr val="tx1"/>
+                      </a:solidFill>
+                      <a:prstDash val="solid"/>
+                      <a:round/>
+                      <a:headEnd type="none" w="med" len="med"/>
+                      <a:tailEnd type="none" w="med" len="med"/>
+                    </a:lnT>
+                    <a:lnB w="12700" cap="flat" cmpd="sng" algn="ctr">
+                      <a:solidFill>
+                        <a:schemeClr val="tx1"/>
+                      </a:solidFill>
+                      <a:prstDash val="solid"/>
+                      <a:round/>
+                      <a:headEnd type="none" w="med" len="med"/>
+                      <a:tailEnd type="none" w="med" len="med"/>
+                    </a:lnB>
+                    <a:solidFill>
+                      <a:schemeClr val="accent2">
+                        <a:lumMod val="20000"/>
+                        <a:lumOff val="80000"/>
+                      </a:schemeClr>
+                    </a:solidFill>
+                  </a:tcPr>
+                </a:tc>
+                <a:tc>
+                  <a:txBody>
+                    <a:bodyPr/>
+                    <a:lstStyle/>
+                    <a:p>
+                      <a:endParaRPr lang="zh-CN" altLang="en-US"/>
+                    </a:p>
+                  </a:txBody>
+                  <a:tcPr>
+                    <a:lnL w="12700" cap="flat" cmpd="sng" algn="ctr">
+                      <a:solidFill>
+                        <a:schemeClr val="tx1"/>
+                      </a:solidFill>
+                      <a:prstDash val="solid"/>
+                      <a:round/>
+                      <a:headEnd type="none" w="med" len="med"/>
+                      <a:tailEnd type="none" w="med" len="med"/>
+                    </a:lnL>
+                    <a:lnR w="12700" cap="flat" cmpd="sng" algn="ctr">
+                      <a:solidFill>
+                        <a:schemeClr val="tx1"/>
+                      </a:solidFill>
+                      <a:prstDash val="solid"/>
+                      <a:round/>
+                      <a:headEnd type="none" w="med" len="med"/>
+                      <a:tailEnd type="none" w="med" len="med"/>
+                    </a:lnR>
+                    <a:lnT w="12700" cap="flat" cmpd="sng" algn="ctr">
+                      <a:solidFill>
+                        <a:schemeClr val="tx1"/>
+                      </a:solidFill>
+                      <a:prstDash val="solid"/>
+                      <a:round/>
+                      <a:headEnd type="none" w="med" len="med"/>
+                      <a:tailEnd type="none" w="med" len="med"/>
+                    </a:lnT>
+                    <a:lnB w="12700" cap="flat" cmpd="sng" algn="ctr">
+                      <a:solidFill>
+                        <a:schemeClr val="tx1"/>
+                      </a:solidFill>
+                      <a:prstDash val="solid"/>
+                      <a:round/>
+                      <a:headEnd type="none" w="med" len="med"/>
+                      <a:tailEnd type="none" w="med" len="med"/>
+                    </a:lnB>
+                    <a:solidFill>
+                      <a:schemeClr val="accent2">
+                        <a:lumMod val="20000"/>
+                        <a:lumOff val="80000"/>
+                      </a:schemeClr>
+                    </a:solidFill>
+                  </a:tcPr>
+                </a:tc>
+                <a:tc>
+                  <a:txBody>
+                    <a:bodyPr/>
+                    <a:lstStyle/>
+                    <a:p>
+                      <a:endParaRPr lang="zh-CN" altLang="en-US"/>
+                    </a:p>
+                  </a:txBody>
+                  <a:tcPr>
+                    <a:lnL w="12700" cap="flat" cmpd="sng" algn="ctr">
+                      <a:solidFill>
+                        <a:schemeClr val="tx1"/>
+                      </a:solidFill>
+                      <a:prstDash val="solid"/>
+                      <a:round/>
+                      <a:headEnd type="none" w="med" len="med"/>
+                      <a:tailEnd type="none" w="med" len="med"/>
+                    </a:lnL>
+                    <a:lnR w="12700" cap="flat" cmpd="sng" algn="ctr">
+                      <a:solidFill>
+                        <a:schemeClr val="tx1"/>
+                      </a:solidFill>
+                      <a:prstDash val="solid"/>
+                      <a:round/>
+                      <a:headEnd type="none" w="med" len="med"/>
+                      <a:tailEnd type="none" w="med" len="med"/>
+                    </a:lnR>
+                    <a:lnT w="12700" cap="flat" cmpd="sng" algn="ctr">
+                      <a:solidFill>
+                        <a:schemeClr val="tx1"/>
+                      </a:solidFill>
+                      <a:prstDash val="solid"/>
+                      <a:round/>
+                      <a:headEnd type="none" w="med" len="med"/>
+                      <a:tailEnd type="none" w="med" len="med"/>
+                    </a:lnT>
+                    <a:lnB w="12700" cap="flat" cmpd="sng" algn="ctr">
+                      <a:solidFill>
+                        <a:schemeClr val="tx1"/>
+                      </a:solidFill>
+                      <a:prstDash val="solid"/>
+                      <a:round/>
+                      <a:headEnd type="none" w="med" len="med"/>
+                      <a:tailEnd type="none" w="med" len="med"/>
+                    </a:lnB>
+                    <a:solidFill>
+                      <a:schemeClr val="accent2">
+                        <a:lumMod val="20000"/>
+                        <a:lumOff val="80000"/>
+                      </a:schemeClr>
+                    </a:solidFill>
+                  </a:tcPr>
+                </a:tc>
+                <a:extLst>
+                  <a:ext uri="{0D108BD9-81ED-4DB2-BD59-A6C34878D82A}">
+                    <a16:rowId xmlns:a16="http://schemas.microsoft.com/office/drawing/2014/main" val="553559946"/>
+                  </a:ext>
+                </a:extLst>
+              </a:tr>
+              <a:tr h="370840">
+                <a:tc>
+                  <a:txBody>
+                    <a:bodyPr/>
+                    <a:lstStyle/>
+                    <a:p>
+                      <a:endParaRPr lang="zh-CN" altLang="en-US"/>
+                    </a:p>
+                  </a:txBody>
+                  <a:tcPr>
+                    <a:lnL w="12700" cap="flat" cmpd="sng" algn="ctr">
+                      <a:solidFill>
+                        <a:schemeClr val="tx1"/>
+                      </a:solidFill>
+                      <a:prstDash val="solid"/>
+                      <a:round/>
+                      <a:headEnd type="none" w="med" len="med"/>
+                      <a:tailEnd type="none" w="med" len="med"/>
+                    </a:lnL>
+                    <a:lnR w="12700" cap="flat" cmpd="sng" algn="ctr">
+                      <a:solidFill>
+                        <a:schemeClr val="tx1"/>
+                      </a:solidFill>
+                      <a:prstDash val="solid"/>
+                      <a:round/>
+                      <a:headEnd type="none" w="med" len="med"/>
+                      <a:tailEnd type="none" w="med" len="med"/>
+                    </a:lnR>
+                    <a:lnT w="12700" cap="flat" cmpd="sng" algn="ctr">
+                      <a:solidFill>
+                        <a:schemeClr val="tx1"/>
+                      </a:solidFill>
+                      <a:prstDash val="solid"/>
+                      <a:round/>
+                      <a:headEnd type="none" w="med" len="med"/>
+                      <a:tailEnd type="none" w="med" len="med"/>
+                    </a:lnT>
+                    <a:lnB w="12700" cap="flat" cmpd="sng" algn="ctr">
+                      <a:solidFill>
+                        <a:schemeClr val="tx1"/>
+                      </a:solidFill>
+                      <a:prstDash val="solid"/>
+                      <a:round/>
+                      <a:headEnd type="none" w="med" len="med"/>
+                      <a:tailEnd type="none" w="med" len="med"/>
+                    </a:lnB>
+                    <a:solidFill>
+                      <a:schemeClr val="accent2">
+                        <a:lumMod val="20000"/>
+                        <a:lumOff val="80000"/>
+                      </a:schemeClr>
+                    </a:solidFill>
+                  </a:tcPr>
+                </a:tc>
+                <a:tc>
+                  <a:txBody>
+                    <a:bodyPr/>
+                    <a:lstStyle/>
+                    <a:p>
+                      <a:endParaRPr lang="zh-CN" altLang="en-US"/>
+                    </a:p>
+                  </a:txBody>
+                  <a:tcPr>
+                    <a:lnL w="12700" cap="flat" cmpd="sng" algn="ctr">
+                      <a:solidFill>
+                        <a:schemeClr val="tx1"/>
+                      </a:solidFill>
+                      <a:prstDash val="solid"/>
+                      <a:round/>
+                      <a:headEnd type="none" w="med" len="med"/>
+                      <a:tailEnd type="none" w="med" len="med"/>
+                    </a:lnL>
+                    <a:lnR w="12700" cap="flat" cmpd="sng" algn="ctr">
+                      <a:solidFill>
+                        <a:schemeClr val="tx1"/>
+                      </a:solidFill>
+                      <a:prstDash val="solid"/>
+                      <a:round/>
+                      <a:headEnd type="none" w="med" len="med"/>
+                      <a:tailEnd type="none" w="med" len="med"/>
+                    </a:lnR>
+                    <a:lnT w="12700" cap="flat" cmpd="sng" algn="ctr">
+                      <a:solidFill>
+                        <a:schemeClr val="tx1"/>
+                      </a:solidFill>
+                      <a:prstDash val="solid"/>
+                      <a:round/>
+                      <a:headEnd type="none" w="med" len="med"/>
+                      <a:tailEnd type="none" w="med" len="med"/>
+                    </a:lnT>
+                    <a:lnB w="12700" cap="flat" cmpd="sng" algn="ctr">
+                      <a:solidFill>
+                        <a:schemeClr val="tx1"/>
+                      </a:solidFill>
+                      <a:prstDash val="solid"/>
+                      <a:round/>
+                      <a:headEnd type="none" w="med" len="med"/>
+                      <a:tailEnd type="none" w="med" len="med"/>
+                    </a:lnB>
+                    <a:solidFill>
+                      <a:schemeClr val="accent2">
+                        <a:lumMod val="20000"/>
+                        <a:lumOff val="80000"/>
+                      </a:schemeClr>
+                    </a:solidFill>
+                  </a:tcPr>
+                </a:tc>
+                <a:tc>
+                  <a:txBody>
+                    <a:bodyPr/>
+                    <a:lstStyle/>
+                    <a:p>
+                      <a:endParaRPr lang="zh-CN" altLang="en-US"/>
+                    </a:p>
+                  </a:txBody>
+                  <a:tcPr>
+                    <a:lnL w="12700" cap="flat" cmpd="sng" algn="ctr">
+                      <a:solidFill>
+                        <a:schemeClr val="tx1"/>
+                      </a:solidFill>
+                      <a:prstDash val="solid"/>
+                      <a:round/>
+                      <a:headEnd type="none" w="med" len="med"/>
+                      <a:tailEnd type="none" w="med" len="med"/>
+                    </a:lnL>
+                    <a:lnR w="12700" cap="flat" cmpd="sng" algn="ctr">
+                      <a:solidFill>
+                        <a:schemeClr val="tx1"/>
+                      </a:solidFill>
+                      <a:prstDash val="solid"/>
+                      <a:round/>
+                      <a:headEnd type="none" w="med" len="med"/>
+                      <a:tailEnd type="none" w="med" len="med"/>
+                    </a:lnR>
+                    <a:lnT w="12700" cap="flat" cmpd="sng" algn="ctr">
+                      <a:solidFill>
+                        <a:schemeClr val="tx1"/>
+                      </a:solidFill>
+                      <a:prstDash val="solid"/>
+                      <a:round/>
+                      <a:headEnd type="none" w="med" len="med"/>
+                      <a:tailEnd type="none" w="med" len="med"/>
+                    </a:lnT>
+                    <a:lnB w="12700" cap="flat" cmpd="sng" algn="ctr">
+                      <a:solidFill>
+                        <a:schemeClr val="tx1"/>
+                      </a:solidFill>
+                      <a:prstDash val="solid"/>
+                      <a:round/>
+                      <a:headEnd type="none" w="med" len="med"/>
+                      <a:tailEnd type="none" w="med" len="med"/>
+                    </a:lnB>
+                    <a:solidFill>
+                      <a:schemeClr val="accent2">
+                        <a:lumMod val="20000"/>
+                        <a:lumOff val="80000"/>
+                      </a:schemeClr>
+                    </a:solidFill>
+                  </a:tcPr>
+                </a:tc>
+                <a:extLst>
+                  <a:ext uri="{0D108BD9-81ED-4DB2-BD59-A6C34878D82A}">
+                    <a16:rowId xmlns:a16="http://schemas.microsoft.com/office/drawing/2014/main" val="749825693"/>
+                  </a:ext>
+                </a:extLst>
+              </a:tr>
+              <a:tr h="370840">
+                <a:tc>
+                  <a:txBody>
+                    <a:bodyPr/>
+                    <a:lstStyle/>
+                    <a:p>
+                      <a:endParaRPr lang="zh-CN" altLang="en-US"/>
+                    </a:p>
+                  </a:txBody>
+                  <a:tcPr>
+                    <a:lnL w="12700" cap="flat" cmpd="sng" algn="ctr">
+                      <a:solidFill>
+                        <a:schemeClr val="tx1"/>
+                      </a:solidFill>
+                      <a:prstDash val="solid"/>
+                      <a:round/>
+                      <a:headEnd type="none" w="med" len="med"/>
+                      <a:tailEnd type="none" w="med" len="med"/>
+                    </a:lnL>
+                    <a:lnR w="12700" cap="flat" cmpd="sng" algn="ctr">
+                      <a:solidFill>
+                        <a:schemeClr val="tx1"/>
+                      </a:solidFill>
+                      <a:prstDash val="solid"/>
+                      <a:round/>
+                      <a:headEnd type="none" w="med" len="med"/>
+                      <a:tailEnd type="none" w="med" len="med"/>
+                    </a:lnR>
+                    <a:lnT w="12700" cap="flat" cmpd="sng" algn="ctr">
+                      <a:solidFill>
+                        <a:schemeClr val="tx1"/>
+                      </a:solidFill>
+                      <a:prstDash val="solid"/>
+                      <a:round/>
+                      <a:headEnd type="none" w="med" len="med"/>
+                      <a:tailEnd type="none" w="med" len="med"/>
+                    </a:lnT>
+                    <a:lnB w="12700" cap="flat" cmpd="sng" algn="ctr">
+                      <a:solidFill>
+                        <a:schemeClr val="tx1"/>
+                      </a:solidFill>
+                      <a:prstDash val="solid"/>
+                      <a:round/>
+                      <a:headEnd type="none" w="med" len="med"/>
+                      <a:tailEnd type="none" w="med" len="med"/>
+                    </a:lnB>
+                    <a:solidFill>
+                      <a:schemeClr val="accent2">
+                        <a:lumMod val="20000"/>
+                        <a:lumOff val="80000"/>
+                      </a:schemeClr>
+                    </a:solidFill>
+                  </a:tcPr>
+                </a:tc>
+                <a:tc>
+                  <a:txBody>
+                    <a:bodyPr/>
+                    <a:lstStyle/>
+                    <a:p>
+                      <a:endParaRPr lang="zh-CN" altLang="en-US"/>
+                    </a:p>
+                  </a:txBody>
+                  <a:tcPr>
+                    <a:lnL w="12700" cap="flat" cmpd="sng" algn="ctr">
+                      <a:solidFill>
+                        <a:schemeClr val="tx1"/>
+                      </a:solidFill>
+                      <a:prstDash val="solid"/>
+                      <a:round/>
+                      <a:headEnd type="none" w="med" len="med"/>
+                      <a:tailEnd type="none" w="med" len="med"/>
+                    </a:lnL>
+                    <a:lnR w="12700" cap="flat" cmpd="sng" algn="ctr">
+                      <a:solidFill>
+                        <a:schemeClr val="tx1"/>
+                      </a:solidFill>
+                      <a:prstDash val="solid"/>
+                      <a:round/>
+                      <a:headEnd type="none" w="med" len="med"/>
+                      <a:tailEnd type="none" w="med" len="med"/>
+                    </a:lnR>
+                    <a:lnT w="12700" cap="flat" cmpd="sng" algn="ctr">
+                      <a:solidFill>
+                        <a:schemeClr val="tx1"/>
+                      </a:solidFill>
+                      <a:prstDash val="solid"/>
+                      <a:round/>
+                      <a:headEnd type="none" w="med" len="med"/>
+                      <a:tailEnd type="none" w="med" len="med"/>
+                    </a:lnT>
+                    <a:lnB w="12700" cap="flat" cmpd="sng" algn="ctr">
+                      <a:solidFill>
+                        <a:schemeClr val="tx1"/>
+                      </a:solidFill>
+                      <a:prstDash val="solid"/>
+                      <a:round/>
+                      <a:headEnd type="none" w="med" len="med"/>
+                      <a:tailEnd type="none" w="med" len="med"/>
+                    </a:lnB>
+                    <a:solidFill>
+                      <a:schemeClr val="accent2">
+                        <a:lumMod val="20000"/>
+                        <a:lumOff val="80000"/>
+                      </a:schemeClr>
+                    </a:solidFill>
+                  </a:tcPr>
+                </a:tc>
+                <a:tc>
+                  <a:txBody>
+                    <a:bodyPr/>
+                    <a:lstStyle/>
+                    <a:p>
+                      <a:endParaRPr lang="zh-CN" altLang="en-US"/>
+                    </a:p>
+                  </a:txBody>
+                  <a:tcPr>
+                    <a:lnL w="12700" cap="flat" cmpd="sng" algn="ctr">
+                      <a:solidFill>
+                        <a:schemeClr val="tx1"/>
+                      </a:solidFill>
+                      <a:prstDash val="solid"/>
+                      <a:round/>
+                      <a:headEnd type="none" w="med" len="med"/>
+                      <a:tailEnd type="none" w="med" len="med"/>
+                    </a:lnL>
+                    <a:lnR w="12700" cap="flat" cmpd="sng" algn="ctr">
+                      <a:solidFill>
+                        <a:schemeClr val="tx1"/>
+                      </a:solidFill>
+                      <a:prstDash val="solid"/>
+                      <a:round/>
+                      <a:headEnd type="none" w="med" len="med"/>
+                      <a:tailEnd type="none" w="med" len="med"/>
+                    </a:lnR>
+                    <a:lnT w="12700" cap="flat" cmpd="sng" algn="ctr">
+                      <a:solidFill>
+                        <a:schemeClr val="tx1"/>
+                      </a:solidFill>
+                      <a:prstDash val="solid"/>
+                      <a:round/>
+                      <a:headEnd type="none" w="med" len="med"/>
+                      <a:tailEnd type="none" w="med" len="med"/>
+                    </a:lnT>
+                    <a:lnB w="12700" cap="flat" cmpd="sng" algn="ctr">
+                      <a:solidFill>
+                        <a:schemeClr val="tx1"/>
+                      </a:solidFill>
+                      <a:prstDash val="solid"/>
+                      <a:round/>
+                      <a:headEnd type="none" w="med" len="med"/>
+                      <a:tailEnd type="none" w="med" len="med"/>
+                    </a:lnB>
+                    <a:solidFill>
+                      <a:schemeClr val="accent2">
+                        <a:lumMod val="20000"/>
+                        <a:lumOff val="80000"/>
+                      </a:schemeClr>
+                    </a:solidFill>
+                  </a:tcPr>
+                </a:tc>
+                <a:extLst>
+                  <a:ext uri="{0D108BD9-81ED-4DB2-BD59-A6C34878D82A}">
+                    <a16:rowId xmlns:a16="http://schemas.microsoft.com/office/drawing/2014/main" val="15063300"/>
+                  </a:ext>
+                </a:extLst>
+              </a:tr>
+              <a:tr h="370840">
+                <a:tc>
+                  <a:txBody>
+                    <a:bodyPr/>
+                    <a:lstStyle/>
+                    <a:p>
+                      <a:endParaRPr lang="zh-CN" altLang="en-US"/>
+                    </a:p>
+                  </a:txBody>
+                  <a:tcPr>
+                    <a:lnL w="12700" cap="flat" cmpd="sng" algn="ctr">
+                      <a:solidFill>
+                        <a:schemeClr val="tx1"/>
+                      </a:solidFill>
+                      <a:prstDash val="solid"/>
+                      <a:round/>
+                      <a:headEnd type="none" w="med" len="med"/>
+                      <a:tailEnd type="none" w="med" len="med"/>
+                    </a:lnL>
+                    <a:lnR w="12700" cap="flat" cmpd="sng" algn="ctr">
+                      <a:solidFill>
+                        <a:schemeClr val="tx1"/>
+                      </a:solidFill>
+                      <a:prstDash val="solid"/>
+                      <a:round/>
+                      <a:headEnd type="none" w="med" len="med"/>
+                      <a:tailEnd type="none" w="med" len="med"/>
+                    </a:lnR>
+                    <a:lnT w="12700" cap="flat" cmpd="sng" algn="ctr">
+                      <a:solidFill>
+                        <a:schemeClr val="tx1"/>
+                      </a:solidFill>
+                      <a:prstDash val="solid"/>
+                      <a:round/>
+                      <a:headEnd type="none" w="med" len="med"/>
+                      <a:tailEnd type="none" w="med" len="med"/>
+                    </a:lnT>
+                    <a:lnB w="12700" cap="flat" cmpd="sng" algn="ctr">
+                      <a:solidFill>
+                        <a:schemeClr val="tx1"/>
+                      </a:solidFill>
+                      <a:prstDash val="solid"/>
+                      <a:round/>
+                      <a:headEnd type="none" w="med" len="med"/>
+                      <a:tailEnd type="none" w="med" len="med"/>
+                    </a:lnB>
+                    <a:solidFill>
+                      <a:schemeClr val="accent2">
+                        <a:lumMod val="20000"/>
+                        <a:lumOff val="80000"/>
+                      </a:schemeClr>
+                    </a:solidFill>
+                  </a:tcPr>
+                </a:tc>
+                <a:tc>
+                  <a:txBody>
+                    <a:bodyPr/>
+                    <a:lstStyle/>
+                    <a:p>
+                      <a:endParaRPr lang="zh-CN" altLang="en-US"/>
+                    </a:p>
+                  </a:txBody>
+                  <a:tcPr>
+                    <a:lnL w="12700" cap="flat" cmpd="sng" algn="ctr">
+                      <a:solidFill>
+                        <a:schemeClr val="tx1"/>
+                      </a:solidFill>
+                      <a:prstDash val="solid"/>
+                      <a:round/>
+                      <a:headEnd type="none" w="med" len="med"/>
+                      <a:tailEnd type="none" w="med" len="med"/>
+                    </a:lnL>
+                    <a:lnR w="12700" cap="flat" cmpd="sng" algn="ctr">
+                      <a:solidFill>
+                        <a:schemeClr val="tx1"/>
+                      </a:solidFill>
+                      <a:prstDash val="solid"/>
+                      <a:round/>
+                      <a:headEnd type="none" w="med" len="med"/>
+                      <a:tailEnd type="none" w="med" len="med"/>
+                    </a:lnR>
+                    <a:lnT w="12700" cap="flat" cmpd="sng" algn="ctr">
+                      <a:solidFill>
+                        <a:schemeClr val="tx1"/>
+                      </a:solidFill>
+                      <a:prstDash val="solid"/>
+                      <a:round/>
+                      <a:headEnd type="none" w="med" len="med"/>
+                      <a:tailEnd type="none" w="med" len="med"/>
+                    </a:lnT>
+                    <a:lnB w="12700" cap="flat" cmpd="sng" algn="ctr">
+                      <a:solidFill>
+                        <a:schemeClr val="tx1"/>
+                      </a:solidFill>
+                      <a:prstDash val="solid"/>
+                      <a:round/>
+                      <a:headEnd type="none" w="med" len="med"/>
+                      <a:tailEnd type="none" w="med" len="med"/>
+                    </a:lnB>
+                    <a:solidFill>
+                      <a:schemeClr val="accent2">
+                        <a:lumMod val="20000"/>
+                        <a:lumOff val="80000"/>
+                      </a:schemeClr>
+                    </a:solidFill>
+                  </a:tcPr>
+                </a:tc>
+                <a:tc>
+                  <a:txBody>
+                    <a:bodyPr/>
+                    <a:lstStyle/>
+                    <a:p>
+                      <a:endParaRPr lang="zh-CN" altLang="en-US" dirty="0"/>
+                    </a:p>
+                  </a:txBody>
+                  <a:tcPr>
+                    <a:lnL w="12700" cap="flat" cmpd="sng" algn="ctr">
+                      <a:solidFill>
+                        <a:schemeClr val="tx1"/>
+                      </a:solidFill>
+                      <a:prstDash val="solid"/>
+                      <a:round/>
+                      <a:headEnd type="none" w="med" len="med"/>
+                      <a:tailEnd type="none" w="med" len="med"/>
+                    </a:lnL>
+                    <a:lnR w="12700" cap="flat" cmpd="sng" algn="ctr">
+                      <a:solidFill>
+                        <a:schemeClr val="tx1"/>
+                      </a:solidFill>
+                      <a:prstDash val="solid"/>
+                      <a:round/>
+                      <a:headEnd type="none" w="med" len="med"/>
+                      <a:tailEnd type="none" w="med" len="med"/>
+                    </a:lnR>
+                    <a:lnT w="12700" cap="flat" cmpd="sng" algn="ctr">
+                      <a:solidFill>
+                        <a:schemeClr val="tx1"/>
+                      </a:solidFill>
+                      <a:prstDash val="solid"/>
+                      <a:round/>
+                      <a:headEnd type="none" w="med" len="med"/>
+                      <a:tailEnd type="none" w="med" len="med"/>
+                    </a:lnT>
+                    <a:lnB w="12700" cap="flat" cmpd="sng" algn="ctr">
+                      <a:solidFill>
+                        <a:schemeClr val="tx1"/>
+                      </a:solidFill>
+                      <a:prstDash val="solid"/>
+                      <a:round/>
+                      <a:headEnd type="none" w="med" len="med"/>
+                      <a:tailEnd type="none" w="med" len="med"/>
+                    </a:lnB>
+                    <a:solidFill>
+                      <a:schemeClr val="accent2">
+                        <a:lumMod val="20000"/>
+                        <a:lumOff val="80000"/>
+                      </a:schemeClr>
+                    </a:solidFill>
+                  </a:tcPr>
+                </a:tc>
+                <a:extLst>
+                  <a:ext uri="{0D108BD9-81ED-4DB2-BD59-A6C34878D82A}">
+                    <a16:rowId xmlns:a16="http://schemas.microsoft.com/office/drawing/2014/main" val="1995964819"/>
+                  </a:ext>
+                </a:extLst>
+              </a:tr>
+            </a:tbl>
+          </a:graphicData>
+        </a:graphic>
+      </p:graphicFrame>
+      <p:graphicFrame>
+        <p:nvGraphicFramePr>
+          <p:cNvPr id="24" name="表格 23">
+            <a:extLst>
+              <a:ext uri="{FF2B5EF4-FFF2-40B4-BE49-F238E27FC236}">
+                <a16:creationId xmlns:a16="http://schemas.microsoft.com/office/drawing/2014/main" id="{59904652-DC97-0F43-892C-33A44D613C3E}"/>
+              </a:ext>
+            </a:extLst>
+          </p:cNvPr>
+          <p:cNvGraphicFramePr>
+            <a:graphicFrameLocks noGrp="1"/>
+          </p:cNvGraphicFramePr>
+          <p:nvPr>
+            <p:extLst>
+              <p:ext uri="{D42A27DB-BD31-4B8C-83A1-F6EECF244321}">
+                <p14:modId xmlns:p14="http://schemas.microsoft.com/office/powerpoint/2010/main" val="1175688905"/>
+              </p:ext>
+            </p:extLst>
+          </p:nvPr>
+        </p:nvGraphicFramePr>
+        <p:xfrm>
+          <a:off x="8148023" y="3146887"/>
+          <a:ext cx="2520000" cy="1101600"/>
+        </p:xfrm>
+        <a:graphic>
+          <a:graphicData uri="http://schemas.openxmlformats.org/drawingml/2006/table">
+            <a:tbl>
+              <a:tblPr firstRow="1" bandRow="1">
+                <a:tableStyleId>{2D5ABB26-0587-4C30-8999-92F81FD0307C}</a:tableStyleId>
+              </a:tblPr>
+              <a:tblGrid>
+                <a:gridCol w="360000">
+                  <a:extLst>
+                    <a:ext uri="{9D8B030D-6E8A-4147-A177-3AD203B41FA5}">
+                      <a16:colId xmlns:a16="http://schemas.microsoft.com/office/drawing/2014/main" val="3768261824"/>
+                    </a:ext>
+                  </a:extLst>
+                </a:gridCol>
+                <a:gridCol w="360000">
+                  <a:extLst>
+                    <a:ext uri="{9D8B030D-6E8A-4147-A177-3AD203B41FA5}">
+                      <a16:colId xmlns:a16="http://schemas.microsoft.com/office/drawing/2014/main" val="2771964976"/>
+                    </a:ext>
+                  </a:extLst>
+                </a:gridCol>
+                <a:gridCol w="360000">
+                  <a:extLst>
+                    <a:ext uri="{9D8B030D-6E8A-4147-A177-3AD203B41FA5}">
+                      <a16:colId xmlns:a16="http://schemas.microsoft.com/office/drawing/2014/main" val="3974283967"/>
+                    </a:ext>
+                  </a:extLst>
+                </a:gridCol>
+                <a:gridCol w="360000">
+                  <a:extLst>
+                    <a:ext uri="{9D8B030D-6E8A-4147-A177-3AD203B41FA5}">
+                      <a16:colId xmlns:a16="http://schemas.microsoft.com/office/drawing/2014/main" val="1284892478"/>
+                    </a:ext>
+                  </a:extLst>
+                </a:gridCol>
+                <a:gridCol w="360000">
+                  <a:extLst>
+                    <a:ext uri="{9D8B030D-6E8A-4147-A177-3AD203B41FA5}">
+                      <a16:colId xmlns:a16="http://schemas.microsoft.com/office/drawing/2014/main" val="2058653796"/>
+                    </a:ext>
+                  </a:extLst>
+                </a:gridCol>
+                <a:gridCol w="360000">
+                  <a:extLst>
+                    <a:ext uri="{9D8B030D-6E8A-4147-A177-3AD203B41FA5}">
+                      <a16:colId xmlns:a16="http://schemas.microsoft.com/office/drawing/2014/main" val="2411021969"/>
+                    </a:ext>
+                  </a:extLst>
+                </a:gridCol>
+                <a:gridCol w="360000">
+                  <a:extLst>
+                    <a:ext uri="{9D8B030D-6E8A-4147-A177-3AD203B41FA5}">
+                      <a16:colId xmlns:a16="http://schemas.microsoft.com/office/drawing/2014/main" val="3088689359"/>
+                    </a:ext>
+                  </a:extLst>
+                </a:gridCol>
+              </a:tblGrid>
+              <a:tr h="367200">
+                <a:tc>
+                  <a:txBody>
+                    <a:bodyPr/>
+                    <a:lstStyle/>
+                    <a:p>
+                      <a:endParaRPr lang="zh-CN" altLang="en-US"/>
+                    </a:p>
+                  </a:txBody>
+                  <a:tcPr>
+                    <a:lnL w="12700" cap="flat" cmpd="sng" algn="ctr">
+                      <a:solidFill>
+                        <a:schemeClr val="tx1"/>
+                      </a:solidFill>
+                      <a:prstDash val="solid"/>
+                      <a:round/>
+                      <a:headEnd type="none" w="med" len="med"/>
+                      <a:tailEnd type="none" w="med" len="med"/>
+                    </a:lnL>
+                    <a:lnR w="12700" cap="flat" cmpd="sng" algn="ctr">
+                      <a:solidFill>
+                        <a:schemeClr val="tx1"/>
+                      </a:solidFill>
+                      <a:prstDash val="solid"/>
+                      <a:round/>
+                      <a:headEnd type="none" w="med" len="med"/>
+                      <a:tailEnd type="none" w="med" len="med"/>
+                    </a:lnR>
+                    <a:lnT w="12700" cap="flat" cmpd="sng" algn="ctr">
+                      <a:solidFill>
+                        <a:schemeClr val="tx1"/>
+                      </a:solidFill>
+                      <a:prstDash val="solid"/>
+                      <a:round/>
+                      <a:headEnd type="none" w="med" len="med"/>
+                      <a:tailEnd type="none" w="med" len="med"/>
+                    </a:lnT>
+                    <a:lnB w="12700" cap="flat" cmpd="sng" algn="ctr">
+                      <a:solidFill>
+                        <a:schemeClr val="tx1"/>
+                      </a:solidFill>
+                      <a:prstDash val="solid"/>
+                      <a:round/>
+                      <a:headEnd type="none" w="med" len="med"/>
+                      <a:tailEnd type="none" w="med" len="med"/>
+                    </a:lnB>
+                    <a:solidFill>
+                      <a:schemeClr val="accent6">
+                        <a:lumMod val="40000"/>
+                        <a:lumOff val="60000"/>
+                      </a:schemeClr>
+                    </a:solidFill>
+                  </a:tcPr>
+                </a:tc>
+                <a:tc>
+                  <a:txBody>
+                    <a:bodyPr/>
+                    <a:lstStyle/>
+                    <a:p>
+                      <a:endParaRPr lang="zh-CN" altLang="en-US" dirty="0"/>
+                    </a:p>
+                  </a:txBody>
+                  <a:tcPr>
+                    <a:lnL w="12700" cap="flat" cmpd="sng" algn="ctr">
+                      <a:solidFill>
+                        <a:schemeClr val="tx1"/>
+                      </a:solidFill>
+                      <a:prstDash val="solid"/>
+                      <a:round/>
+                      <a:headEnd type="none" w="med" len="med"/>
+                      <a:tailEnd type="none" w="med" len="med"/>
+                    </a:lnL>
+                    <a:lnR w="12700" cap="flat" cmpd="sng" algn="ctr">
+                      <a:solidFill>
+                        <a:schemeClr val="tx1"/>
+                      </a:solidFill>
+                      <a:prstDash val="solid"/>
+                      <a:round/>
+                      <a:headEnd type="none" w="med" len="med"/>
+                      <a:tailEnd type="none" w="med" len="med"/>
+                    </a:lnR>
+                    <a:lnT w="12700" cap="flat" cmpd="sng" algn="ctr">
+                      <a:solidFill>
+                        <a:schemeClr val="tx1"/>
+                      </a:solidFill>
+                      <a:prstDash val="solid"/>
+                      <a:round/>
+                      <a:headEnd type="none" w="med" len="med"/>
+                      <a:tailEnd type="none" w="med" len="med"/>
+                    </a:lnT>
+                    <a:lnB w="12700" cap="flat" cmpd="sng" algn="ctr">
+                      <a:solidFill>
+                        <a:schemeClr val="tx1"/>
+                      </a:solidFill>
+                      <a:prstDash val="solid"/>
+                      <a:round/>
+                      <a:headEnd type="none" w="med" len="med"/>
+                      <a:tailEnd type="none" w="med" len="med"/>
+                    </a:lnB>
+                    <a:solidFill>
+                      <a:schemeClr val="accent6">
+                        <a:lumMod val="40000"/>
+                        <a:lumOff val="60000"/>
+                      </a:schemeClr>
+                    </a:solidFill>
+                  </a:tcPr>
+                </a:tc>
+                <a:tc>
+                  <a:txBody>
+                    <a:bodyPr/>
+                    <a:lstStyle/>
+                    <a:p>
+                      <a:endParaRPr lang="zh-CN" altLang="en-US" dirty="0"/>
+                    </a:p>
+                  </a:txBody>
+                  <a:tcPr>
+                    <a:lnL w="12700" cap="flat" cmpd="sng" algn="ctr">
+                      <a:solidFill>
+                        <a:schemeClr val="tx1"/>
+                      </a:solidFill>
+                      <a:prstDash val="solid"/>
+                      <a:round/>
+                      <a:headEnd type="none" w="med" len="med"/>
+                      <a:tailEnd type="none" w="med" len="med"/>
+                    </a:lnL>
+                    <a:lnR w="12700" cap="flat" cmpd="sng" algn="ctr">
+                      <a:solidFill>
+                        <a:schemeClr val="tx1"/>
+                      </a:solidFill>
+                      <a:prstDash val="solid"/>
+                      <a:round/>
+                      <a:headEnd type="none" w="med" len="med"/>
+                      <a:tailEnd type="none" w="med" len="med"/>
+                    </a:lnR>
+                    <a:lnT w="12700" cap="flat" cmpd="sng" algn="ctr">
+                      <a:solidFill>
+                        <a:schemeClr val="tx1"/>
+                      </a:solidFill>
+                      <a:prstDash val="solid"/>
+                      <a:round/>
+                      <a:headEnd type="none" w="med" len="med"/>
+                      <a:tailEnd type="none" w="med" len="med"/>
+                    </a:lnT>
+                    <a:lnB w="12700" cap="flat" cmpd="sng" algn="ctr">
+                      <a:solidFill>
+                        <a:schemeClr val="tx1"/>
+                      </a:solidFill>
+                      <a:prstDash val="solid"/>
+                      <a:round/>
+                      <a:headEnd type="none" w="med" len="med"/>
+                      <a:tailEnd type="none" w="med" len="med"/>
+                    </a:lnB>
+                    <a:solidFill>
+                      <a:schemeClr val="accent6">
+                        <a:lumMod val="40000"/>
+                        <a:lumOff val="60000"/>
+                      </a:schemeClr>
+                    </a:solidFill>
+                  </a:tcPr>
+                </a:tc>
+                <a:tc>
+                  <a:txBody>
+                    <a:bodyPr/>
+                    <a:lstStyle/>
+                    <a:p>
+                      <a:endParaRPr lang="zh-CN" altLang="en-US" dirty="0"/>
+                    </a:p>
+                  </a:txBody>
+                  <a:tcPr>
+                    <a:lnL w="12700" cap="flat" cmpd="sng" algn="ctr">
+                      <a:solidFill>
+                        <a:schemeClr val="tx1"/>
+                      </a:solidFill>
+                      <a:prstDash val="solid"/>
+                      <a:round/>
+                      <a:headEnd type="none" w="med" len="med"/>
+                      <a:tailEnd type="none" w="med" len="med"/>
+                    </a:lnL>
+                    <a:lnR w="12700" cap="flat" cmpd="sng" algn="ctr">
+                      <a:solidFill>
+                        <a:schemeClr val="tx1"/>
+                      </a:solidFill>
+                      <a:prstDash val="solid"/>
+                      <a:round/>
+                      <a:headEnd type="none" w="med" len="med"/>
+                      <a:tailEnd type="none" w="med" len="med"/>
+                    </a:lnR>
+                    <a:lnT w="12700" cap="flat" cmpd="sng" algn="ctr">
+                      <a:solidFill>
+                        <a:schemeClr val="tx1"/>
+                      </a:solidFill>
+                      <a:prstDash val="solid"/>
+                      <a:round/>
+                      <a:headEnd type="none" w="med" len="med"/>
+                      <a:tailEnd type="none" w="med" len="med"/>
+                    </a:lnT>
+                    <a:lnB w="12700" cap="flat" cmpd="sng" algn="ctr">
+                      <a:solidFill>
+                        <a:schemeClr val="tx1"/>
+                      </a:solidFill>
+                      <a:prstDash val="solid"/>
+                      <a:round/>
+                      <a:headEnd type="none" w="med" len="med"/>
+                      <a:tailEnd type="none" w="med" len="med"/>
+                    </a:lnB>
+                    <a:solidFill>
+                      <a:schemeClr val="accent6">
+                        <a:lumMod val="40000"/>
+                        <a:lumOff val="60000"/>
+                      </a:schemeClr>
+                    </a:solidFill>
+                  </a:tcPr>
+                </a:tc>
+                <a:tc>
+                  <a:txBody>
+                    <a:bodyPr/>
+                    <a:lstStyle/>
+                    <a:p>
+                      <a:endParaRPr lang="zh-CN" altLang="en-US"/>
+                    </a:p>
+                  </a:txBody>
+                  <a:tcPr>
+                    <a:lnL w="12700" cap="flat" cmpd="sng" algn="ctr">
+                      <a:solidFill>
+                        <a:schemeClr val="tx1"/>
+                      </a:solidFill>
+                      <a:prstDash val="solid"/>
+                      <a:round/>
+                      <a:headEnd type="none" w="med" len="med"/>
+                      <a:tailEnd type="none" w="med" len="med"/>
+                    </a:lnL>
+                    <a:lnR w="12700" cap="flat" cmpd="sng" algn="ctr">
+                      <a:solidFill>
+                        <a:schemeClr val="tx1"/>
+                      </a:solidFill>
+                      <a:prstDash val="solid"/>
+                      <a:round/>
+                      <a:headEnd type="none" w="med" len="med"/>
+                      <a:tailEnd type="none" w="med" len="med"/>
+                    </a:lnR>
+                    <a:lnT w="12700" cap="flat" cmpd="sng" algn="ctr">
+                      <a:solidFill>
+                        <a:schemeClr val="tx1"/>
+                      </a:solidFill>
+                      <a:prstDash val="solid"/>
+                      <a:round/>
+                      <a:headEnd type="none" w="med" len="med"/>
+                      <a:tailEnd type="none" w="med" len="med"/>
+                    </a:lnT>
+                    <a:lnB w="12700" cap="flat" cmpd="sng" algn="ctr">
+                      <a:solidFill>
+                        <a:schemeClr val="tx1"/>
+                      </a:solidFill>
+                      <a:prstDash val="solid"/>
+                      <a:round/>
+                      <a:headEnd type="none" w="med" len="med"/>
+                      <a:tailEnd type="none" w="med" len="med"/>
+                    </a:lnB>
+                    <a:solidFill>
+                      <a:schemeClr val="accent6">
+                        <a:lumMod val="40000"/>
+                        <a:lumOff val="60000"/>
+                      </a:schemeClr>
+                    </a:solidFill>
+                  </a:tcPr>
+                </a:tc>
+                <a:tc>
+                  <a:txBody>
+                    <a:bodyPr/>
+                    <a:lstStyle/>
+                    <a:p>
+                      <a:endParaRPr lang="zh-CN" altLang="en-US"/>
+                    </a:p>
+                  </a:txBody>
+                  <a:tcPr>
+                    <a:lnL w="12700" cap="flat" cmpd="sng" algn="ctr">
+                      <a:solidFill>
+                        <a:schemeClr val="tx1"/>
+                      </a:solidFill>
+                      <a:prstDash val="solid"/>
+                      <a:round/>
+                      <a:headEnd type="none" w="med" len="med"/>
+                      <a:tailEnd type="none" w="med" len="med"/>
+                    </a:lnL>
+                    <a:lnR w="12700" cap="flat" cmpd="sng" algn="ctr">
+                      <a:solidFill>
+                        <a:schemeClr val="tx1"/>
+                      </a:solidFill>
+                      <a:prstDash val="solid"/>
+                      <a:round/>
+                      <a:headEnd type="none" w="med" len="med"/>
+                      <a:tailEnd type="none" w="med" len="med"/>
+                    </a:lnR>
+                    <a:lnT w="12700" cap="flat" cmpd="sng" algn="ctr">
+                      <a:solidFill>
+                        <a:schemeClr val="tx1"/>
+                      </a:solidFill>
+                      <a:prstDash val="solid"/>
+                      <a:round/>
+                      <a:headEnd type="none" w="med" len="med"/>
+                      <a:tailEnd type="none" w="med" len="med"/>
+                    </a:lnT>
+                    <a:lnB w="12700" cap="flat" cmpd="sng" algn="ctr">
+                      <a:solidFill>
+                        <a:schemeClr val="tx1"/>
+                      </a:solidFill>
+                      <a:prstDash val="solid"/>
+                      <a:round/>
+                      <a:headEnd type="none" w="med" len="med"/>
+                      <a:tailEnd type="none" w="med" len="med"/>
+                    </a:lnB>
+                    <a:solidFill>
+                      <a:schemeClr val="accent6">
+                        <a:lumMod val="40000"/>
+                        <a:lumOff val="60000"/>
+                      </a:schemeClr>
+                    </a:solidFill>
+                  </a:tcPr>
+                </a:tc>
+                <a:tc>
+                  <a:txBody>
+                    <a:bodyPr/>
+                    <a:lstStyle/>
+                    <a:p>
+                      <a:endParaRPr lang="zh-CN" altLang="en-US" dirty="0"/>
+                    </a:p>
+                  </a:txBody>
+                  <a:tcPr>
+                    <a:lnL w="12700" cap="flat" cmpd="sng" algn="ctr">
+                      <a:solidFill>
+                        <a:schemeClr val="tx1"/>
+                      </a:solidFill>
+                      <a:prstDash val="solid"/>
+                      <a:round/>
+                      <a:headEnd type="none" w="med" len="med"/>
+                      <a:tailEnd type="none" w="med" len="med"/>
+                    </a:lnL>
+                    <a:lnR w="12700" cap="flat" cmpd="sng" algn="ctr">
+                      <a:solidFill>
+                        <a:schemeClr val="tx1"/>
+                      </a:solidFill>
+                      <a:prstDash val="solid"/>
+                      <a:round/>
+                      <a:headEnd type="none" w="med" len="med"/>
+                      <a:tailEnd type="none" w="med" len="med"/>
+                    </a:lnR>
+                    <a:lnT w="12700" cap="flat" cmpd="sng" algn="ctr">
+                      <a:solidFill>
+                        <a:schemeClr val="tx1"/>
+                      </a:solidFill>
+                      <a:prstDash val="solid"/>
+                      <a:round/>
+                      <a:headEnd type="none" w="med" len="med"/>
+                      <a:tailEnd type="none" w="med" len="med"/>
+                    </a:lnT>
+                    <a:lnB w="12700" cap="flat" cmpd="sng" algn="ctr">
+                      <a:solidFill>
+                        <a:schemeClr val="tx1"/>
+                      </a:solidFill>
+                      <a:prstDash val="solid"/>
+                      <a:round/>
+                      <a:headEnd type="none" w="med" len="med"/>
+                      <a:tailEnd type="none" w="med" len="med"/>
+                    </a:lnB>
+                    <a:solidFill>
+                      <a:schemeClr val="accent6">
+                        <a:lumMod val="40000"/>
+                        <a:lumOff val="60000"/>
+                      </a:schemeClr>
+                    </a:solidFill>
+                  </a:tcPr>
+                </a:tc>
+                <a:extLst>
+                  <a:ext uri="{0D108BD9-81ED-4DB2-BD59-A6C34878D82A}">
+                    <a16:rowId xmlns:a16="http://schemas.microsoft.com/office/drawing/2014/main" val="1663342261"/>
+                  </a:ext>
+                </a:extLst>
+              </a:tr>
+              <a:tr h="367200">
+                <a:tc>
+                  <a:txBody>
+                    <a:bodyPr/>
+                    <a:lstStyle/>
+                    <a:p>
+                      <a:endParaRPr lang="zh-CN" altLang="en-US"/>
+                    </a:p>
+                  </a:txBody>
+                  <a:tcPr>
+                    <a:lnL w="12700" cap="flat" cmpd="sng" algn="ctr">
+                      <a:solidFill>
+                        <a:schemeClr val="tx1"/>
+                      </a:solidFill>
+                      <a:prstDash val="solid"/>
+                      <a:round/>
+                      <a:headEnd type="none" w="med" len="med"/>
+                      <a:tailEnd type="none" w="med" len="med"/>
+                    </a:lnL>
+                    <a:lnR w="12700" cap="flat" cmpd="sng" algn="ctr">
+                      <a:solidFill>
+                        <a:schemeClr val="tx1"/>
+                      </a:solidFill>
+                      <a:prstDash val="solid"/>
+                      <a:round/>
+                      <a:headEnd type="none" w="med" len="med"/>
+                      <a:tailEnd type="none" w="med" len="med"/>
+                    </a:lnR>
+                    <a:lnT w="12700" cap="flat" cmpd="sng" algn="ctr">
+                      <a:solidFill>
+                        <a:schemeClr val="tx1"/>
+                      </a:solidFill>
+                      <a:prstDash val="solid"/>
+                      <a:round/>
+                      <a:headEnd type="none" w="med" len="med"/>
+                      <a:tailEnd type="none" w="med" len="med"/>
+                    </a:lnT>
+                    <a:lnB w="12700" cap="flat" cmpd="sng" algn="ctr">
+                      <a:solidFill>
+                        <a:schemeClr val="tx1"/>
+                      </a:solidFill>
+                      <a:prstDash val="solid"/>
+                      <a:round/>
+                      <a:headEnd type="none" w="med" len="med"/>
+                      <a:tailEnd type="none" w="med" len="med"/>
+                    </a:lnB>
+                    <a:solidFill>
+                      <a:schemeClr val="accent6">
+                        <a:lumMod val="40000"/>
+                        <a:lumOff val="60000"/>
+                      </a:schemeClr>
+                    </a:solidFill>
+                  </a:tcPr>
+                </a:tc>
+                <a:tc>
+                  <a:txBody>
+                    <a:bodyPr/>
+                    <a:lstStyle/>
+                    <a:p>
+                      <a:endParaRPr lang="zh-CN" altLang="en-US" dirty="0"/>
+                    </a:p>
+                  </a:txBody>
+                  <a:tcPr>
+                    <a:lnL w="12700" cap="flat" cmpd="sng" algn="ctr">
+                      <a:solidFill>
+                        <a:schemeClr val="tx1"/>
+                      </a:solidFill>
+                      <a:prstDash val="solid"/>
+                      <a:round/>
+                      <a:headEnd type="none" w="med" len="med"/>
+                      <a:tailEnd type="none" w="med" len="med"/>
+                    </a:lnL>
+                    <a:lnR w="12700" cap="flat" cmpd="sng" algn="ctr">
+                      <a:solidFill>
+                        <a:schemeClr val="tx1"/>
+                      </a:solidFill>
+                      <a:prstDash val="solid"/>
+                      <a:round/>
+                      <a:headEnd type="none" w="med" len="med"/>
+                      <a:tailEnd type="none" w="med" len="med"/>
+                    </a:lnR>
+                    <a:lnT w="12700" cap="flat" cmpd="sng" algn="ctr">
+                      <a:solidFill>
+                        <a:schemeClr val="tx1"/>
+                      </a:solidFill>
+                      <a:prstDash val="solid"/>
+                      <a:round/>
+                      <a:headEnd type="none" w="med" len="med"/>
+                      <a:tailEnd type="none" w="med" len="med"/>
+                    </a:lnT>
+                    <a:lnB w="12700" cap="flat" cmpd="sng" algn="ctr">
+                      <a:solidFill>
+                        <a:schemeClr val="tx1"/>
+                      </a:solidFill>
+                      <a:prstDash val="solid"/>
+                      <a:round/>
+                      <a:headEnd type="none" w="med" len="med"/>
+                      <a:tailEnd type="none" w="med" len="med"/>
+                    </a:lnB>
+                    <a:solidFill>
+                      <a:schemeClr val="accent6">
+                        <a:lumMod val="40000"/>
+                        <a:lumOff val="60000"/>
+                      </a:schemeClr>
+                    </a:solidFill>
+                  </a:tcPr>
+                </a:tc>
+                <a:tc>
+                  <a:txBody>
+                    <a:bodyPr/>
+                    <a:lstStyle/>
+                    <a:p>
+                      <a:endParaRPr lang="zh-CN" altLang="en-US"/>
+                    </a:p>
+                  </a:txBody>
+                  <a:tcPr>
+                    <a:lnL w="12700" cap="flat" cmpd="sng" algn="ctr">
+                      <a:solidFill>
+                        <a:schemeClr val="tx1"/>
+                      </a:solidFill>
+                      <a:prstDash val="solid"/>
+                      <a:round/>
+                      <a:headEnd type="none" w="med" len="med"/>
+                      <a:tailEnd type="none" w="med" len="med"/>
+                    </a:lnL>
+                    <a:lnR w="12700" cap="flat" cmpd="sng" algn="ctr">
+                      <a:solidFill>
+                        <a:schemeClr val="tx1"/>
+                      </a:solidFill>
+                      <a:prstDash val="solid"/>
+                      <a:round/>
+                      <a:headEnd type="none" w="med" len="med"/>
+                      <a:tailEnd type="none" w="med" len="med"/>
+                    </a:lnR>
+                    <a:lnT w="12700" cap="flat" cmpd="sng" algn="ctr">
+                      <a:solidFill>
+                        <a:schemeClr val="tx1"/>
+                      </a:solidFill>
+                      <a:prstDash val="solid"/>
+                      <a:round/>
+                      <a:headEnd type="none" w="med" len="med"/>
+                      <a:tailEnd type="none" w="med" len="med"/>
+                    </a:lnT>
+                    <a:lnB w="12700" cap="flat" cmpd="sng" algn="ctr">
+                      <a:solidFill>
+                        <a:schemeClr val="tx1"/>
+                      </a:solidFill>
+                      <a:prstDash val="solid"/>
+                      <a:round/>
+                      <a:headEnd type="none" w="med" len="med"/>
+                      <a:tailEnd type="none" w="med" len="med"/>
+                    </a:lnB>
+                    <a:solidFill>
+                      <a:schemeClr val="accent6">
+                        <a:lumMod val="40000"/>
+                        <a:lumOff val="60000"/>
+                      </a:schemeClr>
+                    </a:solidFill>
+                  </a:tcPr>
+                </a:tc>
+                <a:tc>
+                  <a:txBody>
+                    <a:bodyPr/>
+                    <a:lstStyle/>
+                    <a:p>
+                      <a:endParaRPr lang="zh-CN" altLang="en-US"/>
+                    </a:p>
+                  </a:txBody>
+                  <a:tcPr>
+                    <a:lnL w="12700" cap="flat" cmpd="sng" algn="ctr">
+                      <a:solidFill>
+                        <a:schemeClr val="tx1"/>
+                      </a:solidFill>
+                      <a:prstDash val="solid"/>
+                      <a:round/>
+                      <a:headEnd type="none" w="med" len="med"/>
+                      <a:tailEnd type="none" w="med" len="med"/>
+                    </a:lnL>
+                    <a:lnR w="12700" cap="flat" cmpd="sng" algn="ctr">
+                      <a:solidFill>
+                        <a:schemeClr val="tx1"/>
+                      </a:solidFill>
+                      <a:prstDash val="solid"/>
+                      <a:round/>
+                      <a:headEnd type="none" w="med" len="med"/>
+                      <a:tailEnd type="none" w="med" len="med"/>
+                    </a:lnR>
+                    <a:lnT w="12700" cap="flat" cmpd="sng" algn="ctr">
+                      <a:solidFill>
+                        <a:schemeClr val="tx1"/>
+                      </a:solidFill>
+                      <a:prstDash val="solid"/>
+                      <a:round/>
+                      <a:headEnd type="none" w="med" len="med"/>
+                      <a:tailEnd type="none" w="med" len="med"/>
+                    </a:lnT>
+                    <a:lnB w="12700" cap="flat" cmpd="sng" algn="ctr">
+                      <a:solidFill>
+                        <a:schemeClr val="tx1"/>
+                      </a:solidFill>
+                      <a:prstDash val="solid"/>
+                      <a:round/>
+                      <a:headEnd type="none" w="med" len="med"/>
+                      <a:tailEnd type="none" w="med" len="med"/>
+                    </a:lnB>
+                    <a:solidFill>
+                      <a:schemeClr val="accent6">
+                        <a:lumMod val="40000"/>
+                        <a:lumOff val="60000"/>
+                      </a:schemeClr>
+                    </a:solidFill>
+                  </a:tcPr>
+                </a:tc>
+                <a:tc>
+                  <a:txBody>
+                    <a:bodyPr/>
+                    <a:lstStyle/>
+                    <a:p>
+                      <a:endParaRPr lang="zh-CN" altLang="en-US"/>
+                    </a:p>
+                  </a:txBody>
+                  <a:tcPr>
+                    <a:lnL w="12700" cap="flat" cmpd="sng" algn="ctr">
+                      <a:solidFill>
+                        <a:schemeClr val="tx1"/>
+                      </a:solidFill>
+                      <a:prstDash val="solid"/>
+                      <a:round/>
+                      <a:headEnd type="none" w="med" len="med"/>
+                      <a:tailEnd type="none" w="med" len="med"/>
+                    </a:lnL>
+                    <a:lnR w="12700" cap="flat" cmpd="sng" algn="ctr">
+                      <a:solidFill>
+                        <a:schemeClr val="tx1"/>
+                      </a:solidFill>
+                      <a:prstDash val="solid"/>
+                      <a:round/>
+                      <a:headEnd type="none" w="med" len="med"/>
+                      <a:tailEnd type="none" w="med" len="med"/>
+                    </a:lnR>
+                    <a:lnT w="12700" cap="flat" cmpd="sng" algn="ctr">
+                      <a:solidFill>
+                        <a:schemeClr val="tx1"/>
+                      </a:solidFill>
+                      <a:prstDash val="solid"/>
+                      <a:round/>
+                      <a:headEnd type="none" w="med" len="med"/>
+                      <a:tailEnd type="none" w="med" len="med"/>
+                    </a:lnT>
+                    <a:lnB w="12700" cap="flat" cmpd="sng" algn="ctr">
+                      <a:solidFill>
+                        <a:schemeClr val="tx1"/>
+                      </a:solidFill>
+                      <a:prstDash val="solid"/>
+                      <a:round/>
+                      <a:headEnd type="none" w="med" len="med"/>
+                      <a:tailEnd type="none" w="med" len="med"/>
+                    </a:lnB>
+                    <a:solidFill>
+                      <a:schemeClr val="accent6">
+                        <a:lumMod val="40000"/>
+                        <a:lumOff val="60000"/>
+                      </a:schemeClr>
+                    </a:solidFill>
+                  </a:tcPr>
+                </a:tc>
+                <a:tc>
+                  <a:txBody>
+                    <a:bodyPr/>
+                    <a:lstStyle/>
+                    <a:p>
+                      <a:endParaRPr lang="zh-CN" altLang="en-US"/>
+                    </a:p>
+                  </a:txBody>
+                  <a:tcPr>
+                    <a:lnL w="12700" cap="flat" cmpd="sng" algn="ctr">
+                      <a:solidFill>
+                        <a:schemeClr val="tx1"/>
+                      </a:solidFill>
+                      <a:prstDash val="solid"/>
+                      <a:round/>
+                      <a:headEnd type="none" w="med" len="med"/>
+                      <a:tailEnd type="none" w="med" len="med"/>
+                    </a:lnL>
+                    <a:lnR w="12700" cap="flat" cmpd="sng" algn="ctr">
+                      <a:solidFill>
+                        <a:schemeClr val="tx1"/>
+                      </a:solidFill>
+                      <a:prstDash val="solid"/>
+                      <a:round/>
+                      <a:headEnd type="none" w="med" len="med"/>
+                      <a:tailEnd type="none" w="med" len="med"/>
+                    </a:lnR>
+                    <a:lnT w="12700" cap="flat" cmpd="sng" algn="ctr">
+                      <a:solidFill>
+                        <a:schemeClr val="tx1"/>
+                      </a:solidFill>
+                      <a:prstDash val="solid"/>
+                      <a:round/>
+                      <a:headEnd type="none" w="med" len="med"/>
+                      <a:tailEnd type="none" w="med" len="med"/>
+                    </a:lnT>
+                    <a:lnB w="12700" cap="flat" cmpd="sng" algn="ctr">
+                      <a:solidFill>
+                        <a:schemeClr val="tx1"/>
+                      </a:solidFill>
+                      <a:prstDash val="solid"/>
+                      <a:round/>
+                      <a:headEnd type="none" w="med" len="med"/>
+                      <a:tailEnd type="none" w="med" len="med"/>
+                    </a:lnB>
+                    <a:solidFill>
+                      <a:schemeClr val="accent6">
+                        <a:lumMod val="40000"/>
+                        <a:lumOff val="60000"/>
+                      </a:schemeClr>
+                    </a:solidFill>
+                  </a:tcPr>
+                </a:tc>
+                <a:tc>
+                  <a:txBody>
+                    <a:bodyPr/>
+                    <a:lstStyle/>
+                    <a:p>
+                      <a:endParaRPr lang="zh-CN" altLang="en-US" dirty="0"/>
+                    </a:p>
+                  </a:txBody>
+                  <a:tcPr>
+                    <a:lnL w="12700" cap="flat" cmpd="sng" algn="ctr">
+                      <a:solidFill>
+                        <a:schemeClr val="tx1"/>
+                      </a:solidFill>
+                      <a:prstDash val="solid"/>
+                      <a:round/>
+                      <a:headEnd type="none" w="med" len="med"/>
+                      <a:tailEnd type="none" w="med" len="med"/>
+                    </a:lnL>
+                    <a:lnR w="12700" cap="flat" cmpd="sng" algn="ctr">
+                      <a:solidFill>
+                        <a:schemeClr val="tx1"/>
+                      </a:solidFill>
+                      <a:prstDash val="solid"/>
+                      <a:round/>
+                      <a:headEnd type="none" w="med" len="med"/>
+                      <a:tailEnd type="none" w="med" len="med"/>
+                    </a:lnR>
+                    <a:lnT w="12700" cap="flat" cmpd="sng" algn="ctr">
+                      <a:solidFill>
+                        <a:schemeClr val="tx1"/>
+                      </a:solidFill>
+                      <a:prstDash val="solid"/>
+                      <a:round/>
+                      <a:headEnd type="none" w="med" len="med"/>
+                      <a:tailEnd type="none" w="med" len="med"/>
+                    </a:lnT>
+                    <a:lnB w="12700" cap="flat" cmpd="sng" algn="ctr">
+                      <a:solidFill>
+                        <a:schemeClr val="tx1"/>
+                      </a:solidFill>
+                      <a:prstDash val="solid"/>
+                      <a:round/>
+                      <a:headEnd type="none" w="med" len="med"/>
+                      <a:tailEnd type="none" w="med" len="med"/>
+                    </a:lnB>
+                    <a:solidFill>
+                      <a:schemeClr val="accent6">
+                        <a:lumMod val="40000"/>
+                        <a:lumOff val="60000"/>
+                      </a:schemeClr>
+                    </a:solidFill>
+                  </a:tcPr>
+                </a:tc>
+                <a:extLst>
+                  <a:ext uri="{0D108BD9-81ED-4DB2-BD59-A6C34878D82A}">
+                    <a16:rowId xmlns:a16="http://schemas.microsoft.com/office/drawing/2014/main" val="1102028120"/>
+                  </a:ext>
+                </a:extLst>
+              </a:tr>
+              <a:tr h="367200">
+                <a:tc>
+                  <a:txBody>
+                    <a:bodyPr/>
+                    <a:lstStyle/>
+                    <a:p>
+                      <a:endParaRPr lang="zh-CN" altLang="en-US"/>
+                    </a:p>
+                  </a:txBody>
+                  <a:tcPr>
+                    <a:lnL w="12700" cap="flat" cmpd="sng" algn="ctr">
+                      <a:solidFill>
+                        <a:schemeClr val="tx1"/>
+                      </a:solidFill>
+                      <a:prstDash val="solid"/>
+                      <a:round/>
+                      <a:headEnd type="none" w="med" len="med"/>
+                      <a:tailEnd type="none" w="med" len="med"/>
+                    </a:lnL>
+                    <a:lnR w="12700" cap="flat" cmpd="sng" algn="ctr">
+                      <a:solidFill>
+                        <a:schemeClr val="tx1"/>
+                      </a:solidFill>
+                      <a:prstDash val="solid"/>
+                      <a:round/>
+                      <a:headEnd type="none" w="med" len="med"/>
+                      <a:tailEnd type="none" w="med" len="med"/>
+                    </a:lnR>
+                    <a:lnT w="12700" cap="flat" cmpd="sng" algn="ctr">
+                      <a:solidFill>
+                        <a:schemeClr val="tx1"/>
+                      </a:solidFill>
+                      <a:prstDash val="solid"/>
+                      <a:round/>
+                      <a:headEnd type="none" w="med" len="med"/>
+                      <a:tailEnd type="none" w="med" len="med"/>
+                    </a:lnT>
+                    <a:lnB w="12700" cap="flat" cmpd="sng" algn="ctr">
+                      <a:solidFill>
+                        <a:schemeClr val="tx1"/>
+                      </a:solidFill>
+                      <a:prstDash val="solid"/>
+                      <a:round/>
+                      <a:headEnd type="none" w="med" len="med"/>
+                      <a:tailEnd type="none" w="med" len="med"/>
+                    </a:lnB>
+                    <a:solidFill>
+                      <a:schemeClr val="accent6">
+                        <a:lumMod val="40000"/>
+                        <a:lumOff val="60000"/>
+                      </a:schemeClr>
+                    </a:solidFill>
+                  </a:tcPr>
+                </a:tc>
+                <a:tc>
+                  <a:txBody>
+                    <a:bodyPr/>
+                    <a:lstStyle/>
+                    <a:p>
+                      <a:endParaRPr lang="zh-CN" altLang="en-US"/>
+                    </a:p>
+                  </a:txBody>
+                  <a:tcPr>
+                    <a:lnL w="12700" cap="flat" cmpd="sng" algn="ctr">
+                      <a:solidFill>
+                        <a:schemeClr val="tx1"/>
+                      </a:solidFill>
+                      <a:prstDash val="solid"/>
+                      <a:round/>
+                      <a:headEnd type="none" w="med" len="med"/>
+                      <a:tailEnd type="none" w="med" len="med"/>
+                    </a:lnL>
+                    <a:lnR w="12700" cap="flat" cmpd="sng" algn="ctr">
+                      <a:solidFill>
+                        <a:schemeClr val="tx1"/>
+                      </a:solidFill>
+                      <a:prstDash val="solid"/>
+                      <a:round/>
+                      <a:headEnd type="none" w="med" len="med"/>
+                      <a:tailEnd type="none" w="med" len="med"/>
+                    </a:lnR>
+                    <a:lnT w="12700" cap="flat" cmpd="sng" algn="ctr">
+                      <a:solidFill>
+                        <a:schemeClr val="tx1"/>
+                      </a:solidFill>
+                      <a:prstDash val="solid"/>
+                      <a:round/>
+                      <a:headEnd type="none" w="med" len="med"/>
+                      <a:tailEnd type="none" w="med" len="med"/>
+                    </a:lnT>
+                    <a:lnB w="12700" cap="flat" cmpd="sng" algn="ctr">
+                      <a:solidFill>
+                        <a:schemeClr val="tx1"/>
+                      </a:solidFill>
+                      <a:prstDash val="solid"/>
+                      <a:round/>
+                      <a:headEnd type="none" w="med" len="med"/>
+                      <a:tailEnd type="none" w="med" len="med"/>
+                    </a:lnB>
+                    <a:solidFill>
+                      <a:schemeClr val="accent6">
+                        <a:lumMod val="40000"/>
+                        <a:lumOff val="60000"/>
+                      </a:schemeClr>
+                    </a:solidFill>
+                  </a:tcPr>
+                </a:tc>
+                <a:tc>
+                  <a:txBody>
+                    <a:bodyPr/>
+                    <a:lstStyle/>
+                    <a:p>
+                      <a:endParaRPr lang="zh-CN" altLang="en-US"/>
+                    </a:p>
+                  </a:txBody>
+                  <a:tcPr>
+                    <a:lnL w="12700" cap="flat" cmpd="sng" algn="ctr">
+                      <a:solidFill>
+                        <a:schemeClr val="tx1"/>
+                      </a:solidFill>
+                      <a:prstDash val="solid"/>
+                      <a:round/>
+                      <a:headEnd type="none" w="med" len="med"/>
+                      <a:tailEnd type="none" w="med" len="med"/>
+                    </a:lnL>
+                    <a:lnR w="12700" cap="flat" cmpd="sng" algn="ctr">
+                      <a:solidFill>
+                        <a:schemeClr val="tx1"/>
+                      </a:solidFill>
+                      <a:prstDash val="solid"/>
+                      <a:round/>
+                      <a:headEnd type="none" w="med" len="med"/>
+                      <a:tailEnd type="none" w="med" len="med"/>
+                    </a:lnR>
+                    <a:lnT w="12700" cap="flat" cmpd="sng" algn="ctr">
+                      <a:solidFill>
+                        <a:schemeClr val="tx1"/>
+                      </a:solidFill>
+                      <a:prstDash val="solid"/>
+                      <a:round/>
+                      <a:headEnd type="none" w="med" len="med"/>
+                      <a:tailEnd type="none" w="med" len="med"/>
+                    </a:lnT>
+                    <a:lnB w="12700" cap="flat" cmpd="sng" algn="ctr">
+                      <a:solidFill>
+                        <a:schemeClr val="tx1"/>
+                      </a:solidFill>
+                      <a:prstDash val="solid"/>
+                      <a:round/>
+                      <a:headEnd type="none" w="med" len="med"/>
+                      <a:tailEnd type="none" w="med" len="med"/>
+                    </a:lnB>
+                    <a:solidFill>
+                      <a:schemeClr val="accent6">
+                        <a:lumMod val="40000"/>
+                        <a:lumOff val="60000"/>
+                      </a:schemeClr>
+                    </a:solidFill>
+                  </a:tcPr>
+                </a:tc>
+                <a:tc>
+                  <a:txBody>
+                    <a:bodyPr/>
+                    <a:lstStyle/>
+                    <a:p>
+                      <a:endParaRPr lang="zh-CN" altLang="en-US"/>
+                    </a:p>
+                  </a:txBody>
+                  <a:tcPr>
+                    <a:lnL w="12700" cap="flat" cmpd="sng" algn="ctr">
+                      <a:solidFill>
+                        <a:schemeClr val="tx1"/>
+                      </a:solidFill>
+                      <a:prstDash val="solid"/>
+                      <a:round/>
+                      <a:headEnd type="none" w="med" len="med"/>
+                      <a:tailEnd type="none" w="med" len="med"/>
+                    </a:lnL>
+                    <a:lnR w="12700" cap="flat" cmpd="sng" algn="ctr">
+                      <a:solidFill>
+                        <a:schemeClr val="tx1"/>
+                      </a:solidFill>
+                      <a:prstDash val="solid"/>
+                      <a:round/>
+                      <a:headEnd type="none" w="med" len="med"/>
+                      <a:tailEnd type="none" w="med" len="med"/>
+                    </a:lnR>
+                    <a:lnT w="12700" cap="flat" cmpd="sng" algn="ctr">
+                      <a:solidFill>
+                        <a:schemeClr val="tx1"/>
+                      </a:solidFill>
+                      <a:prstDash val="solid"/>
+                      <a:round/>
+                      <a:headEnd type="none" w="med" len="med"/>
+                      <a:tailEnd type="none" w="med" len="med"/>
+                    </a:lnT>
+                    <a:lnB w="12700" cap="flat" cmpd="sng" algn="ctr">
+                      <a:solidFill>
+                        <a:schemeClr val="tx1"/>
+                      </a:solidFill>
+                      <a:prstDash val="solid"/>
+                      <a:round/>
+                      <a:headEnd type="none" w="med" len="med"/>
+                      <a:tailEnd type="none" w="med" len="med"/>
+                    </a:lnB>
+                    <a:solidFill>
+                      <a:schemeClr val="accent6">
+                        <a:lumMod val="40000"/>
+                        <a:lumOff val="60000"/>
+                      </a:schemeClr>
+                    </a:solidFill>
+                  </a:tcPr>
+                </a:tc>
+                <a:tc>
+                  <a:txBody>
+                    <a:bodyPr/>
+                    <a:lstStyle/>
+                    <a:p>
+                      <a:endParaRPr lang="zh-CN" altLang="en-US"/>
+                    </a:p>
+                  </a:txBody>
+                  <a:tcPr>
+                    <a:lnL w="12700" cap="flat" cmpd="sng" algn="ctr">
+                      <a:solidFill>
+                        <a:schemeClr val="tx1"/>
+                      </a:solidFill>
+                      <a:prstDash val="solid"/>
+                      <a:round/>
+                      <a:headEnd type="none" w="med" len="med"/>
+                      <a:tailEnd type="none" w="med" len="med"/>
+                    </a:lnL>
+                    <a:lnR w="12700" cap="flat" cmpd="sng" algn="ctr">
+                      <a:solidFill>
+                        <a:schemeClr val="tx1"/>
+                      </a:solidFill>
+                      <a:prstDash val="solid"/>
+                      <a:round/>
+                      <a:headEnd type="none" w="med" len="med"/>
+                      <a:tailEnd type="none" w="med" len="med"/>
+                    </a:lnR>
+                    <a:lnT w="12700" cap="flat" cmpd="sng" algn="ctr">
+                      <a:solidFill>
+                        <a:schemeClr val="tx1"/>
+                      </a:solidFill>
+                      <a:prstDash val="solid"/>
+                      <a:round/>
+                      <a:headEnd type="none" w="med" len="med"/>
+                      <a:tailEnd type="none" w="med" len="med"/>
+                    </a:lnT>
+                    <a:lnB w="12700" cap="flat" cmpd="sng" algn="ctr">
+                      <a:solidFill>
+                        <a:schemeClr val="tx1"/>
+                      </a:solidFill>
+                      <a:prstDash val="solid"/>
+                      <a:round/>
+                      <a:headEnd type="none" w="med" len="med"/>
+                      <a:tailEnd type="none" w="med" len="med"/>
+                    </a:lnB>
+                    <a:solidFill>
+                      <a:schemeClr val="accent6">
+                        <a:lumMod val="40000"/>
+                        <a:lumOff val="60000"/>
+                      </a:schemeClr>
+                    </a:solidFill>
+                  </a:tcPr>
+                </a:tc>
+                <a:tc>
+                  <a:txBody>
+                    <a:bodyPr/>
+                    <a:lstStyle/>
+                    <a:p>
+                      <a:endParaRPr lang="zh-CN" altLang="en-US"/>
+                    </a:p>
+                  </a:txBody>
+                  <a:tcPr>
+                    <a:lnL w="12700" cap="flat" cmpd="sng" algn="ctr">
+                      <a:solidFill>
+                        <a:schemeClr val="tx1"/>
+                      </a:solidFill>
+                      <a:prstDash val="solid"/>
+                      <a:round/>
+                      <a:headEnd type="none" w="med" len="med"/>
+                      <a:tailEnd type="none" w="med" len="med"/>
+                    </a:lnL>
+                    <a:lnR w="12700" cap="flat" cmpd="sng" algn="ctr">
+                      <a:solidFill>
+                        <a:schemeClr val="tx1"/>
+                      </a:solidFill>
+                      <a:prstDash val="solid"/>
+                      <a:round/>
+                      <a:headEnd type="none" w="med" len="med"/>
+                      <a:tailEnd type="none" w="med" len="med"/>
+                    </a:lnR>
+                    <a:lnT w="12700" cap="flat" cmpd="sng" algn="ctr">
+                      <a:solidFill>
+                        <a:schemeClr val="tx1"/>
+                      </a:solidFill>
+                      <a:prstDash val="solid"/>
+                      <a:round/>
+                      <a:headEnd type="none" w="med" len="med"/>
+                      <a:tailEnd type="none" w="med" len="med"/>
+                    </a:lnT>
+                    <a:lnB w="12700" cap="flat" cmpd="sng" algn="ctr">
+                      <a:solidFill>
+                        <a:schemeClr val="tx1"/>
+                      </a:solidFill>
+                      <a:prstDash val="solid"/>
+                      <a:round/>
+                      <a:headEnd type="none" w="med" len="med"/>
+                      <a:tailEnd type="none" w="med" len="med"/>
+                    </a:lnB>
+                    <a:solidFill>
+                      <a:schemeClr val="accent6">
+                        <a:lumMod val="40000"/>
+                        <a:lumOff val="60000"/>
+                      </a:schemeClr>
+                    </a:solidFill>
+                  </a:tcPr>
+                </a:tc>
+                <a:tc>
+                  <a:txBody>
+                    <a:bodyPr/>
+                    <a:lstStyle/>
+                    <a:p>
+                      <a:endParaRPr lang="zh-CN" altLang="en-US" dirty="0"/>
+                    </a:p>
+                  </a:txBody>
+                  <a:tcPr>
+                    <a:lnL w="12700" cap="flat" cmpd="sng" algn="ctr">
+                      <a:solidFill>
+                        <a:schemeClr val="tx1"/>
+                      </a:solidFill>
+                      <a:prstDash val="solid"/>
+                      <a:round/>
+                      <a:headEnd type="none" w="med" len="med"/>
+                      <a:tailEnd type="none" w="med" len="med"/>
+                    </a:lnL>
+                    <a:lnR w="12700" cap="flat" cmpd="sng" algn="ctr">
+                      <a:solidFill>
+                        <a:schemeClr val="tx1"/>
+                      </a:solidFill>
+                      <a:prstDash val="solid"/>
+                      <a:round/>
+                      <a:headEnd type="none" w="med" len="med"/>
+                      <a:tailEnd type="none" w="med" len="med"/>
+                    </a:lnR>
+                    <a:lnT w="12700" cap="flat" cmpd="sng" algn="ctr">
+                      <a:solidFill>
+                        <a:schemeClr val="tx1"/>
+                      </a:solidFill>
+                      <a:prstDash val="solid"/>
+                      <a:round/>
+                      <a:headEnd type="none" w="med" len="med"/>
+                      <a:tailEnd type="none" w="med" len="med"/>
+                    </a:lnT>
+                    <a:lnB w="12700" cap="flat" cmpd="sng" algn="ctr">
+                      <a:solidFill>
+                        <a:schemeClr val="tx1"/>
+                      </a:solidFill>
+                      <a:prstDash val="solid"/>
+                      <a:round/>
+                      <a:headEnd type="none" w="med" len="med"/>
+                      <a:tailEnd type="none" w="med" len="med"/>
+                    </a:lnB>
+                    <a:solidFill>
+                      <a:schemeClr val="accent6">
+                        <a:lumMod val="40000"/>
+                        <a:lumOff val="60000"/>
+                      </a:schemeClr>
+                    </a:solidFill>
+                  </a:tcPr>
+                </a:tc>
+                <a:extLst>
+                  <a:ext uri="{0D108BD9-81ED-4DB2-BD59-A6C34878D82A}">
+                    <a16:rowId xmlns:a16="http://schemas.microsoft.com/office/drawing/2014/main" val="3578205169"/>
+                  </a:ext>
+                </a:extLst>
+              </a:tr>
+            </a:tbl>
+          </a:graphicData>
+        </a:graphic>
+      </p:graphicFrame>
     </p:spTree>
     <p:extLst>
       <p:ext uri="{BB962C8B-B14F-4D97-AF65-F5344CB8AC3E}">
@@ -25238,14 +25237,14 @@
           <p:nvPr>
             <p:extLst>
               <p:ext uri="{D42A27DB-BD31-4B8C-83A1-F6EECF244321}">
-                <p14:modId xmlns:p14="http://schemas.microsoft.com/office/powerpoint/2010/main" val="1170177244"/>
+                <p14:modId xmlns:p14="http://schemas.microsoft.com/office/powerpoint/2010/main" val="1366623434"/>
               </p:ext>
             </p:extLst>
           </p:nvPr>
         </p:nvGraphicFramePr>
         <p:xfrm>
-          <a:off x="5032912" y="2318067"/>
-          <a:ext cx="1440000" cy="2570400"/>
+          <a:off x="5032912" y="2699600"/>
+          <a:ext cx="1440000" cy="1836000"/>
         </p:xfrm>
         <a:graphic>
           <a:graphicData uri="http://schemas.openxmlformats.org/drawingml/2006/table">
@@ -25562,60 +25561,7 @@
                     <a:bodyPr/>
                     <a:lstStyle/>
                     <a:p>
-                      <a:endParaRPr lang="zh-CN" altLang="en-US"/>
-                    </a:p>
-                  </a:txBody>
-                  <a:tcPr>
-                    <a:lnL w="12700" cap="flat" cmpd="sng" algn="ctr">
-                      <a:solidFill>
-                        <a:schemeClr val="tx1"/>
-                      </a:solidFill>
-                      <a:prstDash val="solid"/>
-                      <a:round/>
-                      <a:headEnd type="none" w="med" len="med"/>
-                      <a:tailEnd type="none" w="med" len="med"/>
-                    </a:lnL>
-                    <a:lnR w="12700" cap="flat" cmpd="sng" algn="ctr">
-                      <a:solidFill>
-                        <a:schemeClr val="tx1"/>
-                      </a:solidFill>
-                      <a:prstDash val="solid"/>
-                      <a:round/>
-                      <a:headEnd type="none" w="med" len="med"/>
-                      <a:tailEnd type="none" w="med" len="med"/>
-                    </a:lnR>
-                    <a:lnT w="12700" cap="flat" cmpd="sng" algn="ctr">
-                      <a:solidFill>
-                        <a:schemeClr val="tx1"/>
-                      </a:solidFill>
-                      <a:prstDash val="solid"/>
-                      <a:round/>
-                      <a:headEnd type="none" w="med" len="med"/>
-                      <a:tailEnd type="none" w="med" len="med"/>
-                    </a:lnT>
-                    <a:lnB w="12700" cap="flat" cmpd="sng" algn="ctr">
-                      <a:solidFill>
-                        <a:schemeClr val="tx1"/>
-                      </a:solidFill>
-                      <a:prstDash val="solid"/>
-                      <a:round/>
-                      <a:headEnd type="none" w="med" len="med"/>
-                      <a:tailEnd type="none" w="med" len="med"/>
-                    </a:lnB>
-                    <a:solidFill>
-                      <a:schemeClr val="accent6">
-                        <a:lumMod val="40000"/>
-                        <a:lumOff val="60000"/>
-                      </a:schemeClr>
-                    </a:solidFill>
-                  </a:tcPr>
-                </a:tc>
-                <a:tc>
-                  <a:txBody>
-                    <a:bodyPr/>
-                    <a:lstStyle/>
-                    <a:p>
-                      <a:endParaRPr lang="zh-CN" altLang="en-US"/>
+                      <a:endParaRPr lang="zh-CN" altLang="en-US" dirty="0"/>
                     </a:p>
                   </a:txBody>
                   <a:tcPr>
@@ -25716,397 +25662,12 @@
                     </a:solidFill>
                   </a:tcPr>
                 </a:tc>
-                <a:extLst>
-                  <a:ext uri="{0D108BD9-81ED-4DB2-BD59-A6C34878D82A}">
-                    <a16:rowId xmlns:a16="http://schemas.microsoft.com/office/drawing/2014/main" val="1663342261"/>
-                  </a:ext>
-                </a:extLst>
-              </a:tr>
-              <a:tr h="367200">
-                <a:tc>
-                  <a:txBody>
-                    <a:bodyPr/>
-                    <a:lstStyle/>
-                    <a:p>
-                      <a:endParaRPr lang="zh-CN" altLang="en-US"/>
-                    </a:p>
-                  </a:txBody>
-                  <a:tcPr>
-                    <a:lnL w="12700" cap="flat" cmpd="sng" algn="ctr">
-                      <a:solidFill>
-                        <a:schemeClr val="tx1"/>
-                      </a:solidFill>
-                      <a:prstDash val="solid"/>
-                      <a:round/>
-                      <a:headEnd type="none" w="med" len="med"/>
-                      <a:tailEnd type="none" w="med" len="med"/>
-                    </a:lnL>
-                    <a:lnR w="12700" cap="flat" cmpd="sng" algn="ctr">
-                      <a:solidFill>
-                        <a:schemeClr val="tx1"/>
-                      </a:solidFill>
-                      <a:prstDash val="solid"/>
-                      <a:round/>
-                      <a:headEnd type="none" w="med" len="med"/>
-                      <a:tailEnd type="none" w="med" len="med"/>
-                    </a:lnR>
-                    <a:lnT w="12700" cap="flat" cmpd="sng" algn="ctr">
-                      <a:solidFill>
-                        <a:schemeClr val="tx1"/>
-                      </a:solidFill>
-                      <a:prstDash val="solid"/>
-                      <a:round/>
-                      <a:headEnd type="none" w="med" len="med"/>
-                      <a:tailEnd type="none" w="med" len="med"/>
-                    </a:lnT>
-                    <a:lnB w="12700" cap="flat" cmpd="sng" algn="ctr">
-                      <a:solidFill>
-                        <a:schemeClr val="tx1"/>
-                      </a:solidFill>
-                      <a:prstDash val="solid"/>
-                      <a:round/>
-                      <a:headEnd type="none" w="med" len="med"/>
-                      <a:tailEnd type="none" w="med" len="med"/>
-                    </a:lnB>
-                    <a:solidFill>
-                      <a:schemeClr val="accent6">
-                        <a:lumMod val="40000"/>
-                        <a:lumOff val="60000"/>
-                      </a:schemeClr>
-                    </a:solidFill>
-                  </a:tcPr>
-                </a:tc>
                 <a:tc>
                   <a:txBody>
                     <a:bodyPr/>
                     <a:lstStyle/>
                     <a:p>
                       <a:endParaRPr lang="zh-CN" altLang="en-US" dirty="0"/>
-                    </a:p>
-                  </a:txBody>
-                  <a:tcPr>
-                    <a:lnL w="12700" cap="flat" cmpd="sng" algn="ctr">
-                      <a:solidFill>
-                        <a:schemeClr val="tx1"/>
-                      </a:solidFill>
-                      <a:prstDash val="solid"/>
-                      <a:round/>
-                      <a:headEnd type="none" w="med" len="med"/>
-                      <a:tailEnd type="none" w="med" len="med"/>
-                    </a:lnL>
-                    <a:lnR w="12700" cap="flat" cmpd="sng" algn="ctr">
-                      <a:solidFill>
-                        <a:schemeClr val="tx1"/>
-                      </a:solidFill>
-                      <a:prstDash val="solid"/>
-                      <a:round/>
-                      <a:headEnd type="none" w="med" len="med"/>
-                      <a:tailEnd type="none" w="med" len="med"/>
-                    </a:lnR>
-                    <a:lnT w="12700" cap="flat" cmpd="sng" algn="ctr">
-                      <a:solidFill>
-                        <a:schemeClr val="tx1"/>
-                      </a:solidFill>
-                      <a:prstDash val="solid"/>
-                      <a:round/>
-                      <a:headEnd type="none" w="med" len="med"/>
-                      <a:tailEnd type="none" w="med" len="med"/>
-                    </a:lnT>
-                    <a:lnB w="12700" cap="flat" cmpd="sng" algn="ctr">
-                      <a:solidFill>
-                        <a:schemeClr val="tx1"/>
-                      </a:solidFill>
-                      <a:prstDash val="solid"/>
-                      <a:round/>
-                      <a:headEnd type="none" w="med" len="med"/>
-                      <a:tailEnd type="none" w="med" len="med"/>
-                    </a:lnB>
-                    <a:solidFill>
-                      <a:schemeClr val="accent6">
-                        <a:lumMod val="40000"/>
-                        <a:lumOff val="60000"/>
-                      </a:schemeClr>
-                    </a:solidFill>
-                  </a:tcPr>
-                </a:tc>
-                <a:tc>
-                  <a:txBody>
-                    <a:bodyPr/>
-                    <a:lstStyle/>
-                    <a:p>
-                      <a:endParaRPr lang="zh-CN" altLang="en-US"/>
-                    </a:p>
-                  </a:txBody>
-                  <a:tcPr>
-                    <a:lnL w="12700" cap="flat" cmpd="sng" algn="ctr">
-                      <a:solidFill>
-                        <a:schemeClr val="tx1"/>
-                      </a:solidFill>
-                      <a:prstDash val="solid"/>
-                      <a:round/>
-                      <a:headEnd type="none" w="med" len="med"/>
-                      <a:tailEnd type="none" w="med" len="med"/>
-                    </a:lnL>
-                    <a:lnR w="12700" cap="flat" cmpd="sng" algn="ctr">
-                      <a:solidFill>
-                        <a:schemeClr val="tx1"/>
-                      </a:solidFill>
-                      <a:prstDash val="solid"/>
-                      <a:round/>
-                      <a:headEnd type="none" w="med" len="med"/>
-                      <a:tailEnd type="none" w="med" len="med"/>
-                    </a:lnR>
-                    <a:lnT w="12700" cap="flat" cmpd="sng" algn="ctr">
-                      <a:solidFill>
-                        <a:schemeClr val="tx1"/>
-                      </a:solidFill>
-                      <a:prstDash val="solid"/>
-                      <a:round/>
-                      <a:headEnd type="none" w="med" len="med"/>
-                      <a:tailEnd type="none" w="med" len="med"/>
-                    </a:lnT>
-                    <a:lnB w="12700" cap="flat" cmpd="sng" algn="ctr">
-                      <a:solidFill>
-                        <a:schemeClr val="tx1"/>
-                      </a:solidFill>
-                      <a:prstDash val="solid"/>
-                      <a:round/>
-                      <a:headEnd type="none" w="med" len="med"/>
-                      <a:tailEnd type="none" w="med" len="med"/>
-                    </a:lnB>
-                    <a:solidFill>
-                      <a:schemeClr val="accent6">
-                        <a:lumMod val="40000"/>
-                        <a:lumOff val="60000"/>
-                      </a:schemeClr>
-                    </a:solidFill>
-                  </a:tcPr>
-                </a:tc>
-                <a:tc>
-                  <a:txBody>
-                    <a:bodyPr/>
-                    <a:lstStyle/>
-                    <a:p>
-                      <a:endParaRPr lang="zh-CN" altLang="en-US"/>
-                    </a:p>
-                  </a:txBody>
-                  <a:tcPr>
-                    <a:lnL w="12700" cap="flat" cmpd="sng" algn="ctr">
-                      <a:solidFill>
-                        <a:schemeClr val="tx1"/>
-                      </a:solidFill>
-                      <a:prstDash val="solid"/>
-                      <a:round/>
-                      <a:headEnd type="none" w="med" len="med"/>
-                      <a:tailEnd type="none" w="med" len="med"/>
-                    </a:lnL>
-                    <a:lnR w="12700" cap="flat" cmpd="sng" algn="ctr">
-                      <a:solidFill>
-                        <a:schemeClr val="tx1"/>
-                      </a:solidFill>
-                      <a:prstDash val="solid"/>
-                      <a:round/>
-                      <a:headEnd type="none" w="med" len="med"/>
-                      <a:tailEnd type="none" w="med" len="med"/>
-                    </a:lnR>
-                    <a:lnT w="12700" cap="flat" cmpd="sng" algn="ctr">
-                      <a:solidFill>
-                        <a:schemeClr val="tx1"/>
-                      </a:solidFill>
-                      <a:prstDash val="solid"/>
-                      <a:round/>
-                      <a:headEnd type="none" w="med" len="med"/>
-                      <a:tailEnd type="none" w="med" len="med"/>
-                    </a:lnT>
-                    <a:lnB w="12700" cap="flat" cmpd="sng" algn="ctr">
-                      <a:solidFill>
-                        <a:schemeClr val="tx1"/>
-                      </a:solidFill>
-                      <a:prstDash val="solid"/>
-                      <a:round/>
-                      <a:headEnd type="none" w="med" len="med"/>
-                      <a:tailEnd type="none" w="med" len="med"/>
-                    </a:lnB>
-                    <a:solidFill>
-                      <a:schemeClr val="accent6">
-                        <a:lumMod val="40000"/>
-                        <a:lumOff val="60000"/>
-                      </a:schemeClr>
-                    </a:solidFill>
-                  </a:tcPr>
-                </a:tc>
-                <a:extLst>
-                  <a:ext uri="{0D108BD9-81ED-4DB2-BD59-A6C34878D82A}">
-                    <a16:rowId xmlns:a16="http://schemas.microsoft.com/office/drawing/2014/main" val="333920616"/>
-                  </a:ext>
-                </a:extLst>
-              </a:tr>
-              <a:tr h="367200">
-                <a:tc>
-                  <a:txBody>
-                    <a:bodyPr/>
-                    <a:lstStyle/>
-                    <a:p>
-                      <a:endParaRPr lang="zh-CN" altLang="en-US"/>
-                    </a:p>
-                  </a:txBody>
-                  <a:tcPr>
-                    <a:lnL w="12700" cap="flat" cmpd="sng" algn="ctr">
-                      <a:solidFill>
-                        <a:schemeClr val="tx1"/>
-                      </a:solidFill>
-                      <a:prstDash val="solid"/>
-                      <a:round/>
-                      <a:headEnd type="none" w="med" len="med"/>
-                      <a:tailEnd type="none" w="med" len="med"/>
-                    </a:lnL>
-                    <a:lnR w="12700" cap="flat" cmpd="sng" algn="ctr">
-                      <a:solidFill>
-                        <a:schemeClr val="tx1"/>
-                      </a:solidFill>
-                      <a:prstDash val="solid"/>
-                      <a:round/>
-                      <a:headEnd type="none" w="med" len="med"/>
-                      <a:tailEnd type="none" w="med" len="med"/>
-                    </a:lnR>
-                    <a:lnT w="12700" cap="flat" cmpd="sng" algn="ctr">
-                      <a:solidFill>
-                        <a:schemeClr val="tx1"/>
-                      </a:solidFill>
-                      <a:prstDash val="solid"/>
-                      <a:round/>
-                      <a:headEnd type="none" w="med" len="med"/>
-                      <a:tailEnd type="none" w="med" len="med"/>
-                    </a:lnT>
-                    <a:lnB w="12700" cap="flat" cmpd="sng" algn="ctr">
-                      <a:solidFill>
-                        <a:schemeClr val="tx1"/>
-                      </a:solidFill>
-                      <a:prstDash val="solid"/>
-                      <a:round/>
-                      <a:headEnd type="none" w="med" len="med"/>
-                      <a:tailEnd type="none" w="med" len="med"/>
-                    </a:lnB>
-                    <a:solidFill>
-                      <a:schemeClr val="accent6">
-                        <a:lumMod val="40000"/>
-                        <a:lumOff val="60000"/>
-                      </a:schemeClr>
-                    </a:solidFill>
-                  </a:tcPr>
-                </a:tc>
-                <a:tc>
-                  <a:txBody>
-                    <a:bodyPr/>
-                    <a:lstStyle/>
-                    <a:p>
-                      <a:endParaRPr lang="zh-CN" altLang="en-US"/>
-                    </a:p>
-                  </a:txBody>
-                  <a:tcPr>
-                    <a:lnL w="12700" cap="flat" cmpd="sng" algn="ctr">
-                      <a:solidFill>
-                        <a:schemeClr val="tx1"/>
-                      </a:solidFill>
-                      <a:prstDash val="solid"/>
-                      <a:round/>
-                      <a:headEnd type="none" w="med" len="med"/>
-                      <a:tailEnd type="none" w="med" len="med"/>
-                    </a:lnL>
-                    <a:lnR w="12700" cap="flat" cmpd="sng" algn="ctr">
-                      <a:solidFill>
-                        <a:schemeClr val="tx1"/>
-                      </a:solidFill>
-                      <a:prstDash val="solid"/>
-                      <a:round/>
-                      <a:headEnd type="none" w="med" len="med"/>
-                      <a:tailEnd type="none" w="med" len="med"/>
-                    </a:lnR>
-                    <a:lnT w="12700" cap="flat" cmpd="sng" algn="ctr">
-                      <a:solidFill>
-                        <a:schemeClr val="tx1"/>
-                      </a:solidFill>
-                      <a:prstDash val="solid"/>
-                      <a:round/>
-                      <a:headEnd type="none" w="med" len="med"/>
-                      <a:tailEnd type="none" w="med" len="med"/>
-                    </a:lnT>
-                    <a:lnB w="12700" cap="flat" cmpd="sng" algn="ctr">
-                      <a:solidFill>
-                        <a:schemeClr val="tx1"/>
-                      </a:solidFill>
-                      <a:prstDash val="solid"/>
-                      <a:round/>
-                      <a:headEnd type="none" w="med" len="med"/>
-                      <a:tailEnd type="none" w="med" len="med"/>
-                    </a:lnB>
-                    <a:solidFill>
-                      <a:schemeClr val="accent6">
-                        <a:lumMod val="40000"/>
-                        <a:lumOff val="60000"/>
-                      </a:schemeClr>
-                    </a:solidFill>
-                  </a:tcPr>
-                </a:tc>
-                <a:tc>
-                  <a:txBody>
-                    <a:bodyPr/>
-                    <a:lstStyle/>
-                    <a:p>
-                      <a:endParaRPr lang="zh-CN" altLang="en-US"/>
-                    </a:p>
-                  </a:txBody>
-                  <a:tcPr>
-                    <a:lnL w="12700" cap="flat" cmpd="sng" algn="ctr">
-                      <a:solidFill>
-                        <a:schemeClr val="tx1"/>
-                      </a:solidFill>
-                      <a:prstDash val="solid"/>
-                      <a:round/>
-                      <a:headEnd type="none" w="med" len="med"/>
-                      <a:tailEnd type="none" w="med" len="med"/>
-                    </a:lnL>
-                    <a:lnR w="12700" cap="flat" cmpd="sng" algn="ctr">
-                      <a:solidFill>
-                        <a:schemeClr val="tx1"/>
-                      </a:solidFill>
-                      <a:prstDash val="solid"/>
-                      <a:round/>
-                      <a:headEnd type="none" w="med" len="med"/>
-                      <a:tailEnd type="none" w="med" len="med"/>
-                    </a:lnR>
-                    <a:lnT w="12700" cap="flat" cmpd="sng" algn="ctr">
-                      <a:solidFill>
-                        <a:schemeClr val="tx1"/>
-                      </a:solidFill>
-                      <a:prstDash val="solid"/>
-                      <a:round/>
-                      <a:headEnd type="none" w="med" len="med"/>
-                      <a:tailEnd type="none" w="med" len="med"/>
-                    </a:lnT>
-                    <a:lnB w="12700" cap="flat" cmpd="sng" algn="ctr">
-                      <a:solidFill>
-                        <a:schemeClr val="tx1"/>
-                      </a:solidFill>
-                      <a:prstDash val="solid"/>
-                      <a:round/>
-                      <a:headEnd type="none" w="med" len="med"/>
-                      <a:tailEnd type="none" w="med" len="med"/>
-                    </a:lnB>
-                    <a:solidFill>
-                      <a:schemeClr val="accent6">
-                        <a:lumMod val="40000"/>
-                        <a:lumOff val="60000"/>
-                      </a:schemeClr>
-                    </a:solidFill>
-                  </a:tcPr>
-                </a:tc>
-                <a:tc>
-                  <a:txBody>
-                    <a:bodyPr/>
-                    <a:lstStyle/>
-                    <a:p>
-                      <a:endParaRPr lang="zh-CN" altLang="en-US"/>
                     </a:p>
                   </a:txBody>
                   <a:tcPr>
@@ -26979,8 +26540,8 @@
           </p:sp>
         </mc:Fallback>
       </mc:AlternateContent>
-      <mc:AlternateContent xmlns:mc="http://schemas.openxmlformats.org/markup-compatibility/2006" xmlns:a14="http://schemas.microsoft.com/office/drawing/2010/main">
-        <mc:Choice Requires="a14">
+      <mc:AlternateContent xmlns:mc="http://schemas.openxmlformats.org/markup-compatibility/2006">
+        <mc:Choice xmlns:a14="http://schemas.microsoft.com/office/drawing/2010/main" Requires="a14">
           <p:sp>
             <p:nvSpPr>
               <p:cNvPr id="19" name="文本框 18">
@@ -26995,7 +26556,7 @@
             </p:nvSpPr>
             <p:spPr>
               <a:xfrm>
-                <a:off x="5022079" y="1909528"/>
+                <a:off x="5003219" y="2330268"/>
                 <a:ext cx="1499385" cy="369332"/>
               </a:xfrm>
               <a:prstGeom prst="rect">
@@ -27058,7 +26619,7 @@
             </p:txBody>
           </p:sp>
         </mc:Choice>
-        <mc:Fallback xmlns="">
+        <mc:Fallback>
           <p:sp>
             <p:nvSpPr>
               <p:cNvPr id="19" name="文本框 18">
@@ -27075,7 +26636,7 @@
             </p:nvSpPr>
             <p:spPr>
               <a:xfrm>
-                <a:off x="5022079" y="1909528"/>
+                <a:off x="5003219" y="2330268"/>
                 <a:ext cx="1499385" cy="369332"/>
               </a:xfrm>
               <a:prstGeom prst="rect">
@@ -27103,8 +26664,8 @@
           </p:sp>
         </mc:Fallback>
       </mc:AlternateContent>
-      <mc:AlternateContent xmlns:mc="http://schemas.openxmlformats.org/markup-compatibility/2006" xmlns:a14="http://schemas.microsoft.com/office/drawing/2010/main">
-        <mc:Choice Requires="a14">
+      <mc:AlternateContent xmlns:mc="http://schemas.openxmlformats.org/markup-compatibility/2006">
+        <mc:Choice xmlns:a14="http://schemas.microsoft.com/office/drawing/2010/main" Requires="a14">
           <p:sp>
             <p:nvSpPr>
               <p:cNvPr id="21" name="文本框 20">
@@ -27119,7 +26680,7 @@
             </p:nvSpPr>
             <p:spPr>
               <a:xfrm>
-                <a:off x="7523022" y="1960467"/>
+                <a:off x="7341410" y="1960936"/>
                 <a:ext cx="1710468" cy="369332"/>
               </a:xfrm>
               <a:prstGeom prst="rect">
@@ -27197,7 +26758,7 @@
             </p:txBody>
           </p:sp>
         </mc:Choice>
-        <mc:Fallback xmlns="">
+        <mc:Fallback>
           <p:sp>
             <p:nvSpPr>
               <p:cNvPr id="21" name="文本框 20">
@@ -27214,7 +26775,7 @@
             </p:nvSpPr>
             <p:spPr>
               <a:xfrm>
-                <a:off x="7523022" y="1960467"/>
+                <a:off x="7341410" y="1960936"/>
                 <a:ext cx="1710468" cy="369332"/>
               </a:xfrm>
               <a:prstGeom prst="rect">
@@ -27355,13 +26916,13 @@
           <p:nvPr>
             <p:extLst>
               <p:ext uri="{D42A27DB-BD31-4B8C-83A1-F6EECF244321}">
-                <p14:modId xmlns:p14="http://schemas.microsoft.com/office/powerpoint/2010/main" val="11600407"/>
+                <p14:modId xmlns:p14="http://schemas.microsoft.com/office/powerpoint/2010/main" val="1277049167"/>
               </p:ext>
             </p:extLst>
           </p:nvPr>
         </p:nvGraphicFramePr>
         <p:xfrm>
-          <a:off x="7523022" y="2333120"/>
+          <a:off x="7390415" y="2367012"/>
           <a:ext cx="1440000" cy="2568960"/>
         </p:xfrm>
         <a:graphic>
@@ -27460,7 +27021,7 @@
                     <a:bodyPr/>
                     <a:lstStyle/>
                     <a:p>
-                      <a:endParaRPr lang="zh-CN" altLang="en-US"/>
+                      <a:endParaRPr lang="zh-CN" altLang="en-US" dirty="0"/>
                     </a:p>
                   </a:txBody>
                   <a:tcPr>
@@ -29038,8 +28599,8 @@
           </a:p>
         </p:txBody>
       </p:sp>
-      <mc:AlternateContent xmlns:mc="http://schemas.openxmlformats.org/markup-compatibility/2006" xmlns:a14="http://schemas.microsoft.com/office/drawing/2010/main">
-        <mc:Choice Requires="a14">
+      <mc:AlternateContent xmlns:mc="http://schemas.openxmlformats.org/markup-compatibility/2006">
+        <mc:Choice xmlns:a14="http://schemas.microsoft.com/office/drawing/2010/main" Requires="a14">
           <p:sp>
             <p:nvSpPr>
               <p:cNvPr id="3" name="内容占位符 2">
@@ -29086,7 +28647,7 @@
               <a:p>
                 <a:r>
                   <a:rPr kumimoji="1" lang="en-US" altLang="zh-CN" dirty="0"/>
-                  <a:t>ALF </a:t>
+                  <a:t>ALS </a:t>
                 </a:r>
                 <a:r>
                   <a:rPr kumimoji="1" lang="zh-CN" altLang="en-US" dirty="0"/>
@@ -29284,7 +28845,7 @@
             </p:txBody>
           </p:sp>
         </mc:Choice>
-        <mc:Fallback xmlns="">
+        <mc:Fallback>
           <p:sp>
             <p:nvSpPr>
               <p:cNvPr id="3" name="内容占位符 2">
@@ -29433,8 +28994,8 @@
           </a:p>
         </p:txBody>
       </p:sp>
-      <mc:AlternateContent xmlns:mc="http://schemas.openxmlformats.org/markup-compatibility/2006" xmlns:a14="http://schemas.microsoft.com/office/drawing/2010/main">
-        <mc:Choice Requires="a14">
+      <mc:AlternateContent xmlns:mc="http://schemas.openxmlformats.org/markup-compatibility/2006">
+        <mc:Choice xmlns:a14="http://schemas.microsoft.com/office/drawing/2010/main" Requires="a14">
           <p:sp>
             <p:nvSpPr>
               <p:cNvPr id="3" name="内容占位符 2">
@@ -30014,25 +29575,25 @@
                       </a:rPr>
                       <m:t>𝜆</m:t>
                     </m:r>
-                    <m:sSup>
-                      <m:sSupPr>
+                    <m:d>
+                      <m:dPr>
                         <m:ctrlPr>
                           <a:rPr kumimoji="1" lang="en-US" altLang="zh-CN" b="0" i="1" smtClean="0">
                             <a:latin typeface="Cambria Math" panose="02040503050406030204" pitchFamily="18" charset="0"/>
                             <a:ea typeface="Cambria Math" panose="02040503050406030204" pitchFamily="18" charset="0"/>
                           </a:rPr>
                         </m:ctrlPr>
-                      </m:sSupPr>
+                      </m:dPr>
                       <m:e>
-                        <m:d>
-                          <m:dPr>
+                        <m:sSup>
+                          <m:sSupPr>
                             <m:ctrlPr>
                               <a:rPr kumimoji="1" lang="en-US" altLang="zh-CN" b="0" i="1" smtClean="0">
                                 <a:latin typeface="Cambria Math" panose="02040503050406030204" pitchFamily="18" charset="0"/>
                                 <a:ea typeface="Cambria Math" panose="02040503050406030204" pitchFamily="18" charset="0"/>
                               </a:rPr>
                             </m:ctrlPr>
-                          </m:dPr>
+                          </m:sSupPr>
                           <m:e>
                             <m:d>
                               <m:dPr>
@@ -30090,13 +29651,34 @@
                                 </m:d>
                               </m:e>
                             </m:d>
+                          </m:e>
+                          <m:sup>
                             <m:r>
                               <a:rPr kumimoji="1" lang="en-US" altLang="zh-CN" b="0" i="1" smtClean="0">
                                 <a:latin typeface="Cambria Math" panose="02040503050406030204" pitchFamily="18" charset="0"/>
                                 <a:ea typeface="Cambria Math" panose="02040503050406030204" pitchFamily="18" charset="0"/>
                               </a:rPr>
-                              <m:t>+</m:t>
+                              <m:t>2</m:t>
                             </m:r>
+                          </m:sup>
+                        </m:sSup>
+                        <m:r>
+                          <a:rPr kumimoji="1" lang="en-US" altLang="zh-CN" b="0" i="1" smtClean="0">
+                            <a:latin typeface="Cambria Math" panose="02040503050406030204" pitchFamily="18" charset="0"/>
+                            <a:ea typeface="Cambria Math" panose="02040503050406030204" pitchFamily="18" charset="0"/>
+                          </a:rPr>
+                          <m:t>+</m:t>
+                        </m:r>
+                        <m:sSup>
+                          <m:sSupPr>
+                            <m:ctrlPr>
+                              <a:rPr kumimoji="1" lang="en-US" altLang="zh-CN" b="0" i="1" smtClean="0">
+                                <a:latin typeface="Cambria Math" panose="02040503050406030204" pitchFamily="18" charset="0"/>
+                                <a:ea typeface="Cambria Math" panose="02040503050406030204" pitchFamily="18" charset="0"/>
+                              </a:rPr>
+                            </m:ctrlPr>
+                          </m:sSupPr>
+                          <m:e>
                             <m:d>
                               <m:dPr>
                                 <m:begChr m:val="|"/>
@@ -30154,18 +29736,18 @@
                               </m:e>
                             </m:d>
                           </m:e>
-                        </m:d>
+                          <m:sup>
+                            <m:r>
+                              <a:rPr kumimoji="1" lang="en-US" altLang="zh-CN" b="0" i="1" smtClean="0">
+                                <a:latin typeface="Cambria Math" panose="02040503050406030204" pitchFamily="18" charset="0"/>
+                                <a:ea typeface="Cambria Math" panose="02040503050406030204" pitchFamily="18" charset="0"/>
+                              </a:rPr>
+                              <m:t>2</m:t>
+                            </m:r>
+                          </m:sup>
+                        </m:sSup>
                       </m:e>
-                      <m:sup>
-                        <m:r>
-                          <a:rPr kumimoji="1" lang="en-US" altLang="zh-CN" b="0" i="1" smtClean="0">
-                            <a:latin typeface="Cambria Math" panose="02040503050406030204" pitchFamily="18" charset="0"/>
-                            <a:ea typeface="Cambria Math" panose="02040503050406030204" pitchFamily="18" charset="0"/>
-                          </a:rPr>
-                          <m:t>2</m:t>
-                        </m:r>
-                      </m:sup>
-                    </m:sSup>
+                    </m:d>
                   </m:oMath>
                 </a14:m>
                 <a:endParaRPr kumimoji="1" lang="en-US" altLang="zh-CN" b="0" dirty="0">
@@ -30747,7 +30329,7 @@
             </p:txBody>
           </p:sp>
         </mc:Choice>
-        <mc:Fallback xmlns="">
+        <mc:Fallback>
           <p:sp>
             <p:nvSpPr>
               <p:cNvPr id="3" name="内容占位符 2">
@@ -30768,7 +30350,7 @@
               <a:blipFill>
                 <a:blip r:embed="rId2"/>
                 <a:stretch>
-                  <a:fillRect l="-396" b="-1471"/>
+                  <a:fillRect l="-396" b="-2574"/>
                 </a:stretch>
               </a:blipFill>
             </p:spPr>
@@ -30995,7 +30577,7 @@
             </a:r>
             <a:r>
               <a:rPr kumimoji="1" lang="zh-CN" altLang="en-US" dirty="0"/>
-              <a:t>会更多的与用户发生关系，则相较冷门</a:t>
+              <a:t>会更多的与用户发生关系，则相较热门</a:t>
             </a:r>
             <a:r>
               <a:rPr kumimoji="1" lang="en-US" altLang="zh-CN" dirty="0"/>
@@ -31147,8 +30729,8 @@
           </a:p>
         </p:txBody>
       </p:sp>
-      <mc:AlternateContent xmlns:mc="http://schemas.openxmlformats.org/markup-compatibility/2006" xmlns:a14="http://schemas.microsoft.com/office/drawing/2010/main">
-        <mc:Choice Requires="a14">
+      <mc:AlternateContent xmlns:mc="http://schemas.openxmlformats.org/markup-compatibility/2006">
+        <mc:Choice xmlns:a14="http://schemas.microsoft.com/office/drawing/2010/main" Requires="a14">
           <p:sp>
             <p:nvSpPr>
               <p:cNvPr id="3" name="内容占位符 2">
@@ -31684,25 +31266,25 @@
                         </a:rPr>
                         <m:t>𝜆</m:t>
                       </m:r>
-                      <m:sSup>
-                        <m:sSupPr>
+                      <m:d>
+                        <m:dPr>
                           <m:ctrlPr>
                             <a:rPr kumimoji="1" lang="en-US" altLang="zh-CN" b="0" i="1" smtClean="0">
                               <a:latin typeface="Cambria Math" panose="02040503050406030204" pitchFamily="18" charset="0"/>
                               <a:ea typeface="Cambria Math" panose="02040503050406030204" pitchFamily="18" charset="0"/>
                             </a:rPr>
                           </m:ctrlPr>
-                        </m:sSupPr>
+                        </m:dPr>
                         <m:e>
-                          <m:d>
-                            <m:dPr>
+                          <m:sSup>
+                            <m:sSupPr>
                               <m:ctrlPr>
                                 <a:rPr kumimoji="1" lang="en-US" altLang="zh-CN" b="0" i="1" smtClean="0">
                                   <a:latin typeface="Cambria Math" panose="02040503050406030204" pitchFamily="18" charset="0"/>
                                   <a:ea typeface="Cambria Math" panose="02040503050406030204" pitchFamily="18" charset="0"/>
                                 </a:rPr>
                               </m:ctrlPr>
-                            </m:dPr>
+                            </m:sSupPr>
                             <m:e>
                               <m:d>
                                 <m:dPr>
@@ -31760,13 +31342,34 @@
                                   </m:d>
                                 </m:e>
                               </m:d>
+                            </m:e>
+                            <m:sup>
                               <m:r>
                                 <a:rPr kumimoji="1" lang="en-US" altLang="zh-CN" b="0" i="1" smtClean="0">
                                   <a:latin typeface="Cambria Math" panose="02040503050406030204" pitchFamily="18" charset="0"/>
                                   <a:ea typeface="Cambria Math" panose="02040503050406030204" pitchFamily="18" charset="0"/>
                                 </a:rPr>
-                                <m:t>+</m:t>
+                                <m:t>2</m:t>
                               </m:r>
+                            </m:sup>
+                          </m:sSup>
+                          <m:r>
+                            <a:rPr kumimoji="1" lang="en-US" altLang="zh-CN" b="0" i="1" smtClean="0">
+                              <a:latin typeface="Cambria Math" panose="02040503050406030204" pitchFamily="18" charset="0"/>
+                              <a:ea typeface="Cambria Math" panose="02040503050406030204" pitchFamily="18" charset="0"/>
+                            </a:rPr>
+                            <m:t>+</m:t>
+                          </m:r>
+                          <m:sSup>
+                            <m:sSupPr>
+                              <m:ctrlPr>
+                                <a:rPr kumimoji="1" lang="en-US" altLang="zh-CN" b="0" i="1" smtClean="0">
+                                  <a:latin typeface="Cambria Math" panose="02040503050406030204" pitchFamily="18" charset="0"/>
+                                  <a:ea typeface="Cambria Math" panose="02040503050406030204" pitchFamily="18" charset="0"/>
+                                </a:rPr>
+                              </m:ctrlPr>
+                            </m:sSupPr>
+                            <m:e>
                               <m:d>
                                 <m:dPr>
                                   <m:begChr m:val="|"/>
@@ -31823,110 +31426,110 @@
                                   </m:d>
                                 </m:e>
                               </m:d>
+                            </m:e>
+                            <m:sup>
                               <m:r>
                                 <a:rPr kumimoji="1" lang="en-US" altLang="zh-CN" b="0" i="1" smtClean="0">
                                   <a:latin typeface="Cambria Math" panose="02040503050406030204" pitchFamily="18" charset="0"/>
                                   <a:ea typeface="Cambria Math" panose="02040503050406030204" pitchFamily="18" charset="0"/>
                                 </a:rPr>
-                                <m:t>+</m:t>
+                                <m:t>2</m:t>
                               </m:r>
-                              <m:sSubSup>
-                                <m:sSubSupPr>
-                                  <m:ctrlPr>
-                                    <a:rPr kumimoji="1" lang="en-US" altLang="zh-CN" b="0" i="1" smtClean="0">
-                                      <a:latin typeface="Cambria Math" panose="02040503050406030204" pitchFamily="18" charset="0"/>
-                                    </a:rPr>
-                                  </m:ctrlPr>
-                                </m:sSubSupPr>
-                                <m:e>
-                                  <m:r>
-                                    <m:rPr>
-                                      <m:sty m:val="p"/>
-                                    </m:rPr>
-                                    <a:rPr kumimoji="1" lang="en-US" altLang="zh-CN">
-                                      <a:latin typeface="Cambria Math" panose="02040503050406030204" pitchFamily="18" charset="0"/>
-                                    </a:rPr>
-                                    <m:t>b</m:t>
-                                  </m:r>
-                                </m:e>
-                                <m:sub>
-                                  <m:r>
-                                    <m:rPr>
-                                      <m:sty m:val="p"/>
-                                    </m:rPr>
-                                    <a:rPr kumimoji="1" lang="en-US" altLang="zh-CN">
-                                      <a:latin typeface="Cambria Math" panose="02040503050406030204" pitchFamily="18" charset="0"/>
-                                    </a:rPr>
-                                    <m:t>u</m:t>
-                                  </m:r>
-                                </m:sub>
-                                <m:sup>
-                                  <m:r>
-                                    <a:rPr kumimoji="1" lang="en-US" altLang="zh-CN" b="0" i="1" smtClean="0">
-                                      <a:latin typeface="Cambria Math" panose="02040503050406030204" pitchFamily="18" charset="0"/>
-                                    </a:rPr>
-                                    <m:t>2</m:t>
-                                  </m:r>
-                                </m:sup>
-                              </m:sSubSup>
-                              <m:r>
-                                <a:rPr kumimoji="1" lang="en-US" altLang="zh-CN" b="0" i="1" smtClean="0">
-                                  <a:latin typeface="Cambria Math" panose="02040503050406030204" pitchFamily="18" charset="0"/>
-                                </a:rPr>
-                                <m:t>+</m:t>
-                              </m:r>
-                              <m:sSubSup>
-                                <m:sSubSupPr>
-                                  <m:ctrlPr>
-                                    <a:rPr kumimoji="1" lang="en-US" altLang="zh-CN" b="0" i="1" smtClean="0">
-                                      <a:latin typeface="Cambria Math" panose="02040503050406030204" pitchFamily="18" charset="0"/>
-                                    </a:rPr>
-                                  </m:ctrlPr>
-                                </m:sSubSupPr>
-                                <m:e>
-                                  <m:r>
-                                    <m:rPr>
-                                      <m:sty m:val="p"/>
-                                    </m:rPr>
-                                    <a:rPr kumimoji="1" lang="en-US" altLang="zh-CN">
-                                      <a:latin typeface="Cambria Math" panose="02040503050406030204" pitchFamily="18" charset="0"/>
-                                    </a:rPr>
-                                    <m:t>b</m:t>
-                                  </m:r>
-                                </m:e>
-                                <m:sub>
-                                  <m:r>
-                                    <m:rPr>
-                                      <m:sty m:val="p"/>
-                                    </m:rPr>
-                                    <a:rPr kumimoji="1" lang="en-US" altLang="zh-CN">
-                                      <a:latin typeface="Cambria Math" panose="02040503050406030204" pitchFamily="18" charset="0"/>
-                                    </a:rPr>
-                                    <m:t>i</m:t>
-                                  </m:r>
-                                </m:sub>
-                                <m:sup>
-                                  <m:r>
-                                    <a:rPr kumimoji="1" lang="en-US" altLang="zh-CN" b="0" i="1" smtClean="0">
-                                      <a:latin typeface="Cambria Math" panose="02040503050406030204" pitchFamily="18" charset="0"/>
-                                    </a:rPr>
-                                    <m:t>2</m:t>
-                                  </m:r>
-                                </m:sup>
-                              </m:sSubSup>
-                            </m:e>
-                          </m:d>
-                        </m:e>
-                        <m:sup>
+                            </m:sup>
+                          </m:sSup>
                           <m:r>
                             <a:rPr kumimoji="1" lang="en-US" altLang="zh-CN" b="0" i="1" smtClean="0">
                               <a:latin typeface="Cambria Math" panose="02040503050406030204" pitchFamily="18" charset="0"/>
                               <a:ea typeface="Cambria Math" panose="02040503050406030204" pitchFamily="18" charset="0"/>
                             </a:rPr>
-                            <m:t>2</m:t>
+                            <m:t>+</m:t>
                           </m:r>
-                        </m:sup>
-                      </m:sSup>
+                          <m:sSubSup>
+                            <m:sSubSupPr>
+                              <m:ctrlPr>
+                                <a:rPr kumimoji="1" lang="en-US" altLang="zh-CN" b="0" i="1" smtClean="0">
+                                  <a:latin typeface="Cambria Math" panose="02040503050406030204" pitchFamily="18" charset="0"/>
+                                </a:rPr>
+                              </m:ctrlPr>
+                            </m:sSubSupPr>
+                            <m:e>
+                              <m:r>
+                                <m:rPr>
+                                  <m:sty m:val="p"/>
+                                </m:rPr>
+                                <a:rPr kumimoji="1" lang="en-US" altLang="zh-CN">
+                                  <a:latin typeface="Cambria Math" panose="02040503050406030204" pitchFamily="18" charset="0"/>
+                                </a:rPr>
+                                <m:t>b</m:t>
+                              </m:r>
+                            </m:e>
+                            <m:sub>
+                              <m:r>
+                                <m:rPr>
+                                  <m:sty m:val="p"/>
+                                </m:rPr>
+                                <a:rPr kumimoji="1" lang="en-US" altLang="zh-CN">
+                                  <a:latin typeface="Cambria Math" panose="02040503050406030204" pitchFamily="18" charset="0"/>
+                                </a:rPr>
+                                <m:t>u</m:t>
+                              </m:r>
+                            </m:sub>
+                            <m:sup>
+                              <m:r>
+                                <a:rPr kumimoji="1" lang="en-US" altLang="zh-CN" b="0" i="1" smtClean="0">
+                                  <a:latin typeface="Cambria Math" panose="02040503050406030204" pitchFamily="18" charset="0"/>
+                                </a:rPr>
+                                <m:t>2</m:t>
+                              </m:r>
+                            </m:sup>
+                          </m:sSubSup>
+                          <m:r>
+                            <a:rPr kumimoji="1" lang="en-US" altLang="zh-CN" b="0" i="1" smtClean="0">
+                              <a:latin typeface="Cambria Math" panose="02040503050406030204" pitchFamily="18" charset="0"/>
+                            </a:rPr>
+                            <m:t>+</m:t>
+                          </m:r>
+                          <m:sSubSup>
+                            <m:sSubSupPr>
+                              <m:ctrlPr>
+                                <a:rPr kumimoji="1" lang="en-US" altLang="zh-CN" b="0" i="1" smtClean="0">
+                                  <a:latin typeface="Cambria Math" panose="02040503050406030204" pitchFamily="18" charset="0"/>
+                                </a:rPr>
+                              </m:ctrlPr>
+                            </m:sSubSupPr>
+                            <m:e>
+                              <m:r>
+                                <m:rPr>
+                                  <m:sty m:val="p"/>
+                                </m:rPr>
+                                <a:rPr kumimoji="1" lang="en-US" altLang="zh-CN">
+                                  <a:latin typeface="Cambria Math" panose="02040503050406030204" pitchFamily="18" charset="0"/>
+                                </a:rPr>
+                                <m:t>b</m:t>
+                              </m:r>
+                            </m:e>
+                            <m:sub>
+                              <m:r>
+                                <m:rPr>
+                                  <m:sty m:val="p"/>
+                                </m:rPr>
+                                <a:rPr kumimoji="1" lang="en-US" altLang="zh-CN">
+                                  <a:latin typeface="Cambria Math" panose="02040503050406030204" pitchFamily="18" charset="0"/>
+                                </a:rPr>
+                                <m:t>i</m:t>
+                              </m:r>
+                            </m:sub>
+                            <m:sup>
+                              <m:r>
+                                <a:rPr kumimoji="1" lang="en-US" altLang="zh-CN" b="0" i="1" smtClean="0">
+                                  <a:latin typeface="Cambria Math" panose="02040503050406030204" pitchFamily="18" charset="0"/>
+                                </a:rPr>
+                                <m:t>2</m:t>
+                              </m:r>
+                            </m:sup>
+                          </m:sSubSup>
+                        </m:e>
+                      </m:d>
                     </m:oMath>
                   </m:oMathPara>
                 </a14:m>
@@ -33185,7 +32788,7 @@
             </p:txBody>
           </p:sp>
         </mc:Choice>
-        <mc:Fallback xmlns="">
+        <mc:Fallback>
           <p:sp>
             <p:nvSpPr>
               <p:cNvPr id="3" name="内容占位符 2">

--- a/SVD与LFM推荐系统.pptx
+++ b/SVD与LFM推荐系统.pptx
@@ -227,7 +227,7 @@
           <a:p>
             <a:fld id="{593F4049-CF41-9340-921C-9E953AEBC91D}" type="datetimeFigureOut">
               <a:rPr kumimoji="1" lang="zh-CN" altLang="en-US" smtClean="0"/>
-              <a:t>2020/9/23</a:t>
+              <a:t>2020/9/29</a:t>
             </a:fld>
             <a:endParaRPr kumimoji="1" lang="zh-CN" altLang="en-US"/>
           </a:p>
@@ -408,7 +408,7 @@
           <a:p>
             <a:fld id="{773ADF60-34E7-844F-99D8-BAD0570EEDCD}" type="datetimeFigureOut">
               <a:rPr kumimoji="1" lang="zh-CN" altLang="en-US" smtClean="0"/>
-              <a:t>2020/9/23</a:t>
+              <a:t>2020/9/29</a:t>
             </a:fld>
             <a:endParaRPr kumimoji="1" lang="zh-CN" altLang="en-US"/>
           </a:p>
@@ -790,7 +790,7 @@
           <a:p>
             <a:fld id="{2EA75ED9-19BB-5F4D-9901-AD36885E3C35}" type="datetime1">
               <a:rPr kumimoji="1" lang="zh-CN" altLang="en-US" smtClean="0"/>
-              <a:t>2020/9/23</a:t>
+              <a:t>2020/9/29</a:t>
             </a:fld>
             <a:endParaRPr kumimoji="1" lang="zh-CN" altLang="en-US"/>
           </a:p>
@@ -997,7 +997,7 @@
           <a:p>
             <a:fld id="{C4BB4DD4-6E9E-D943-B89D-24AB2A9A37AF}" type="datetime1">
               <a:rPr kumimoji="1" lang="zh-CN" altLang="en-US" smtClean="0"/>
-              <a:t>2020/9/23</a:t>
+              <a:t>2020/9/29</a:t>
             </a:fld>
             <a:endParaRPr kumimoji="1" lang="zh-CN" altLang="en-US"/>
           </a:p>
@@ -1208,7 +1208,7 @@
           <a:p>
             <a:fld id="{0D5B46DE-5891-CD47-9D1B-D1B2EC42C04F}" type="datetime1">
               <a:rPr kumimoji="1" lang="zh-CN" altLang="en-US" smtClean="0"/>
-              <a:t>2020/9/23</a:t>
+              <a:t>2020/9/29</a:t>
             </a:fld>
             <a:endParaRPr kumimoji="1" lang="zh-CN" altLang="en-US"/>
           </a:p>
@@ -1405,7 +1405,7 @@
           <a:p>
             <a:fld id="{082B5EBB-9513-B549-A64B-B896B99CBF61}" type="datetime1">
               <a:rPr kumimoji="1" lang="zh-CN" altLang="en-US" smtClean="0"/>
-              <a:t>2020/9/23</a:t>
+              <a:t>2020/9/29</a:t>
             </a:fld>
             <a:endParaRPr kumimoji="1" lang="zh-CN" altLang="en-US"/>
           </a:p>
@@ -1709,7 +1709,7 @@
           <a:p>
             <a:fld id="{BE3EFAB8-AE3D-D641-A0A8-3EB5F36659B7}" type="datetime1">
               <a:rPr kumimoji="1" lang="zh-CN" altLang="en-US" smtClean="0"/>
-              <a:t>2020/9/23</a:t>
+              <a:t>2020/9/29</a:t>
             </a:fld>
             <a:endParaRPr kumimoji="1" lang="zh-CN" altLang="en-US"/>
           </a:p>
@@ -1949,7 +1949,7 @@
           <a:p>
             <a:fld id="{1688B979-6DBC-2948-8153-66809E3D9335}" type="datetime1">
               <a:rPr kumimoji="1" lang="zh-CN" altLang="en-US" smtClean="0"/>
-              <a:t>2020/9/23</a:t>
+              <a:t>2020/9/29</a:t>
             </a:fld>
             <a:endParaRPr kumimoji="1" lang="zh-CN" altLang="en-US"/>
           </a:p>
@@ -2347,7 +2347,7 @@
           <a:p>
             <a:fld id="{837F8614-31CF-3B41-B927-2A656F1F4AF8}" type="datetime1">
               <a:rPr kumimoji="1" lang="zh-CN" altLang="en-US" smtClean="0"/>
-              <a:t>2020/9/23</a:t>
+              <a:t>2020/9/29</a:t>
             </a:fld>
             <a:endParaRPr kumimoji="1" lang="zh-CN" altLang="en-US"/>
           </a:p>
@@ -2516,7 +2516,7 @@
           <a:p>
             <a:fld id="{7C439501-8ADE-B644-ABD7-B1E94536C12E}" type="datetime1">
               <a:rPr kumimoji="1" lang="zh-CN" altLang="en-US" smtClean="0"/>
-              <a:t>2020/9/23</a:t>
+              <a:t>2020/9/29</a:t>
             </a:fld>
             <a:endParaRPr kumimoji="1" lang="zh-CN" altLang="en-US"/>
           </a:p>
@@ -2662,7 +2662,7 @@
           <a:p>
             <a:fld id="{17E09F12-85EB-2040-A1E1-F149339CDB47}" type="datetime1">
               <a:rPr kumimoji="1" lang="zh-CN" altLang="en-US" smtClean="0"/>
-              <a:t>2020/9/23</a:t>
+              <a:t>2020/9/29</a:t>
             </a:fld>
             <a:endParaRPr kumimoji="1" lang="zh-CN" altLang="en-US"/>
           </a:p>
@@ -2914,7 +2914,7 @@
           <a:p>
             <a:fld id="{9CEAFC40-9230-BA41-A728-8560177B4312}" type="datetime1">
               <a:rPr kumimoji="1" lang="zh-CN" altLang="en-US" smtClean="0"/>
-              <a:t>2020/9/23</a:t>
+              <a:t>2020/9/29</a:t>
             </a:fld>
             <a:endParaRPr kumimoji="1" lang="zh-CN" altLang="en-US"/>
           </a:p>
@@ -3384,7 +3384,7 @@
           <a:p>
             <a:fld id="{667471DE-A621-EC4E-BDD0-23F29AFE4EF6}" type="datetime1">
               <a:rPr kumimoji="1" lang="zh-CN" altLang="en-US" smtClean="0"/>
-              <a:t>2020/9/23</a:t>
+              <a:t>2020/9/29</a:t>
             </a:fld>
             <a:endParaRPr kumimoji="1" lang="zh-CN" altLang="en-US"/>
           </a:p>
@@ -3730,7 +3730,7 @@
           <a:p>
             <a:fld id="{E85FDE48-3BA0-5146-8C41-3480179F902F}" type="datetime1">
               <a:rPr kumimoji="1" lang="zh-CN" altLang="en-US" smtClean="0"/>
-              <a:t>2020/9/23</a:t>
+              <a:t>2020/9/29</a:t>
             </a:fld>
             <a:endParaRPr kumimoji="1" lang="zh-CN" altLang="en-US"/>
           </a:p>
@@ -5797,8 +5797,8 @@
               <a:t>. </a:t>
             </a:r>
             <a:r>
-              <a:rPr kumimoji="1" lang="en-US" altLang="zh-CN" sz="2400" dirty="0"/>
-              <a:t>surpruse</a:t>
+              <a:rPr kumimoji="1" lang="en-US" altLang="zh-CN" sz="2400"/>
+              <a:t>surprise</a:t>
             </a:r>
             <a:r>
               <a:rPr kumimoji="1" lang="en-US" altLang="zh-CN" dirty="0"/>
@@ -15805,8 +15805,8 @@
           </p:sp>
         </mc:Fallback>
       </mc:AlternateContent>
-      <mc:AlternateContent xmlns:mc="http://schemas.openxmlformats.org/markup-compatibility/2006">
-        <mc:Choice xmlns:a14="http://schemas.microsoft.com/office/drawing/2010/main" Requires="a14">
+      <mc:AlternateContent xmlns:mc="http://schemas.openxmlformats.org/markup-compatibility/2006" xmlns:a14="http://schemas.microsoft.com/office/drawing/2010/main">
+        <mc:Choice Requires="a14">
           <p:sp>
             <p:nvSpPr>
               <p:cNvPr id="19" name="文本框 18">
@@ -15884,7 +15884,7 @@
             </p:txBody>
           </p:sp>
         </mc:Choice>
-        <mc:Fallback>
+        <mc:Fallback xmlns="">
           <p:sp>
             <p:nvSpPr>
               <p:cNvPr id="19" name="文本框 18">
@@ -15929,8 +15929,8 @@
           </p:sp>
         </mc:Fallback>
       </mc:AlternateContent>
-      <mc:AlternateContent xmlns:mc="http://schemas.openxmlformats.org/markup-compatibility/2006">
-        <mc:Choice xmlns:a14="http://schemas.microsoft.com/office/drawing/2010/main" Requires="a14">
+      <mc:AlternateContent xmlns:mc="http://schemas.openxmlformats.org/markup-compatibility/2006" xmlns:a14="http://schemas.microsoft.com/office/drawing/2010/main">
+        <mc:Choice Requires="a14">
           <p:sp>
             <p:nvSpPr>
               <p:cNvPr id="20" name="文本框 19">
@@ -16009,7 +16009,7 @@
             </p:txBody>
           </p:sp>
         </mc:Choice>
-        <mc:Fallback>
+        <mc:Fallback xmlns="">
           <p:sp>
             <p:nvSpPr>
               <p:cNvPr id="20" name="文本框 19">
@@ -16054,8 +16054,8 @@
           </p:sp>
         </mc:Fallback>
       </mc:AlternateContent>
-      <mc:AlternateContent xmlns:mc="http://schemas.openxmlformats.org/markup-compatibility/2006">
-        <mc:Choice xmlns:a14="http://schemas.microsoft.com/office/drawing/2010/main" Requires="a14">
+      <mc:AlternateContent xmlns:mc="http://schemas.openxmlformats.org/markup-compatibility/2006" xmlns:a14="http://schemas.microsoft.com/office/drawing/2010/main">
+        <mc:Choice Requires="a14">
           <p:sp>
             <p:nvSpPr>
               <p:cNvPr id="21" name="文本框 20">
@@ -16133,7 +16133,7 @@
             </p:txBody>
           </p:sp>
         </mc:Choice>
-        <mc:Fallback>
+        <mc:Fallback xmlns="">
           <p:sp>
             <p:nvSpPr>
               <p:cNvPr id="21" name="文本框 20">
@@ -19694,8 +19694,8 @@
           </p:sp>
         </mc:Fallback>
       </mc:AlternateContent>
-      <mc:AlternateContent xmlns:mc="http://schemas.openxmlformats.org/markup-compatibility/2006">
-        <mc:Choice xmlns:a14="http://schemas.microsoft.com/office/drawing/2010/main" Requires="a14">
+      <mc:AlternateContent xmlns:mc="http://schemas.openxmlformats.org/markup-compatibility/2006" xmlns:a14="http://schemas.microsoft.com/office/drawing/2010/main">
+        <mc:Choice Requires="a14">
           <p:sp>
             <p:nvSpPr>
               <p:cNvPr id="19" name="文本框 18">
@@ -19773,7 +19773,7 @@
             </p:txBody>
           </p:sp>
         </mc:Choice>
-        <mc:Fallback>
+        <mc:Fallback xmlns="">
           <p:sp>
             <p:nvSpPr>
               <p:cNvPr id="19" name="文本框 18">
@@ -19943,8 +19943,8 @@
           </p:sp>
         </mc:Fallback>
       </mc:AlternateContent>
-      <mc:AlternateContent xmlns:mc="http://schemas.openxmlformats.org/markup-compatibility/2006">
-        <mc:Choice xmlns:a14="http://schemas.microsoft.com/office/drawing/2010/main" Requires="a14">
+      <mc:AlternateContent xmlns:mc="http://schemas.openxmlformats.org/markup-compatibility/2006" xmlns:a14="http://schemas.microsoft.com/office/drawing/2010/main">
+        <mc:Choice Requires="a14">
           <p:sp>
             <p:nvSpPr>
               <p:cNvPr id="21" name="文本框 20">
@@ -20022,7 +20022,7 @@
             </p:txBody>
           </p:sp>
         </mc:Choice>
-        <mc:Fallback>
+        <mc:Fallback xmlns="">
           <p:sp>
             <p:nvSpPr>
               <p:cNvPr id="21" name="文本框 20">
@@ -26540,8 +26540,8 @@
           </p:sp>
         </mc:Fallback>
       </mc:AlternateContent>
-      <mc:AlternateContent xmlns:mc="http://schemas.openxmlformats.org/markup-compatibility/2006">
-        <mc:Choice xmlns:a14="http://schemas.microsoft.com/office/drawing/2010/main" Requires="a14">
+      <mc:AlternateContent xmlns:mc="http://schemas.openxmlformats.org/markup-compatibility/2006" xmlns:a14="http://schemas.microsoft.com/office/drawing/2010/main">
+        <mc:Choice Requires="a14">
           <p:sp>
             <p:nvSpPr>
               <p:cNvPr id="19" name="文本框 18">
@@ -26619,7 +26619,7 @@
             </p:txBody>
           </p:sp>
         </mc:Choice>
-        <mc:Fallback>
+        <mc:Fallback xmlns="">
           <p:sp>
             <p:nvSpPr>
               <p:cNvPr id="19" name="文本框 18">
@@ -26664,8 +26664,8 @@
           </p:sp>
         </mc:Fallback>
       </mc:AlternateContent>
-      <mc:AlternateContent xmlns:mc="http://schemas.openxmlformats.org/markup-compatibility/2006">
-        <mc:Choice xmlns:a14="http://schemas.microsoft.com/office/drawing/2010/main" Requires="a14">
+      <mc:AlternateContent xmlns:mc="http://schemas.openxmlformats.org/markup-compatibility/2006" xmlns:a14="http://schemas.microsoft.com/office/drawing/2010/main">
+        <mc:Choice Requires="a14">
           <p:sp>
             <p:nvSpPr>
               <p:cNvPr id="21" name="文本框 20">
@@ -26758,7 +26758,7 @@
             </p:txBody>
           </p:sp>
         </mc:Choice>
-        <mc:Fallback>
+        <mc:Fallback xmlns="">
           <p:sp>
             <p:nvSpPr>
               <p:cNvPr id="21" name="文本框 20">
@@ -28599,8 +28599,8 @@
           </a:p>
         </p:txBody>
       </p:sp>
-      <mc:AlternateContent xmlns:mc="http://schemas.openxmlformats.org/markup-compatibility/2006">
-        <mc:Choice xmlns:a14="http://schemas.microsoft.com/office/drawing/2010/main" Requires="a14">
+      <mc:AlternateContent xmlns:mc="http://schemas.openxmlformats.org/markup-compatibility/2006" xmlns:a14="http://schemas.microsoft.com/office/drawing/2010/main">
+        <mc:Choice Requires="a14">
           <p:sp>
             <p:nvSpPr>
               <p:cNvPr id="3" name="内容占位符 2">
@@ -28845,7 +28845,7 @@
             </p:txBody>
           </p:sp>
         </mc:Choice>
-        <mc:Fallback>
+        <mc:Fallback xmlns="">
           <p:sp>
             <p:nvSpPr>
               <p:cNvPr id="3" name="内容占位符 2">
@@ -28994,8 +28994,8 @@
           </a:p>
         </p:txBody>
       </p:sp>
-      <mc:AlternateContent xmlns:mc="http://schemas.openxmlformats.org/markup-compatibility/2006">
-        <mc:Choice xmlns:a14="http://schemas.microsoft.com/office/drawing/2010/main" Requires="a14">
+      <mc:AlternateContent xmlns:mc="http://schemas.openxmlformats.org/markup-compatibility/2006" xmlns:a14="http://schemas.microsoft.com/office/drawing/2010/main">
+        <mc:Choice Requires="a14">
           <p:sp>
             <p:nvSpPr>
               <p:cNvPr id="3" name="内容占位符 2">
@@ -30329,7 +30329,7 @@
             </p:txBody>
           </p:sp>
         </mc:Choice>
-        <mc:Fallback>
+        <mc:Fallback xmlns="">
           <p:sp>
             <p:nvSpPr>
               <p:cNvPr id="3" name="内容占位符 2">
@@ -30729,8 +30729,8 @@
           </a:p>
         </p:txBody>
       </p:sp>
-      <mc:AlternateContent xmlns:mc="http://schemas.openxmlformats.org/markup-compatibility/2006">
-        <mc:Choice xmlns:a14="http://schemas.microsoft.com/office/drawing/2010/main" Requires="a14">
+      <mc:AlternateContent xmlns:mc="http://schemas.openxmlformats.org/markup-compatibility/2006" xmlns:a14="http://schemas.microsoft.com/office/drawing/2010/main">
+        <mc:Choice Requires="a14">
           <p:sp>
             <p:nvSpPr>
               <p:cNvPr id="3" name="内容占位符 2">
@@ -32788,7 +32788,7 @@
             </p:txBody>
           </p:sp>
         </mc:Choice>
-        <mc:Fallback>
+        <mc:Fallback xmlns="">
           <p:sp>
             <p:nvSpPr>
               <p:cNvPr id="3" name="内容占位符 2">

--- a/SVD与LFM推荐系统.pptx
+++ b/SVD与LFM推荐系统.pptx
@@ -227,7 +227,7 @@
           <a:p>
             <a:fld id="{593F4049-CF41-9340-921C-9E953AEBC91D}" type="datetimeFigureOut">
               <a:rPr kumimoji="1" lang="zh-CN" altLang="en-US" smtClean="0"/>
-              <a:t>2020/9/29</a:t>
+              <a:t>2021/3/30</a:t>
             </a:fld>
             <a:endParaRPr kumimoji="1" lang="zh-CN" altLang="en-US"/>
           </a:p>
@@ -408,7 +408,7 @@
           <a:p>
             <a:fld id="{773ADF60-34E7-844F-99D8-BAD0570EEDCD}" type="datetimeFigureOut">
               <a:rPr kumimoji="1" lang="zh-CN" altLang="en-US" smtClean="0"/>
-              <a:t>2020/9/29</a:t>
+              <a:t>2021/3/30</a:t>
             </a:fld>
             <a:endParaRPr kumimoji="1" lang="zh-CN" altLang="en-US"/>
           </a:p>
@@ -790,7 +790,7 @@
           <a:p>
             <a:fld id="{2EA75ED9-19BB-5F4D-9901-AD36885E3C35}" type="datetime1">
               <a:rPr kumimoji="1" lang="zh-CN" altLang="en-US" smtClean="0"/>
-              <a:t>2020/9/29</a:t>
+              <a:t>2021/3/30</a:t>
             </a:fld>
             <a:endParaRPr kumimoji="1" lang="zh-CN" altLang="en-US"/>
           </a:p>
@@ -997,7 +997,7 @@
           <a:p>
             <a:fld id="{C4BB4DD4-6E9E-D943-B89D-24AB2A9A37AF}" type="datetime1">
               <a:rPr kumimoji="1" lang="zh-CN" altLang="en-US" smtClean="0"/>
-              <a:t>2020/9/29</a:t>
+              <a:t>2021/3/30</a:t>
             </a:fld>
             <a:endParaRPr kumimoji="1" lang="zh-CN" altLang="en-US"/>
           </a:p>
@@ -1208,7 +1208,7 @@
           <a:p>
             <a:fld id="{0D5B46DE-5891-CD47-9D1B-D1B2EC42C04F}" type="datetime1">
               <a:rPr kumimoji="1" lang="zh-CN" altLang="en-US" smtClean="0"/>
-              <a:t>2020/9/29</a:t>
+              <a:t>2021/3/30</a:t>
             </a:fld>
             <a:endParaRPr kumimoji="1" lang="zh-CN" altLang="en-US"/>
           </a:p>
@@ -1405,7 +1405,7 @@
           <a:p>
             <a:fld id="{082B5EBB-9513-B549-A64B-B896B99CBF61}" type="datetime1">
               <a:rPr kumimoji="1" lang="zh-CN" altLang="en-US" smtClean="0"/>
-              <a:t>2020/9/29</a:t>
+              <a:t>2021/3/30</a:t>
             </a:fld>
             <a:endParaRPr kumimoji="1" lang="zh-CN" altLang="en-US"/>
           </a:p>
@@ -1709,7 +1709,7 @@
           <a:p>
             <a:fld id="{BE3EFAB8-AE3D-D641-A0A8-3EB5F36659B7}" type="datetime1">
               <a:rPr kumimoji="1" lang="zh-CN" altLang="en-US" smtClean="0"/>
-              <a:t>2020/9/29</a:t>
+              <a:t>2021/3/30</a:t>
             </a:fld>
             <a:endParaRPr kumimoji="1" lang="zh-CN" altLang="en-US"/>
           </a:p>
@@ -1949,7 +1949,7 @@
           <a:p>
             <a:fld id="{1688B979-6DBC-2948-8153-66809E3D9335}" type="datetime1">
               <a:rPr kumimoji="1" lang="zh-CN" altLang="en-US" smtClean="0"/>
-              <a:t>2020/9/29</a:t>
+              <a:t>2021/3/30</a:t>
             </a:fld>
             <a:endParaRPr kumimoji="1" lang="zh-CN" altLang="en-US"/>
           </a:p>
@@ -2347,7 +2347,7 @@
           <a:p>
             <a:fld id="{837F8614-31CF-3B41-B927-2A656F1F4AF8}" type="datetime1">
               <a:rPr kumimoji="1" lang="zh-CN" altLang="en-US" smtClean="0"/>
-              <a:t>2020/9/29</a:t>
+              <a:t>2021/3/30</a:t>
             </a:fld>
             <a:endParaRPr kumimoji="1" lang="zh-CN" altLang="en-US"/>
           </a:p>
@@ -2516,7 +2516,7 @@
           <a:p>
             <a:fld id="{7C439501-8ADE-B644-ABD7-B1E94536C12E}" type="datetime1">
               <a:rPr kumimoji="1" lang="zh-CN" altLang="en-US" smtClean="0"/>
-              <a:t>2020/9/29</a:t>
+              <a:t>2021/3/30</a:t>
             </a:fld>
             <a:endParaRPr kumimoji="1" lang="zh-CN" altLang="en-US"/>
           </a:p>
@@ -2662,7 +2662,7 @@
           <a:p>
             <a:fld id="{17E09F12-85EB-2040-A1E1-F149339CDB47}" type="datetime1">
               <a:rPr kumimoji="1" lang="zh-CN" altLang="en-US" smtClean="0"/>
-              <a:t>2020/9/29</a:t>
+              <a:t>2021/3/30</a:t>
             </a:fld>
             <a:endParaRPr kumimoji="1" lang="zh-CN" altLang="en-US"/>
           </a:p>
@@ -2914,7 +2914,7 @@
           <a:p>
             <a:fld id="{9CEAFC40-9230-BA41-A728-8560177B4312}" type="datetime1">
               <a:rPr kumimoji="1" lang="zh-CN" altLang="en-US" smtClean="0"/>
-              <a:t>2020/9/29</a:t>
+              <a:t>2021/3/30</a:t>
             </a:fld>
             <a:endParaRPr kumimoji="1" lang="zh-CN" altLang="en-US"/>
           </a:p>
@@ -3384,7 +3384,7 @@
           <a:p>
             <a:fld id="{667471DE-A621-EC4E-BDD0-23F29AFE4EF6}" type="datetime1">
               <a:rPr kumimoji="1" lang="zh-CN" altLang="en-US" smtClean="0"/>
-              <a:t>2020/9/29</a:t>
+              <a:t>2021/3/30</a:t>
             </a:fld>
             <a:endParaRPr kumimoji="1" lang="zh-CN" altLang="en-US"/>
           </a:p>
@@ -3730,7 +3730,7 @@
           <a:p>
             <a:fld id="{E85FDE48-3BA0-5146-8C41-3480179F902F}" type="datetime1">
               <a:rPr kumimoji="1" lang="zh-CN" altLang="en-US" smtClean="0"/>
-              <a:t>2020/9/29</a:t>
+              <a:t>2021/3/30</a:t>
             </a:fld>
             <a:endParaRPr kumimoji="1" lang="zh-CN" altLang="en-US"/>
           </a:p>
@@ -28994,8 +28994,8 @@
           </a:p>
         </p:txBody>
       </p:sp>
-      <mc:AlternateContent xmlns:mc="http://schemas.openxmlformats.org/markup-compatibility/2006" xmlns:a14="http://schemas.microsoft.com/office/drawing/2010/main">
-        <mc:Choice Requires="a14">
+      <mc:AlternateContent xmlns:mc="http://schemas.openxmlformats.org/markup-compatibility/2006">
+        <mc:Choice xmlns:a14="http://schemas.microsoft.com/office/drawing/2010/main" Requires="a14">
           <p:sp>
             <p:nvSpPr>
               <p:cNvPr id="3" name="内容占位符 2">
@@ -29025,7 +29025,7 @@
                 </a:r>
                 <a:r>
                   <a:rPr kumimoji="1" lang="en-US" altLang="zh-CN" sz="1800" dirty="0"/>
-                  <a:t>:  A= P·</a:t>
+                  <a:t>:  A = P·</a:t>
                 </a:r>
                 <a:r>
                   <a:rPr kumimoji="1" lang="zh-CN" altLang="en-US" sz="1800" dirty="0"/>
@@ -30329,7 +30329,7 @@
             </p:txBody>
           </p:sp>
         </mc:Choice>
-        <mc:Fallback xmlns="">
+        <mc:Fallback>
           <p:sp>
             <p:nvSpPr>
               <p:cNvPr id="3" name="内容占位符 2">
@@ -30350,7 +30350,7 @@
               <a:blipFill>
                 <a:blip r:embed="rId2"/>
                 <a:stretch>
-                  <a:fillRect l="-396" b="-2574"/>
+                  <a:fillRect l="-571" t="-177" b="-2473"/>
                 </a:stretch>
               </a:blipFill>
             </p:spPr>
